--- a/m1/Presentación Proyecto.pptx
+++ b/m1/Presentación Proyecto.pptx
@@ -16,16 +16,23 @@
     <p:sldId id="261" r:id="rId11"/>
     <p:sldId id="262" r:id="rId12"/>
     <p:sldId id="263" r:id="rId13"/>
+    <p:sldId id="264" r:id="rId14"/>
+    <p:sldId id="265" r:id="rId15"/>
+    <p:sldId id="266" r:id="rId16"/>
+    <p:sldId id="267" r:id="rId17"/>
+    <p:sldId id="268" r:id="rId18"/>
+    <p:sldId id="269" r:id="rId19"/>
+    <p:sldId id="270" r:id="rId20"/>
   </p:sldIdLst>
   <p:sldSz cy="5143500" cx="9144000"/>
   <p:notesSz cx="6858000" cy="9144000"/>
   <p:embeddedFontLst>
     <p:embeddedFont>
       <p:font typeface="Roboto"/>
-      <p:regular r:id="rId14"/>
-      <p:bold r:id="rId15"/>
-      <p:italic r:id="rId16"/>
-      <p:boldItalic r:id="rId17"/>
+      <p:regular r:id="rId21"/>
+      <p:bold r:id="rId22"/>
+      <p:italic r:id="rId23"/>
+      <p:boldItalic r:id="rId24"/>
     </p:embeddedFont>
   </p:embeddedFontLst>
   <p:defaultTextStyle>
@@ -801,6 +808,600 @@
 </p:notes>
 </file>
 
+<file path=ppt/notesSlides/notesSlide10.xml><?xml version="1.0" encoding="utf-8"?>
+<p:notes xmlns:a="http://schemas.openxmlformats.org/drawingml/2006/main" xmlns:r="http://schemas.openxmlformats.org/officeDocument/2006/relationships" xmlns:mc="http://schemas.openxmlformats.org/markup-compatibility/2006" xmlns:mv="urn:schemas-microsoft-com:mac:vml" xmlns:p="http://schemas.openxmlformats.org/presentationml/2006/main" xmlns:c="http://schemas.openxmlformats.org/drawingml/2006/chart" xmlns:dgm="http://schemas.openxmlformats.org/drawingml/2006/diagram" xmlns:o="urn:schemas-microsoft-com:office:office" xmlns:v="urn:schemas-microsoft-com:vml" xmlns:pvml="urn:schemas-microsoft-com:office:powerpoint" xmlns:com="http://schemas.openxmlformats.org/drawingml/2006/compatibility" xmlns:p14="http://schemas.microsoft.com/office/powerpoint/2010/main" xmlns:p15="http://schemas.microsoft.com/office/powerpoint/2012/main" xmlns:ahyp="http://schemas.microsoft.com/office/drawing/2018/hyperlinkcolor" showMasterPhAnim="0" showMasterSp="0">
+  <p:cSld>
+    <p:spTree>
+      <p:nvGrpSpPr>
+        <p:cNvPr id="117" name="Shape 117"/>
+        <p:cNvGrpSpPr/>
+        <p:nvPr/>
+      </p:nvGrpSpPr>
+      <p:grpSpPr>
+        <a:xfrm>
+          <a:off x="0" y="0"/>
+          <a:ext cx="0" cy="0"/>
+          <a:chOff x="0" y="0"/>
+          <a:chExt cx="0" cy="0"/>
+        </a:xfrm>
+      </p:grpSpPr>
+      <p:sp>
+        <p:nvSpPr>
+          <p:cNvPr id="118" name="Google Shape;118;gdb16acedc9_0_1058:notes"/>
+          <p:cNvSpPr/>
+          <p:nvPr>
+            <p:ph idx="2" type="sldImg"/>
+          </p:nvPr>
+        </p:nvSpPr>
+        <p:spPr>
+          <a:xfrm>
+            <a:off x="381300" y="685800"/>
+            <a:ext cx="6096000" cy="3429000"/>
+          </a:xfrm>
+          <a:custGeom>
+            <a:rect b="b" l="l" r="r" t="t"/>
+            <a:pathLst>
+              <a:path extrusionOk="0" h="120000" w="120000">
+                <a:moveTo>
+                  <a:pt x="0" y="0"/>
+                </a:moveTo>
+                <a:lnTo>
+                  <a:pt x="120000" y="0"/>
+                </a:lnTo>
+                <a:lnTo>
+                  <a:pt x="120000" y="120000"/>
+                </a:lnTo>
+                <a:lnTo>
+                  <a:pt x="0" y="120000"/>
+                </a:lnTo>
+                <a:close/>
+              </a:path>
+            </a:pathLst>
+          </a:custGeom>
+        </p:spPr>
+      </p:sp>
+      <p:sp>
+        <p:nvSpPr>
+          <p:cNvPr id="119" name="Google Shape;119;gdb16acedc9_0_1058:notes"/>
+          <p:cNvSpPr txBox="1"/>
+          <p:nvPr>
+            <p:ph idx="1" type="body"/>
+          </p:nvPr>
+        </p:nvSpPr>
+        <p:spPr>
+          <a:xfrm>
+            <a:off x="685800" y="4343400"/>
+            <a:ext cx="5486400" cy="4114800"/>
+          </a:xfrm>
+          <a:prstGeom prst="rect">
+            <a:avLst/>
+          </a:prstGeom>
+        </p:spPr>
+        <p:txBody>
+          <a:bodyPr anchorCtr="0" anchor="t" bIns="91425" lIns="91425" spcFirstLastPara="1" rIns="91425" wrap="square" tIns="91425">
+            <a:noAutofit/>
+          </a:bodyPr>
+          <a:lstStyle/>
+          <a:p>
+            <a:pPr indent="0" lvl="0" marL="0" rtl="0" algn="l">
+              <a:spcBef>
+                <a:spcPts val="0"/>
+              </a:spcBef>
+              <a:spcAft>
+                <a:spcPts val="0"/>
+              </a:spcAft>
+              <a:buNone/>
+            </a:pPr>
+            <a:r>
+              <a:t/>
+            </a:r>
+            <a:endParaRPr/>
+          </a:p>
+        </p:txBody>
+      </p:sp>
+    </p:spTree>
+  </p:cSld>
+  <p:clrMapOvr>
+    <a:masterClrMapping/>
+  </p:clrMapOvr>
+</p:notes>
+</file>
+
+<file path=ppt/notesSlides/notesSlide11.xml><?xml version="1.0" encoding="utf-8"?>
+<p:notes xmlns:a="http://schemas.openxmlformats.org/drawingml/2006/main" xmlns:r="http://schemas.openxmlformats.org/officeDocument/2006/relationships" xmlns:mc="http://schemas.openxmlformats.org/markup-compatibility/2006" xmlns:mv="urn:schemas-microsoft-com:mac:vml" xmlns:p="http://schemas.openxmlformats.org/presentationml/2006/main" xmlns:c="http://schemas.openxmlformats.org/drawingml/2006/chart" xmlns:dgm="http://schemas.openxmlformats.org/drawingml/2006/diagram" xmlns:o="urn:schemas-microsoft-com:office:office" xmlns:v="urn:schemas-microsoft-com:vml" xmlns:pvml="urn:schemas-microsoft-com:office:powerpoint" xmlns:com="http://schemas.openxmlformats.org/drawingml/2006/compatibility" xmlns:p14="http://schemas.microsoft.com/office/powerpoint/2010/main" xmlns:p15="http://schemas.microsoft.com/office/powerpoint/2012/main" xmlns:ahyp="http://schemas.microsoft.com/office/drawing/2018/hyperlinkcolor" showMasterPhAnim="0" showMasterSp="0">
+  <p:cSld>
+    <p:spTree>
+      <p:nvGrpSpPr>
+        <p:cNvPr id="124" name="Shape 124"/>
+        <p:cNvGrpSpPr/>
+        <p:nvPr/>
+      </p:nvGrpSpPr>
+      <p:grpSpPr>
+        <a:xfrm>
+          <a:off x="0" y="0"/>
+          <a:ext cx="0" cy="0"/>
+          <a:chOff x="0" y="0"/>
+          <a:chExt cx="0" cy="0"/>
+        </a:xfrm>
+      </p:grpSpPr>
+      <p:sp>
+        <p:nvSpPr>
+          <p:cNvPr id="125" name="Google Shape;125;g7b3a663e92_0_8:notes"/>
+          <p:cNvSpPr/>
+          <p:nvPr>
+            <p:ph idx="2" type="sldImg"/>
+          </p:nvPr>
+        </p:nvSpPr>
+        <p:spPr>
+          <a:xfrm>
+            <a:off x="381300" y="685800"/>
+            <a:ext cx="6096000" cy="3429000"/>
+          </a:xfrm>
+          <a:custGeom>
+            <a:rect b="b" l="l" r="r" t="t"/>
+            <a:pathLst>
+              <a:path extrusionOk="0" h="120000" w="120000">
+                <a:moveTo>
+                  <a:pt x="0" y="0"/>
+                </a:moveTo>
+                <a:lnTo>
+                  <a:pt x="120000" y="0"/>
+                </a:lnTo>
+                <a:lnTo>
+                  <a:pt x="120000" y="120000"/>
+                </a:lnTo>
+                <a:lnTo>
+                  <a:pt x="0" y="120000"/>
+                </a:lnTo>
+                <a:close/>
+              </a:path>
+            </a:pathLst>
+          </a:custGeom>
+        </p:spPr>
+      </p:sp>
+      <p:sp>
+        <p:nvSpPr>
+          <p:cNvPr id="126" name="Google Shape;126;g7b3a663e92_0_8:notes"/>
+          <p:cNvSpPr txBox="1"/>
+          <p:nvPr>
+            <p:ph idx="1" type="body"/>
+          </p:nvPr>
+        </p:nvSpPr>
+        <p:spPr>
+          <a:xfrm>
+            <a:off x="685800" y="4343400"/>
+            <a:ext cx="5486400" cy="4114800"/>
+          </a:xfrm>
+          <a:prstGeom prst="rect">
+            <a:avLst/>
+          </a:prstGeom>
+        </p:spPr>
+        <p:txBody>
+          <a:bodyPr anchorCtr="0" anchor="t" bIns="91425" lIns="91425" spcFirstLastPara="1" rIns="91425" wrap="square" tIns="91425">
+            <a:noAutofit/>
+          </a:bodyPr>
+          <a:lstStyle/>
+          <a:p>
+            <a:pPr indent="0" lvl="0" marL="0" rtl="0" algn="l">
+              <a:spcBef>
+                <a:spcPts val="0"/>
+              </a:spcBef>
+              <a:spcAft>
+                <a:spcPts val="0"/>
+              </a:spcAft>
+              <a:buNone/>
+            </a:pPr>
+            <a:r>
+              <a:t/>
+            </a:r>
+            <a:endParaRPr/>
+          </a:p>
+        </p:txBody>
+      </p:sp>
+    </p:spTree>
+  </p:cSld>
+  <p:clrMapOvr>
+    <a:masterClrMapping/>
+  </p:clrMapOvr>
+</p:notes>
+</file>
+
+<file path=ppt/notesSlides/notesSlide12.xml><?xml version="1.0" encoding="utf-8"?>
+<p:notes xmlns:a="http://schemas.openxmlformats.org/drawingml/2006/main" xmlns:r="http://schemas.openxmlformats.org/officeDocument/2006/relationships" xmlns:mc="http://schemas.openxmlformats.org/markup-compatibility/2006" xmlns:mv="urn:schemas-microsoft-com:mac:vml" xmlns:p="http://schemas.openxmlformats.org/presentationml/2006/main" xmlns:c="http://schemas.openxmlformats.org/drawingml/2006/chart" xmlns:dgm="http://schemas.openxmlformats.org/drawingml/2006/diagram" xmlns:o="urn:schemas-microsoft-com:office:office" xmlns:v="urn:schemas-microsoft-com:vml" xmlns:pvml="urn:schemas-microsoft-com:office:powerpoint" xmlns:com="http://schemas.openxmlformats.org/drawingml/2006/compatibility" xmlns:p14="http://schemas.microsoft.com/office/powerpoint/2010/main" xmlns:p15="http://schemas.microsoft.com/office/powerpoint/2012/main" xmlns:ahyp="http://schemas.microsoft.com/office/drawing/2018/hyperlinkcolor" showMasterPhAnim="0" showMasterSp="0">
+  <p:cSld>
+    <p:spTree>
+      <p:nvGrpSpPr>
+        <p:cNvPr id="130" name="Shape 130"/>
+        <p:cNvGrpSpPr/>
+        <p:nvPr/>
+      </p:nvGrpSpPr>
+      <p:grpSpPr>
+        <a:xfrm>
+          <a:off x="0" y="0"/>
+          <a:ext cx="0" cy="0"/>
+          <a:chOff x="0" y="0"/>
+          <a:chExt cx="0" cy="0"/>
+        </a:xfrm>
+      </p:grpSpPr>
+      <p:sp>
+        <p:nvSpPr>
+          <p:cNvPr id="131" name="Google Shape;131;g7b3a663e92_0_20:notes"/>
+          <p:cNvSpPr/>
+          <p:nvPr>
+            <p:ph idx="2" type="sldImg"/>
+          </p:nvPr>
+        </p:nvSpPr>
+        <p:spPr>
+          <a:xfrm>
+            <a:off x="381300" y="685800"/>
+            <a:ext cx="6096000" cy="3429000"/>
+          </a:xfrm>
+          <a:custGeom>
+            <a:rect b="b" l="l" r="r" t="t"/>
+            <a:pathLst>
+              <a:path extrusionOk="0" h="120000" w="120000">
+                <a:moveTo>
+                  <a:pt x="0" y="0"/>
+                </a:moveTo>
+                <a:lnTo>
+                  <a:pt x="120000" y="0"/>
+                </a:lnTo>
+                <a:lnTo>
+                  <a:pt x="120000" y="120000"/>
+                </a:lnTo>
+                <a:lnTo>
+                  <a:pt x="0" y="120000"/>
+                </a:lnTo>
+                <a:close/>
+              </a:path>
+            </a:pathLst>
+          </a:custGeom>
+        </p:spPr>
+      </p:sp>
+      <p:sp>
+        <p:nvSpPr>
+          <p:cNvPr id="132" name="Google Shape;132;g7b3a663e92_0_20:notes"/>
+          <p:cNvSpPr txBox="1"/>
+          <p:nvPr>
+            <p:ph idx="1" type="body"/>
+          </p:nvPr>
+        </p:nvSpPr>
+        <p:spPr>
+          <a:xfrm>
+            <a:off x="685800" y="4343400"/>
+            <a:ext cx="5486400" cy="4114800"/>
+          </a:xfrm>
+          <a:prstGeom prst="rect">
+            <a:avLst/>
+          </a:prstGeom>
+        </p:spPr>
+        <p:txBody>
+          <a:bodyPr anchorCtr="0" anchor="t" bIns="91425" lIns="91425" spcFirstLastPara="1" rIns="91425" wrap="square" tIns="91425">
+            <a:noAutofit/>
+          </a:bodyPr>
+          <a:lstStyle/>
+          <a:p>
+            <a:pPr indent="0" lvl="0" marL="0" rtl="0" algn="l">
+              <a:spcBef>
+                <a:spcPts val="0"/>
+              </a:spcBef>
+              <a:spcAft>
+                <a:spcPts val="0"/>
+              </a:spcAft>
+              <a:buNone/>
+            </a:pPr>
+            <a:r>
+              <a:t/>
+            </a:r>
+            <a:endParaRPr/>
+          </a:p>
+        </p:txBody>
+      </p:sp>
+    </p:spTree>
+  </p:cSld>
+  <p:clrMapOvr>
+    <a:masterClrMapping/>
+  </p:clrMapOvr>
+</p:notes>
+</file>
+
+<file path=ppt/notesSlides/notesSlide13.xml><?xml version="1.0" encoding="utf-8"?>
+<p:notes xmlns:a="http://schemas.openxmlformats.org/drawingml/2006/main" xmlns:r="http://schemas.openxmlformats.org/officeDocument/2006/relationships" xmlns:mc="http://schemas.openxmlformats.org/markup-compatibility/2006" xmlns:mv="urn:schemas-microsoft-com:mac:vml" xmlns:p="http://schemas.openxmlformats.org/presentationml/2006/main" xmlns:c="http://schemas.openxmlformats.org/drawingml/2006/chart" xmlns:dgm="http://schemas.openxmlformats.org/drawingml/2006/diagram" xmlns:o="urn:schemas-microsoft-com:office:office" xmlns:v="urn:schemas-microsoft-com:vml" xmlns:pvml="urn:schemas-microsoft-com:office:powerpoint" xmlns:com="http://schemas.openxmlformats.org/drawingml/2006/compatibility" xmlns:p14="http://schemas.microsoft.com/office/powerpoint/2010/main" xmlns:p15="http://schemas.microsoft.com/office/powerpoint/2012/main" xmlns:ahyp="http://schemas.microsoft.com/office/drawing/2018/hyperlinkcolor" showMasterPhAnim="0" showMasterSp="0">
+  <p:cSld>
+    <p:spTree>
+      <p:nvGrpSpPr>
+        <p:cNvPr id="136" name="Shape 136"/>
+        <p:cNvGrpSpPr/>
+        <p:nvPr/>
+      </p:nvGrpSpPr>
+      <p:grpSpPr>
+        <a:xfrm>
+          <a:off x="0" y="0"/>
+          <a:ext cx="0" cy="0"/>
+          <a:chOff x="0" y="0"/>
+          <a:chExt cx="0" cy="0"/>
+        </a:xfrm>
+      </p:grpSpPr>
+      <p:sp>
+        <p:nvSpPr>
+          <p:cNvPr id="137" name="Google Shape;137;g7b3a663e92_0_28:notes"/>
+          <p:cNvSpPr/>
+          <p:nvPr>
+            <p:ph idx="2" type="sldImg"/>
+          </p:nvPr>
+        </p:nvSpPr>
+        <p:spPr>
+          <a:xfrm>
+            <a:off x="381300" y="685800"/>
+            <a:ext cx="6096000" cy="3429000"/>
+          </a:xfrm>
+          <a:custGeom>
+            <a:rect b="b" l="l" r="r" t="t"/>
+            <a:pathLst>
+              <a:path extrusionOk="0" h="120000" w="120000">
+                <a:moveTo>
+                  <a:pt x="0" y="0"/>
+                </a:moveTo>
+                <a:lnTo>
+                  <a:pt x="120000" y="0"/>
+                </a:lnTo>
+                <a:lnTo>
+                  <a:pt x="120000" y="120000"/>
+                </a:lnTo>
+                <a:lnTo>
+                  <a:pt x="0" y="120000"/>
+                </a:lnTo>
+                <a:close/>
+              </a:path>
+            </a:pathLst>
+          </a:custGeom>
+        </p:spPr>
+      </p:sp>
+      <p:sp>
+        <p:nvSpPr>
+          <p:cNvPr id="138" name="Google Shape;138;g7b3a663e92_0_28:notes"/>
+          <p:cNvSpPr txBox="1"/>
+          <p:nvPr>
+            <p:ph idx="1" type="body"/>
+          </p:nvPr>
+        </p:nvSpPr>
+        <p:spPr>
+          <a:xfrm>
+            <a:off x="685800" y="4343400"/>
+            <a:ext cx="5486400" cy="4114800"/>
+          </a:xfrm>
+          <a:prstGeom prst="rect">
+            <a:avLst/>
+          </a:prstGeom>
+        </p:spPr>
+        <p:txBody>
+          <a:bodyPr anchorCtr="0" anchor="t" bIns="91425" lIns="91425" spcFirstLastPara="1" rIns="91425" wrap="square" tIns="91425">
+            <a:noAutofit/>
+          </a:bodyPr>
+          <a:lstStyle/>
+          <a:p>
+            <a:pPr indent="0" lvl="0" marL="0" rtl="0" algn="l">
+              <a:spcBef>
+                <a:spcPts val="0"/>
+              </a:spcBef>
+              <a:spcAft>
+                <a:spcPts val="0"/>
+              </a:spcAft>
+              <a:buNone/>
+            </a:pPr>
+            <a:r>
+              <a:t/>
+            </a:r>
+            <a:endParaRPr/>
+          </a:p>
+        </p:txBody>
+      </p:sp>
+    </p:spTree>
+  </p:cSld>
+  <p:clrMapOvr>
+    <a:masterClrMapping/>
+  </p:clrMapOvr>
+</p:notes>
+</file>
+
+<file path=ppt/notesSlides/notesSlide14.xml><?xml version="1.0" encoding="utf-8"?>
+<p:notes xmlns:a="http://schemas.openxmlformats.org/drawingml/2006/main" xmlns:r="http://schemas.openxmlformats.org/officeDocument/2006/relationships" xmlns:mc="http://schemas.openxmlformats.org/markup-compatibility/2006" xmlns:mv="urn:schemas-microsoft-com:mac:vml" xmlns:p="http://schemas.openxmlformats.org/presentationml/2006/main" xmlns:c="http://schemas.openxmlformats.org/drawingml/2006/chart" xmlns:dgm="http://schemas.openxmlformats.org/drawingml/2006/diagram" xmlns:o="urn:schemas-microsoft-com:office:office" xmlns:v="urn:schemas-microsoft-com:vml" xmlns:pvml="urn:schemas-microsoft-com:office:powerpoint" xmlns:com="http://schemas.openxmlformats.org/drawingml/2006/compatibility" xmlns:p14="http://schemas.microsoft.com/office/powerpoint/2010/main" xmlns:p15="http://schemas.microsoft.com/office/powerpoint/2012/main" xmlns:ahyp="http://schemas.microsoft.com/office/drawing/2018/hyperlinkcolor" showMasterPhAnim="0" showMasterSp="0">
+  <p:cSld>
+    <p:spTree>
+      <p:nvGrpSpPr>
+        <p:cNvPr id="141" name="Shape 141"/>
+        <p:cNvGrpSpPr/>
+        <p:nvPr/>
+      </p:nvGrpSpPr>
+      <p:grpSpPr>
+        <a:xfrm>
+          <a:off x="0" y="0"/>
+          <a:ext cx="0" cy="0"/>
+          <a:chOff x="0" y="0"/>
+          <a:chExt cx="0" cy="0"/>
+        </a:xfrm>
+      </p:grpSpPr>
+      <p:sp>
+        <p:nvSpPr>
+          <p:cNvPr id="142" name="Google Shape;142;g7b3a663e92_0_33:notes"/>
+          <p:cNvSpPr/>
+          <p:nvPr>
+            <p:ph idx="2" type="sldImg"/>
+          </p:nvPr>
+        </p:nvSpPr>
+        <p:spPr>
+          <a:xfrm>
+            <a:off x="381300" y="685800"/>
+            <a:ext cx="6096000" cy="3429000"/>
+          </a:xfrm>
+          <a:custGeom>
+            <a:rect b="b" l="l" r="r" t="t"/>
+            <a:pathLst>
+              <a:path extrusionOk="0" h="120000" w="120000">
+                <a:moveTo>
+                  <a:pt x="0" y="0"/>
+                </a:moveTo>
+                <a:lnTo>
+                  <a:pt x="120000" y="0"/>
+                </a:lnTo>
+                <a:lnTo>
+                  <a:pt x="120000" y="120000"/>
+                </a:lnTo>
+                <a:lnTo>
+                  <a:pt x="0" y="120000"/>
+                </a:lnTo>
+                <a:close/>
+              </a:path>
+            </a:pathLst>
+          </a:custGeom>
+        </p:spPr>
+      </p:sp>
+      <p:sp>
+        <p:nvSpPr>
+          <p:cNvPr id="143" name="Google Shape;143;g7b3a663e92_0_33:notes"/>
+          <p:cNvSpPr txBox="1"/>
+          <p:nvPr>
+            <p:ph idx="1" type="body"/>
+          </p:nvPr>
+        </p:nvSpPr>
+        <p:spPr>
+          <a:xfrm>
+            <a:off x="685800" y="4343400"/>
+            <a:ext cx="5486400" cy="4114800"/>
+          </a:xfrm>
+          <a:prstGeom prst="rect">
+            <a:avLst/>
+          </a:prstGeom>
+        </p:spPr>
+        <p:txBody>
+          <a:bodyPr anchorCtr="0" anchor="t" bIns="91425" lIns="91425" spcFirstLastPara="1" rIns="91425" wrap="square" tIns="91425">
+            <a:noAutofit/>
+          </a:bodyPr>
+          <a:lstStyle/>
+          <a:p>
+            <a:pPr indent="0" lvl="0" marL="0" rtl="0" algn="l">
+              <a:spcBef>
+                <a:spcPts val="0"/>
+              </a:spcBef>
+              <a:spcAft>
+                <a:spcPts val="0"/>
+              </a:spcAft>
+              <a:buNone/>
+            </a:pPr>
+            <a:r>
+              <a:t/>
+            </a:r>
+            <a:endParaRPr/>
+          </a:p>
+        </p:txBody>
+      </p:sp>
+    </p:spTree>
+  </p:cSld>
+  <p:clrMapOvr>
+    <a:masterClrMapping/>
+  </p:clrMapOvr>
+</p:notes>
+</file>
+
+<file path=ppt/notesSlides/notesSlide15.xml><?xml version="1.0" encoding="utf-8"?>
+<p:notes xmlns:a="http://schemas.openxmlformats.org/drawingml/2006/main" xmlns:r="http://schemas.openxmlformats.org/officeDocument/2006/relationships" xmlns:mc="http://schemas.openxmlformats.org/markup-compatibility/2006" xmlns:mv="urn:schemas-microsoft-com:mac:vml" xmlns:p="http://schemas.openxmlformats.org/presentationml/2006/main" xmlns:c="http://schemas.openxmlformats.org/drawingml/2006/chart" xmlns:dgm="http://schemas.openxmlformats.org/drawingml/2006/diagram" xmlns:o="urn:schemas-microsoft-com:office:office" xmlns:v="urn:schemas-microsoft-com:vml" xmlns:pvml="urn:schemas-microsoft-com:office:powerpoint" xmlns:com="http://schemas.openxmlformats.org/drawingml/2006/compatibility" xmlns:p14="http://schemas.microsoft.com/office/powerpoint/2010/main" xmlns:p15="http://schemas.microsoft.com/office/powerpoint/2012/main" xmlns:ahyp="http://schemas.microsoft.com/office/drawing/2018/hyperlinkcolor" showMasterPhAnim="0" showMasterSp="0">
+  <p:cSld>
+    <p:spTree>
+      <p:nvGrpSpPr>
+        <p:cNvPr id="146" name="Shape 146"/>
+        <p:cNvGrpSpPr/>
+        <p:nvPr/>
+      </p:nvGrpSpPr>
+      <p:grpSpPr>
+        <a:xfrm>
+          <a:off x="0" y="0"/>
+          <a:ext cx="0" cy="0"/>
+          <a:chOff x="0" y="0"/>
+          <a:chExt cx="0" cy="0"/>
+        </a:xfrm>
+      </p:grpSpPr>
+      <p:sp>
+        <p:nvSpPr>
+          <p:cNvPr id="147" name="Google Shape;147;gdb16acedc9_0_1073:notes"/>
+          <p:cNvSpPr/>
+          <p:nvPr>
+            <p:ph idx="2" type="sldImg"/>
+          </p:nvPr>
+        </p:nvSpPr>
+        <p:spPr>
+          <a:xfrm>
+            <a:off x="381300" y="685800"/>
+            <a:ext cx="6096000" cy="3429000"/>
+          </a:xfrm>
+          <a:custGeom>
+            <a:rect b="b" l="l" r="r" t="t"/>
+            <a:pathLst>
+              <a:path extrusionOk="0" h="120000" w="120000">
+                <a:moveTo>
+                  <a:pt x="0" y="0"/>
+                </a:moveTo>
+                <a:lnTo>
+                  <a:pt x="120000" y="0"/>
+                </a:lnTo>
+                <a:lnTo>
+                  <a:pt x="120000" y="120000"/>
+                </a:lnTo>
+                <a:lnTo>
+                  <a:pt x="0" y="120000"/>
+                </a:lnTo>
+                <a:close/>
+              </a:path>
+            </a:pathLst>
+          </a:custGeom>
+        </p:spPr>
+      </p:sp>
+      <p:sp>
+        <p:nvSpPr>
+          <p:cNvPr id="148" name="Google Shape;148;gdb16acedc9_0_1073:notes"/>
+          <p:cNvSpPr txBox="1"/>
+          <p:nvPr>
+            <p:ph idx="1" type="body"/>
+          </p:nvPr>
+        </p:nvSpPr>
+        <p:spPr>
+          <a:xfrm>
+            <a:off x="685800" y="4343400"/>
+            <a:ext cx="5486400" cy="4114800"/>
+          </a:xfrm>
+          <a:prstGeom prst="rect">
+            <a:avLst/>
+          </a:prstGeom>
+        </p:spPr>
+        <p:txBody>
+          <a:bodyPr anchorCtr="0" anchor="t" bIns="91425" lIns="91425" spcFirstLastPara="1" rIns="91425" wrap="square" tIns="91425">
+            <a:noAutofit/>
+          </a:bodyPr>
+          <a:lstStyle/>
+          <a:p>
+            <a:pPr indent="0" lvl="0" marL="0" rtl="0" algn="l">
+              <a:spcBef>
+                <a:spcPts val="0"/>
+              </a:spcBef>
+              <a:spcAft>
+                <a:spcPts val="0"/>
+              </a:spcAft>
+              <a:buNone/>
+            </a:pPr>
+            <a:r>
+              <a:t/>
+            </a:r>
+            <a:endParaRPr/>
+          </a:p>
+        </p:txBody>
+      </p:sp>
+    </p:spTree>
+  </p:cSld>
+  <p:clrMapOvr>
+    <a:masterClrMapping/>
+  </p:clrMapOvr>
+</p:notes>
+</file>
+
 <file path=ppt/notesSlides/notesSlide2.xml><?xml version="1.0" encoding="utf-8"?>
 <p:notes xmlns:a="http://schemas.openxmlformats.org/drawingml/2006/main" xmlns:r="http://schemas.openxmlformats.org/officeDocument/2006/relationships" xmlns:mc="http://schemas.openxmlformats.org/markup-compatibility/2006" xmlns:mv="urn:schemas-microsoft-com:mac:vml" xmlns:p="http://schemas.openxmlformats.org/presentationml/2006/main" xmlns:c="http://schemas.openxmlformats.org/drawingml/2006/chart" xmlns:dgm="http://schemas.openxmlformats.org/drawingml/2006/diagram" xmlns:o="urn:schemas-microsoft-com:office:office" xmlns:v="urn:schemas-microsoft-com:vml" xmlns:pvml="urn:schemas-microsoft-com:office:powerpoint" xmlns:com="http://schemas.openxmlformats.org/drawingml/2006/compatibility" xmlns:p14="http://schemas.microsoft.com/office/powerpoint/2010/main" xmlns:p15="http://schemas.microsoft.com/office/powerpoint/2012/main" xmlns:ahyp="http://schemas.microsoft.com/office/drawing/2018/hyperlinkcolor" showMasterPhAnim="0" showMasterSp="0">
   <p:cSld>
@@ -1103,7 +1704,7 @@
   <p:cSld>
     <p:spTree>
       <p:nvGrpSpPr>
-        <p:cNvPr id="87" name="Shape 87"/>
+        <p:cNvPr id="88" name="Shape 88"/>
         <p:cNvGrpSpPr/>
         <p:nvPr/>
       </p:nvGrpSpPr>
@@ -1117,7 +1718,7 @@
       </p:grpSpPr>
       <p:sp>
         <p:nvSpPr>
-          <p:cNvPr id="88" name="Google Shape;88;gdb16acedc9_0_1058:notes"/>
+          <p:cNvPr id="89" name="Google Shape;89;g7b3a663e92_0_1:notes"/>
           <p:cNvSpPr/>
           <p:nvPr>
             <p:ph idx="2" type="sldImg"/>
@@ -1152,7 +1753,7 @@
       </p:sp>
       <p:sp>
         <p:nvSpPr>
-          <p:cNvPr id="89" name="Google Shape;89;gdb16acedc9_0_1058:notes"/>
+          <p:cNvPr id="90" name="Google Shape;90;g7b3a663e92_0_1:notes"/>
           <p:cNvSpPr txBox="1"/>
           <p:nvPr>
             <p:ph idx="1" type="body"/>
@@ -1301,7 +1902,7 @@
   <p:cSld>
     <p:spTree>
       <p:nvGrpSpPr>
-        <p:cNvPr id="99" name="Shape 99"/>
+        <p:cNvPr id="100" name="Shape 100"/>
         <p:cNvGrpSpPr/>
         <p:nvPr/>
       </p:nvGrpSpPr>
@@ -1315,7 +1916,7 @@
       </p:grpSpPr>
       <p:sp>
         <p:nvSpPr>
-          <p:cNvPr id="100" name="Google Shape;100;gdb16acedc9_0_1068:notes"/>
+          <p:cNvPr id="101" name="Google Shape;101;g7b3a663e92_0_38:notes"/>
           <p:cNvSpPr/>
           <p:nvPr>
             <p:ph idx="2" type="sldImg"/>
@@ -1350,7 +1951,7 @@
       </p:sp>
       <p:sp>
         <p:nvSpPr>
-          <p:cNvPr id="101" name="Google Shape;101;gdb16acedc9_0_1068:notes"/>
+          <p:cNvPr id="102" name="Google Shape;102;g7b3a663e92_0_38:notes"/>
           <p:cNvSpPr txBox="1"/>
           <p:nvPr>
             <p:ph idx="1" type="body"/>
@@ -1414,7 +2015,7 @@
       </p:grpSpPr>
       <p:sp>
         <p:nvSpPr>
-          <p:cNvPr id="106" name="Google Shape;106;gdb16acedc9_0_1073:notes"/>
+          <p:cNvPr id="106" name="Google Shape;106;gdb16acedc9_0_1068:notes"/>
           <p:cNvSpPr/>
           <p:nvPr>
             <p:ph idx="2" type="sldImg"/>
@@ -1449,7 +2050,106 @@
       </p:sp>
       <p:sp>
         <p:nvSpPr>
-          <p:cNvPr id="107" name="Google Shape;107;gdb16acedc9_0_1073:notes"/>
+          <p:cNvPr id="107" name="Google Shape;107;gdb16acedc9_0_1068:notes"/>
+          <p:cNvSpPr txBox="1"/>
+          <p:nvPr>
+            <p:ph idx="1" type="body"/>
+          </p:nvPr>
+        </p:nvSpPr>
+        <p:spPr>
+          <a:xfrm>
+            <a:off x="685800" y="4343400"/>
+            <a:ext cx="5486400" cy="4114800"/>
+          </a:xfrm>
+          <a:prstGeom prst="rect">
+            <a:avLst/>
+          </a:prstGeom>
+        </p:spPr>
+        <p:txBody>
+          <a:bodyPr anchorCtr="0" anchor="t" bIns="91425" lIns="91425" spcFirstLastPara="1" rIns="91425" wrap="square" tIns="91425">
+            <a:noAutofit/>
+          </a:bodyPr>
+          <a:lstStyle/>
+          <a:p>
+            <a:pPr indent="0" lvl="0" marL="0" rtl="0" algn="l">
+              <a:spcBef>
+                <a:spcPts val="0"/>
+              </a:spcBef>
+              <a:spcAft>
+                <a:spcPts val="0"/>
+              </a:spcAft>
+              <a:buNone/>
+            </a:pPr>
+            <a:r>
+              <a:t/>
+            </a:r>
+            <a:endParaRPr/>
+          </a:p>
+        </p:txBody>
+      </p:sp>
+    </p:spTree>
+  </p:cSld>
+  <p:clrMapOvr>
+    <a:masterClrMapping/>
+  </p:clrMapOvr>
+</p:notes>
+</file>
+
+<file path=ppt/notesSlides/notesSlide9.xml><?xml version="1.0" encoding="utf-8"?>
+<p:notes xmlns:a="http://schemas.openxmlformats.org/drawingml/2006/main" xmlns:r="http://schemas.openxmlformats.org/officeDocument/2006/relationships" xmlns:mc="http://schemas.openxmlformats.org/markup-compatibility/2006" xmlns:mv="urn:schemas-microsoft-com:mac:vml" xmlns:p="http://schemas.openxmlformats.org/presentationml/2006/main" xmlns:c="http://schemas.openxmlformats.org/drawingml/2006/chart" xmlns:dgm="http://schemas.openxmlformats.org/drawingml/2006/diagram" xmlns:o="urn:schemas-microsoft-com:office:office" xmlns:v="urn:schemas-microsoft-com:vml" xmlns:pvml="urn:schemas-microsoft-com:office:powerpoint" xmlns:com="http://schemas.openxmlformats.org/drawingml/2006/compatibility" xmlns:p14="http://schemas.microsoft.com/office/powerpoint/2010/main" xmlns:p15="http://schemas.microsoft.com/office/powerpoint/2012/main" xmlns:ahyp="http://schemas.microsoft.com/office/drawing/2018/hyperlinkcolor" showMasterPhAnim="0" showMasterSp="0">
+  <p:cSld>
+    <p:spTree>
+      <p:nvGrpSpPr>
+        <p:cNvPr id="112" name="Shape 112"/>
+        <p:cNvGrpSpPr/>
+        <p:nvPr/>
+      </p:nvGrpSpPr>
+      <p:grpSpPr>
+        <a:xfrm>
+          <a:off x="0" y="0"/>
+          <a:ext cx="0" cy="0"/>
+          <a:chOff x="0" y="0"/>
+          <a:chExt cx="0" cy="0"/>
+        </a:xfrm>
+      </p:grpSpPr>
+      <p:sp>
+        <p:nvSpPr>
+          <p:cNvPr id="113" name="Google Shape;113;g7b3a663e92_0_42:notes"/>
+          <p:cNvSpPr/>
+          <p:nvPr>
+            <p:ph idx="2" type="sldImg"/>
+          </p:nvPr>
+        </p:nvSpPr>
+        <p:spPr>
+          <a:xfrm>
+            <a:off x="381300" y="685800"/>
+            <a:ext cx="6096000" cy="3429000"/>
+          </a:xfrm>
+          <a:custGeom>
+            <a:rect b="b" l="l" r="r" t="t"/>
+            <a:pathLst>
+              <a:path extrusionOk="0" h="120000" w="120000">
+                <a:moveTo>
+                  <a:pt x="0" y="0"/>
+                </a:moveTo>
+                <a:lnTo>
+                  <a:pt x="120000" y="0"/>
+                </a:lnTo>
+                <a:lnTo>
+                  <a:pt x="120000" y="120000"/>
+                </a:lnTo>
+                <a:lnTo>
+                  <a:pt x="0" y="120000"/>
+                </a:lnTo>
+                <a:close/>
+              </a:path>
+            </a:pathLst>
+          </a:custGeom>
+        </p:spPr>
+      </p:sp>
+      <p:sp>
+        <p:nvSpPr>
+          <p:cNvPr id="114" name="Google Shape;114;g7b3a663e92_0_42:notes"/>
           <p:cNvSpPr txBox="1"/>
           <p:nvPr>
             <p:ph idx="1" type="body"/>
@@ -7501,6 +8201,695 @@
 </p:sld>
 </file>
 
+<file path=ppt/slides/slide10.xml><?xml version="1.0" encoding="utf-8"?>
+<p:sld xmlns:a="http://schemas.openxmlformats.org/drawingml/2006/main" xmlns:r="http://schemas.openxmlformats.org/officeDocument/2006/relationships" xmlns:mc="http://schemas.openxmlformats.org/markup-compatibility/2006" xmlns:mv="urn:schemas-microsoft-com:mac:vml" xmlns:p="http://schemas.openxmlformats.org/presentationml/2006/main" xmlns:c="http://schemas.openxmlformats.org/drawingml/2006/chart" xmlns:dgm="http://schemas.openxmlformats.org/drawingml/2006/diagram" xmlns:o="urn:schemas-microsoft-com:office:office" xmlns:v="urn:schemas-microsoft-com:vml" xmlns:pvml="urn:schemas-microsoft-com:office:powerpoint" xmlns:com="http://schemas.openxmlformats.org/drawingml/2006/compatibility" xmlns:p14="http://schemas.microsoft.com/office/powerpoint/2010/main" xmlns:p15="http://schemas.microsoft.com/office/powerpoint/2012/main" xmlns:ahyp="http://schemas.microsoft.com/office/drawing/2018/hyperlinkcolor">
+  <p:cSld>
+    <p:spTree>
+      <p:nvGrpSpPr>
+        <p:cNvPr id="120" name="Shape 120"/>
+        <p:cNvGrpSpPr/>
+        <p:nvPr/>
+      </p:nvGrpSpPr>
+      <p:grpSpPr>
+        <a:xfrm>
+          <a:off x="0" y="0"/>
+          <a:ext cx="0" cy="0"/>
+          <a:chOff x="0" y="0"/>
+          <a:chExt cx="0" cy="0"/>
+        </a:xfrm>
+      </p:grpSpPr>
+      <p:sp>
+        <p:nvSpPr>
+          <p:cNvPr id="121" name="Google Shape;121;p22"/>
+          <p:cNvSpPr txBox="1"/>
+          <p:nvPr>
+            <p:ph type="title"/>
+          </p:nvPr>
+        </p:nvSpPr>
+        <p:spPr>
+          <a:xfrm>
+            <a:off x="471900" y="738725"/>
+            <a:ext cx="8222100" cy="767700"/>
+          </a:xfrm>
+          <a:prstGeom prst="rect">
+            <a:avLst/>
+          </a:prstGeom>
+        </p:spPr>
+        <p:txBody>
+          <a:bodyPr anchorCtr="0" anchor="b" bIns="91425" lIns="91425" spcFirstLastPara="1" rIns="91425" wrap="square" tIns="91425">
+            <a:normAutofit/>
+          </a:bodyPr>
+          <a:lstStyle/>
+          <a:p>
+            <a:pPr indent="0" lvl="0" marL="0" rtl="0" algn="l">
+              <a:spcBef>
+                <a:spcPts val="0"/>
+              </a:spcBef>
+              <a:spcAft>
+                <a:spcPts val="0"/>
+              </a:spcAft>
+              <a:buNone/>
+            </a:pPr>
+            <a:r>
+              <a:rPr lang="ca"/>
+              <a:t>M1 Sistemas Informáticos</a:t>
+            </a:r>
+            <a:endParaRPr/>
+          </a:p>
+        </p:txBody>
+      </p:sp>
+      <p:sp>
+        <p:nvSpPr>
+          <p:cNvPr id="122" name="Google Shape;122;p22"/>
+          <p:cNvSpPr txBox="1"/>
+          <p:nvPr>
+            <p:ph idx="1" type="body"/>
+          </p:nvPr>
+        </p:nvSpPr>
+        <p:spPr>
+          <a:xfrm>
+            <a:off x="471900" y="1919075"/>
+            <a:ext cx="8222100" cy="2710200"/>
+          </a:xfrm>
+          <a:prstGeom prst="rect">
+            <a:avLst/>
+          </a:prstGeom>
+        </p:spPr>
+        <p:txBody>
+          <a:bodyPr anchorCtr="0" anchor="t" bIns="91425" lIns="91425" spcFirstLastPara="1" rIns="91425" wrap="square" tIns="91425">
+            <a:normAutofit/>
+          </a:bodyPr>
+          <a:lstStyle/>
+          <a:p>
+            <a:pPr indent="0" lvl="0" marL="0" rtl="0" algn="l">
+              <a:spcBef>
+                <a:spcPts val="0"/>
+              </a:spcBef>
+              <a:spcAft>
+                <a:spcPts val="1200"/>
+              </a:spcAft>
+              <a:buNone/>
+            </a:pPr>
+            <a:r>
+              <a:t/>
+            </a:r>
+            <a:endParaRPr/>
+          </a:p>
+        </p:txBody>
+      </p:sp>
+      <p:pic>
+        <p:nvPicPr>
+          <p:cNvPr id="123" name="Google Shape;123;p22"/>
+          <p:cNvPicPr preferRelativeResize="0"/>
+          <p:nvPr/>
+        </p:nvPicPr>
+        <p:blipFill>
+          <a:blip r:embed="rId3">
+            <a:alphaModFix/>
+          </a:blip>
+          <a:stretch>
+            <a:fillRect/>
+          </a:stretch>
+        </p:blipFill>
+        <p:spPr>
+          <a:xfrm>
+            <a:off x="2705075" y="1812150"/>
+            <a:ext cx="3224424" cy="3224424"/>
+          </a:xfrm>
+          <a:prstGeom prst="rect">
+            <a:avLst/>
+          </a:prstGeom>
+          <a:noFill/>
+          <a:ln>
+            <a:noFill/>
+          </a:ln>
+        </p:spPr>
+      </p:pic>
+    </p:spTree>
+  </p:cSld>
+  <p:clrMapOvr>
+    <a:masterClrMapping/>
+  </p:clrMapOvr>
+</p:sld>
+</file>
+
+<file path=ppt/slides/slide11.xml><?xml version="1.0" encoding="utf-8"?>
+<p:sld xmlns:a="http://schemas.openxmlformats.org/drawingml/2006/main" xmlns:r="http://schemas.openxmlformats.org/officeDocument/2006/relationships" xmlns:mc="http://schemas.openxmlformats.org/markup-compatibility/2006" xmlns:mv="urn:schemas-microsoft-com:mac:vml" xmlns:p="http://schemas.openxmlformats.org/presentationml/2006/main" xmlns:c="http://schemas.openxmlformats.org/drawingml/2006/chart" xmlns:dgm="http://schemas.openxmlformats.org/drawingml/2006/diagram" xmlns:o="urn:schemas-microsoft-com:office:office" xmlns:v="urn:schemas-microsoft-com:vml" xmlns:pvml="urn:schemas-microsoft-com:office:powerpoint" xmlns:com="http://schemas.openxmlformats.org/drawingml/2006/compatibility" xmlns:p14="http://schemas.microsoft.com/office/powerpoint/2010/main" xmlns:p15="http://schemas.microsoft.com/office/powerpoint/2012/main" xmlns:ahyp="http://schemas.microsoft.com/office/drawing/2018/hyperlinkcolor">
+  <p:cSld>
+    <p:spTree>
+      <p:nvGrpSpPr>
+        <p:cNvPr id="127" name="Shape 127"/>
+        <p:cNvGrpSpPr/>
+        <p:nvPr/>
+      </p:nvGrpSpPr>
+      <p:grpSpPr>
+        <a:xfrm>
+          <a:off x="0" y="0"/>
+          <a:ext cx="0" cy="0"/>
+          <a:chOff x="0" y="0"/>
+          <a:chExt cx="0" cy="0"/>
+        </a:xfrm>
+      </p:grpSpPr>
+      <p:sp>
+        <p:nvSpPr>
+          <p:cNvPr id="128" name="Google Shape;128;p23"/>
+          <p:cNvSpPr txBox="1"/>
+          <p:nvPr>
+            <p:ph type="title"/>
+          </p:nvPr>
+        </p:nvSpPr>
+        <p:spPr>
+          <a:xfrm>
+            <a:off x="471900" y="738725"/>
+            <a:ext cx="8222100" cy="767700"/>
+          </a:xfrm>
+          <a:prstGeom prst="rect">
+            <a:avLst/>
+          </a:prstGeom>
+        </p:spPr>
+        <p:txBody>
+          <a:bodyPr anchorCtr="0" anchor="b" bIns="91425" lIns="91425" spcFirstLastPara="1" rIns="91425" wrap="square" tIns="91425">
+            <a:normAutofit/>
+          </a:bodyPr>
+          <a:lstStyle/>
+          <a:p>
+            <a:pPr indent="0" lvl="0" marL="0" rtl="0" algn="l">
+              <a:spcBef>
+                <a:spcPts val="0"/>
+              </a:spcBef>
+              <a:spcAft>
+                <a:spcPts val="0"/>
+              </a:spcAft>
+              <a:buNone/>
+            </a:pPr>
+            <a:r>
+              <a:rPr lang="ca"/>
+              <a:t>M1 Sistemas Informáticos</a:t>
+            </a:r>
+            <a:endParaRPr/>
+          </a:p>
+        </p:txBody>
+      </p:sp>
+      <p:sp>
+        <p:nvSpPr>
+          <p:cNvPr id="129" name="Google Shape;129;p23"/>
+          <p:cNvSpPr txBox="1"/>
+          <p:nvPr>
+            <p:ph idx="1" type="body"/>
+          </p:nvPr>
+        </p:nvSpPr>
+        <p:spPr>
+          <a:xfrm>
+            <a:off x="471900" y="1919075"/>
+            <a:ext cx="8222100" cy="2710200"/>
+          </a:xfrm>
+          <a:prstGeom prst="rect">
+            <a:avLst/>
+          </a:prstGeom>
+        </p:spPr>
+        <p:txBody>
+          <a:bodyPr anchorCtr="0" anchor="t" bIns="91425" lIns="91425" spcFirstLastPara="1" rIns="91425" wrap="square" tIns="91425">
+            <a:normAutofit/>
+          </a:bodyPr>
+          <a:lstStyle/>
+          <a:p>
+            <a:pPr indent="0" lvl="0" marL="0" rtl="0" algn="l">
+              <a:spcBef>
+                <a:spcPts val="0"/>
+              </a:spcBef>
+              <a:spcAft>
+                <a:spcPts val="0"/>
+              </a:spcAft>
+              <a:buNone/>
+            </a:pPr>
+            <a:r>
+              <a:rPr lang="ca"/>
+              <a:t>¿Qué incluye el manual de usuario?</a:t>
+            </a:r>
+            <a:endParaRPr/>
+          </a:p>
+          <a:p>
+            <a:pPr indent="0" lvl="0" marL="0" rtl="0" algn="l">
+              <a:spcBef>
+                <a:spcPts val="1200"/>
+              </a:spcBef>
+              <a:spcAft>
+                <a:spcPts val="0"/>
+              </a:spcAft>
+              <a:buNone/>
+            </a:pPr>
+            <a:r>
+              <a:rPr lang="ca"/>
+              <a:t>-Introducción del juego</a:t>
+            </a:r>
+            <a:endParaRPr/>
+          </a:p>
+          <a:p>
+            <a:pPr indent="0" lvl="0" marL="0" rtl="0" algn="l">
+              <a:spcBef>
+                <a:spcPts val="1200"/>
+              </a:spcBef>
+              <a:spcAft>
+                <a:spcPts val="1200"/>
+              </a:spcAft>
+              <a:buNone/>
+            </a:pPr>
+            <a:r>
+              <a:rPr lang="ca"/>
+              <a:t>-Explicación de cada uno de los modos y funciones del juego</a:t>
+            </a:r>
+            <a:endParaRPr/>
+          </a:p>
+        </p:txBody>
+      </p:sp>
+    </p:spTree>
+  </p:cSld>
+  <p:clrMapOvr>
+    <a:masterClrMapping/>
+  </p:clrMapOvr>
+</p:sld>
+</file>
+
+<file path=ppt/slides/slide12.xml><?xml version="1.0" encoding="utf-8"?>
+<p:sld xmlns:a="http://schemas.openxmlformats.org/drawingml/2006/main" xmlns:r="http://schemas.openxmlformats.org/officeDocument/2006/relationships" xmlns:mc="http://schemas.openxmlformats.org/markup-compatibility/2006" xmlns:mv="urn:schemas-microsoft-com:mac:vml" xmlns:p="http://schemas.openxmlformats.org/presentationml/2006/main" xmlns:c="http://schemas.openxmlformats.org/drawingml/2006/chart" xmlns:dgm="http://schemas.openxmlformats.org/drawingml/2006/diagram" xmlns:o="urn:schemas-microsoft-com:office:office" xmlns:v="urn:schemas-microsoft-com:vml" xmlns:pvml="urn:schemas-microsoft-com:office:powerpoint" xmlns:com="http://schemas.openxmlformats.org/drawingml/2006/compatibility" xmlns:p14="http://schemas.microsoft.com/office/powerpoint/2010/main" xmlns:p15="http://schemas.microsoft.com/office/powerpoint/2012/main" xmlns:ahyp="http://schemas.microsoft.com/office/drawing/2018/hyperlinkcolor">
+  <p:cSld>
+    <p:spTree>
+      <p:nvGrpSpPr>
+        <p:cNvPr id="133" name="Shape 133"/>
+        <p:cNvGrpSpPr/>
+        <p:nvPr/>
+      </p:nvGrpSpPr>
+      <p:grpSpPr>
+        <a:xfrm>
+          <a:off x="0" y="0"/>
+          <a:ext cx="0" cy="0"/>
+          <a:chOff x="0" y="0"/>
+          <a:chExt cx="0" cy="0"/>
+        </a:xfrm>
+      </p:grpSpPr>
+      <p:sp>
+        <p:nvSpPr>
+          <p:cNvPr id="134" name="Google Shape;134;p24"/>
+          <p:cNvSpPr txBox="1"/>
+          <p:nvPr>
+            <p:ph type="title"/>
+          </p:nvPr>
+        </p:nvSpPr>
+        <p:spPr>
+          <a:xfrm>
+            <a:off x="471900" y="738725"/>
+            <a:ext cx="8222100" cy="767700"/>
+          </a:xfrm>
+          <a:prstGeom prst="rect">
+            <a:avLst/>
+          </a:prstGeom>
+        </p:spPr>
+        <p:txBody>
+          <a:bodyPr anchorCtr="0" anchor="b" bIns="91425" lIns="91425" spcFirstLastPara="1" rIns="91425" wrap="square" tIns="91425">
+            <a:normAutofit/>
+          </a:bodyPr>
+          <a:lstStyle/>
+          <a:p>
+            <a:pPr indent="0" lvl="0" marL="0" rtl="0" algn="l">
+              <a:spcBef>
+                <a:spcPts val="0"/>
+              </a:spcBef>
+              <a:spcAft>
+                <a:spcPts val="0"/>
+              </a:spcAft>
+              <a:buNone/>
+            </a:pPr>
+            <a:r>
+              <a:rPr lang="ca"/>
+              <a:t>M1 Sistemas Informáticos</a:t>
+            </a:r>
+            <a:endParaRPr/>
+          </a:p>
+        </p:txBody>
+      </p:sp>
+      <p:sp>
+        <p:nvSpPr>
+          <p:cNvPr id="135" name="Google Shape;135;p24"/>
+          <p:cNvSpPr txBox="1"/>
+          <p:nvPr>
+            <p:ph idx="1" type="body"/>
+          </p:nvPr>
+        </p:nvSpPr>
+        <p:spPr>
+          <a:xfrm>
+            <a:off x="471900" y="1919075"/>
+            <a:ext cx="8222100" cy="2710200"/>
+          </a:xfrm>
+          <a:prstGeom prst="rect">
+            <a:avLst/>
+          </a:prstGeom>
+        </p:spPr>
+        <p:txBody>
+          <a:bodyPr anchorCtr="0" anchor="t" bIns="91425" lIns="91425" spcFirstLastPara="1" rIns="91425" wrap="square" tIns="91425">
+            <a:normAutofit lnSpcReduction="10000"/>
+          </a:bodyPr>
+          <a:lstStyle/>
+          <a:p>
+            <a:pPr indent="0" lvl="0" marL="0" rtl="0" algn="l">
+              <a:spcBef>
+                <a:spcPts val="0"/>
+              </a:spcBef>
+              <a:spcAft>
+                <a:spcPts val="0"/>
+              </a:spcAft>
+              <a:buNone/>
+            </a:pPr>
+            <a:r>
+              <a:rPr lang="ca"/>
+              <a:t>¿Qué incluye el manual de usuario?</a:t>
+            </a:r>
+            <a:endParaRPr/>
+          </a:p>
+          <a:p>
+            <a:pPr indent="0" lvl="0" marL="0" rtl="0" algn="l">
+              <a:spcBef>
+                <a:spcPts val="1200"/>
+              </a:spcBef>
+              <a:spcAft>
+                <a:spcPts val="0"/>
+              </a:spcAft>
+              <a:buNone/>
+            </a:pPr>
+            <a:r>
+              <a:rPr lang="ca"/>
+              <a:t>-Resumen del proyecto</a:t>
+            </a:r>
+            <a:endParaRPr/>
+          </a:p>
+          <a:p>
+            <a:pPr indent="0" lvl="0" marL="0" rtl="0" algn="l">
+              <a:spcBef>
+                <a:spcPts val="1200"/>
+              </a:spcBef>
+              <a:spcAft>
+                <a:spcPts val="0"/>
+              </a:spcAft>
+              <a:buNone/>
+            </a:pPr>
+            <a:r>
+              <a:rPr lang="ca"/>
+              <a:t>-Tecnologia aplicada</a:t>
+            </a:r>
+            <a:endParaRPr/>
+          </a:p>
+          <a:p>
+            <a:pPr indent="0" lvl="0" marL="0" rtl="0" algn="l">
+              <a:spcBef>
+                <a:spcPts val="1200"/>
+              </a:spcBef>
+              <a:spcAft>
+                <a:spcPts val="0"/>
+              </a:spcAft>
+              <a:buNone/>
+            </a:pPr>
+            <a:r>
+              <a:rPr lang="ca"/>
+              <a:t>-Incidencias técnicas y resoluciones</a:t>
+            </a:r>
+            <a:endParaRPr/>
+          </a:p>
+          <a:p>
+            <a:pPr indent="0" lvl="0" marL="0" rtl="0" algn="l">
+              <a:spcBef>
+                <a:spcPts val="1200"/>
+              </a:spcBef>
+              <a:spcAft>
+                <a:spcPts val="0"/>
+              </a:spcAft>
+              <a:buNone/>
+            </a:pPr>
+            <a:r>
+              <a:rPr lang="ca"/>
+              <a:t>-Propuestas de mejora</a:t>
+            </a:r>
+            <a:endParaRPr/>
+          </a:p>
+          <a:p>
+            <a:pPr indent="0" lvl="0" marL="0" rtl="0" algn="l">
+              <a:spcBef>
+                <a:spcPts val="1200"/>
+              </a:spcBef>
+              <a:spcAft>
+                <a:spcPts val="1200"/>
+              </a:spcAft>
+              <a:buNone/>
+            </a:pPr>
+            <a:r>
+              <a:rPr lang="ca"/>
+              <a:t>-Valoración personal del proyecto</a:t>
+            </a:r>
+            <a:endParaRPr/>
+          </a:p>
+        </p:txBody>
+      </p:sp>
+    </p:spTree>
+  </p:cSld>
+  <p:clrMapOvr>
+    <a:masterClrMapping/>
+  </p:clrMapOvr>
+</p:sld>
+</file>
+
+<file path=ppt/slides/slide13.xml><?xml version="1.0" encoding="utf-8"?>
+<p:sld xmlns:a="http://schemas.openxmlformats.org/drawingml/2006/main" xmlns:r="http://schemas.openxmlformats.org/officeDocument/2006/relationships" xmlns:mc="http://schemas.openxmlformats.org/markup-compatibility/2006" xmlns:mv="urn:schemas-microsoft-com:mac:vml" xmlns:p="http://schemas.openxmlformats.org/presentationml/2006/main" xmlns:c="http://schemas.openxmlformats.org/drawingml/2006/chart" xmlns:dgm="http://schemas.openxmlformats.org/drawingml/2006/diagram" xmlns:o="urn:schemas-microsoft-com:office:office" xmlns:v="urn:schemas-microsoft-com:vml" xmlns:pvml="urn:schemas-microsoft-com:office:powerpoint" xmlns:com="http://schemas.openxmlformats.org/drawingml/2006/compatibility" xmlns:p14="http://schemas.microsoft.com/office/powerpoint/2010/main" xmlns:p15="http://schemas.microsoft.com/office/powerpoint/2012/main" xmlns:ahyp="http://schemas.microsoft.com/office/drawing/2018/hyperlinkcolor">
+  <p:cSld>
+    <p:spTree>
+      <p:nvGrpSpPr>
+        <p:cNvPr id="139" name="Shape 139"/>
+        <p:cNvGrpSpPr/>
+        <p:nvPr/>
+      </p:nvGrpSpPr>
+      <p:grpSpPr>
+        <a:xfrm>
+          <a:off x="0" y="0"/>
+          <a:ext cx="0" cy="0"/>
+          <a:chOff x="0" y="0"/>
+          <a:chExt cx="0" cy="0"/>
+        </a:xfrm>
+      </p:grpSpPr>
+      <p:sp>
+        <p:nvSpPr>
+          <p:cNvPr id="140" name="Google Shape;140;p25"/>
+          <p:cNvSpPr txBox="1"/>
+          <p:nvPr>
+            <p:ph type="ctrTitle"/>
+          </p:nvPr>
+        </p:nvSpPr>
+        <p:spPr>
+          <a:xfrm>
+            <a:off x="390525" y="1819275"/>
+            <a:ext cx="8222100" cy="933600"/>
+          </a:xfrm>
+          <a:prstGeom prst="rect">
+            <a:avLst/>
+          </a:prstGeom>
+        </p:spPr>
+        <p:txBody>
+          <a:bodyPr anchorCtr="0" anchor="b" bIns="91425" lIns="91425" spcFirstLastPara="1" rIns="91425" wrap="square" tIns="91425">
+            <a:normAutofit/>
+          </a:bodyPr>
+          <a:lstStyle/>
+          <a:p>
+            <a:pPr indent="0" lvl="0" marL="0" rtl="0" algn="l">
+              <a:spcBef>
+                <a:spcPts val="0"/>
+              </a:spcBef>
+              <a:spcAft>
+                <a:spcPts val="0"/>
+              </a:spcAft>
+              <a:buNone/>
+            </a:pPr>
+            <a:r>
+              <a:rPr lang="ca"/>
+              <a:t>PROPUESTAS DE MEJORA</a:t>
+            </a:r>
+            <a:endParaRPr/>
+          </a:p>
+        </p:txBody>
+      </p:sp>
+    </p:spTree>
+  </p:cSld>
+  <p:clrMapOvr>
+    <a:masterClrMapping/>
+  </p:clrMapOvr>
+</p:sld>
+</file>
+
+<file path=ppt/slides/slide14.xml><?xml version="1.0" encoding="utf-8"?>
+<p:sld xmlns:a="http://schemas.openxmlformats.org/drawingml/2006/main" xmlns:r="http://schemas.openxmlformats.org/officeDocument/2006/relationships" xmlns:mc="http://schemas.openxmlformats.org/markup-compatibility/2006" xmlns:mv="urn:schemas-microsoft-com:mac:vml" xmlns:p="http://schemas.openxmlformats.org/presentationml/2006/main" xmlns:c="http://schemas.openxmlformats.org/drawingml/2006/chart" xmlns:dgm="http://schemas.openxmlformats.org/drawingml/2006/diagram" xmlns:o="urn:schemas-microsoft-com:office:office" xmlns:v="urn:schemas-microsoft-com:vml" xmlns:pvml="urn:schemas-microsoft-com:office:powerpoint" xmlns:com="http://schemas.openxmlformats.org/drawingml/2006/compatibility" xmlns:p14="http://schemas.microsoft.com/office/powerpoint/2010/main" xmlns:p15="http://schemas.microsoft.com/office/powerpoint/2012/main" xmlns:ahyp="http://schemas.microsoft.com/office/drawing/2018/hyperlinkcolor">
+  <p:cSld>
+    <p:spTree>
+      <p:nvGrpSpPr>
+        <p:cNvPr id="144" name="Shape 144"/>
+        <p:cNvGrpSpPr/>
+        <p:nvPr/>
+      </p:nvGrpSpPr>
+      <p:grpSpPr>
+        <a:xfrm>
+          <a:off x="0" y="0"/>
+          <a:ext cx="0" cy="0"/>
+          <a:chOff x="0" y="0"/>
+          <a:chExt cx="0" cy="0"/>
+        </a:xfrm>
+      </p:grpSpPr>
+      <p:sp>
+        <p:nvSpPr>
+          <p:cNvPr id="145" name="Google Shape;145;p26"/>
+          <p:cNvSpPr txBox="1"/>
+          <p:nvPr>
+            <p:ph type="ctrTitle"/>
+          </p:nvPr>
+        </p:nvSpPr>
+        <p:spPr>
+          <a:xfrm>
+            <a:off x="390525" y="1819275"/>
+            <a:ext cx="8222100" cy="933600"/>
+          </a:xfrm>
+          <a:prstGeom prst="rect">
+            <a:avLst/>
+          </a:prstGeom>
+        </p:spPr>
+        <p:txBody>
+          <a:bodyPr anchorCtr="0" anchor="b" bIns="91425" lIns="91425" spcFirstLastPara="1" rIns="91425" wrap="square" tIns="91425">
+            <a:normAutofit/>
+          </a:bodyPr>
+          <a:lstStyle/>
+          <a:p>
+            <a:pPr indent="0" lvl="0" marL="0" rtl="0" algn="l">
+              <a:spcBef>
+                <a:spcPts val="0"/>
+              </a:spcBef>
+              <a:spcAft>
+                <a:spcPts val="0"/>
+              </a:spcAft>
+              <a:buNone/>
+            </a:pPr>
+            <a:r>
+              <a:rPr lang="ca"/>
+              <a:t>VALORACIÓN PERSONAL</a:t>
+            </a:r>
+            <a:endParaRPr/>
+          </a:p>
+        </p:txBody>
+      </p:sp>
+    </p:spTree>
+  </p:cSld>
+  <p:clrMapOvr>
+    <a:masterClrMapping/>
+  </p:clrMapOvr>
+</p:sld>
+</file>
+
+<file path=ppt/slides/slide15.xml><?xml version="1.0" encoding="utf-8"?>
+<p:sld xmlns:a="http://schemas.openxmlformats.org/drawingml/2006/main" xmlns:r="http://schemas.openxmlformats.org/officeDocument/2006/relationships" xmlns:mc="http://schemas.openxmlformats.org/markup-compatibility/2006" xmlns:mv="urn:schemas-microsoft-com:mac:vml" xmlns:p="http://schemas.openxmlformats.org/presentationml/2006/main" xmlns:c="http://schemas.openxmlformats.org/drawingml/2006/chart" xmlns:dgm="http://schemas.openxmlformats.org/drawingml/2006/diagram" xmlns:o="urn:schemas-microsoft-com:office:office" xmlns:v="urn:schemas-microsoft-com:vml" xmlns:pvml="urn:schemas-microsoft-com:office:powerpoint" xmlns:com="http://schemas.openxmlformats.org/drawingml/2006/compatibility" xmlns:p14="http://schemas.microsoft.com/office/powerpoint/2010/main" xmlns:p15="http://schemas.microsoft.com/office/powerpoint/2012/main" xmlns:ahyp="http://schemas.microsoft.com/office/drawing/2018/hyperlinkcolor">
+  <p:cSld>
+    <p:spTree>
+      <p:nvGrpSpPr>
+        <p:cNvPr id="149" name="Shape 149"/>
+        <p:cNvGrpSpPr/>
+        <p:nvPr/>
+      </p:nvGrpSpPr>
+      <p:grpSpPr>
+        <a:xfrm>
+          <a:off x="0" y="0"/>
+          <a:ext cx="0" cy="0"/>
+          <a:chOff x="0" y="0"/>
+          <a:chExt cx="0" cy="0"/>
+        </a:xfrm>
+      </p:grpSpPr>
+      <p:sp>
+        <p:nvSpPr>
+          <p:cNvPr id="150" name="Google Shape;150;p27"/>
+          <p:cNvSpPr txBox="1"/>
+          <p:nvPr>
+            <p:ph type="ctrTitle"/>
+          </p:nvPr>
+        </p:nvSpPr>
+        <p:spPr>
+          <a:xfrm>
+            <a:off x="390525" y="1819275"/>
+            <a:ext cx="8222100" cy="933600"/>
+          </a:xfrm>
+          <a:prstGeom prst="rect">
+            <a:avLst/>
+          </a:prstGeom>
+        </p:spPr>
+        <p:txBody>
+          <a:bodyPr anchorCtr="0" anchor="b" bIns="91425" lIns="91425" spcFirstLastPara="1" rIns="91425" wrap="square" tIns="91425">
+            <a:normAutofit/>
+          </a:bodyPr>
+          <a:lstStyle/>
+          <a:p>
+            <a:pPr indent="0" lvl="0" marL="0" rtl="0" algn="l">
+              <a:spcBef>
+                <a:spcPts val="0"/>
+              </a:spcBef>
+              <a:spcAft>
+                <a:spcPts val="0"/>
+              </a:spcAft>
+              <a:buNone/>
+            </a:pPr>
+            <a:r>
+              <a:rPr lang="ca"/>
+              <a:t>RONDA DE PREGUNTAS</a:t>
+            </a:r>
+            <a:endParaRPr/>
+          </a:p>
+        </p:txBody>
+      </p:sp>
+      <p:sp>
+        <p:nvSpPr>
+          <p:cNvPr id="151" name="Google Shape;151;p27"/>
+          <p:cNvSpPr txBox="1"/>
+          <p:nvPr>
+            <p:ph idx="1" type="subTitle"/>
+          </p:nvPr>
+        </p:nvSpPr>
+        <p:spPr>
+          <a:xfrm>
+            <a:off x="390525" y="2789130"/>
+            <a:ext cx="8222100" cy="432900"/>
+          </a:xfrm>
+          <a:prstGeom prst="rect">
+            <a:avLst/>
+          </a:prstGeom>
+        </p:spPr>
+        <p:txBody>
+          <a:bodyPr anchorCtr="0" anchor="t" bIns="91425" lIns="91425" spcFirstLastPara="1" rIns="91425" wrap="square" tIns="91425">
+            <a:normAutofit lnSpcReduction="10000"/>
+          </a:bodyPr>
+          <a:lstStyle/>
+          <a:p>
+            <a:pPr indent="0" lvl="0" marL="0" rtl="0" algn="l">
+              <a:spcBef>
+                <a:spcPts val="0"/>
+              </a:spcBef>
+              <a:spcAft>
+                <a:spcPts val="0"/>
+              </a:spcAft>
+              <a:buNone/>
+            </a:pPr>
+            <a:r>
+              <a:rPr lang="ca"/>
+              <a:t>Muchas gracias por vuestra atención</a:t>
+            </a:r>
+            <a:endParaRPr/>
+          </a:p>
+        </p:txBody>
+      </p:sp>
+    </p:spTree>
+  </p:cSld>
+  <p:clrMapOvr>
+    <a:masterClrMapping/>
+  </p:clrMapOvr>
+</p:sld>
+</file>
+
 <file path=ppt/slides/slide2.xml><?xml version="1.0" encoding="utf-8"?>
 <p:sld xmlns:a="http://schemas.openxmlformats.org/drawingml/2006/main" xmlns:r="http://schemas.openxmlformats.org/officeDocument/2006/relationships" xmlns:mc="http://schemas.openxmlformats.org/markup-compatibility/2006" xmlns:mv="urn:schemas-microsoft-com:mac:vml" xmlns:p="http://schemas.openxmlformats.org/presentationml/2006/main" xmlns:c="http://schemas.openxmlformats.org/drawingml/2006/chart" xmlns:dgm="http://schemas.openxmlformats.org/drawingml/2006/diagram" xmlns:o="urn:schemas-microsoft-com:office:office" xmlns:v="urn:schemas-microsoft-com:vml" xmlns:pvml="urn:schemas-microsoft-com:office:powerpoint" xmlns:com="http://schemas.openxmlformats.org/drawingml/2006/compatibility" xmlns:p14="http://schemas.microsoft.com/office/powerpoint/2010/main" xmlns:p15="http://schemas.microsoft.com/office/powerpoint/2012/main" xmlns:ahyp="http://schemas.microsoft.com/office/drawing/2018/hyperlinkcolor">
   <p:cSld>
@@ -7610,24 +8999,7 @@
             </a:pPr>
             <a:r>
               <a:rPr lang="ca"/>
-              <a:t>M5 Entornos de Desarrollo</a:t>
-            </a:r>
-            <a:endParaRPr/>
-          </a:p>
-          <a:p>
-            <a:pPr indent="-342900" lvl="0" marL="457200" rtl="0" algn="l">
-              <a:spcBef>
-                <a:spcPts val="0"/>
-              </a:spcBef>
-              <a:spcAft>
-                <a:spcPts val="0"/>
-              </a:spcAft>
-              <a:buSzPts val="1800"/>
-              <a:buAutoNum type="arabicPeriod"/>
-            </a:pPr>
-            <a:r>
-              <a:rPr lang="ca"/>
-              <a:t>M1 Sistemas Informáticos</a:t>
+              <a:t>M5 Entornos de DesarrollO</a:t>
             </a:r>
             <a:endParaRPr/>
           </a:p>
@@ -7662,6 +9034,23 @@
             <a:r>
               <a:rPr lang="ca"/>
               <a:t>M3 Programación</a:t>
+            </a:r>
+            <a:endParaRPr/>
+          </a:p>
+          <a:p>
+            <a:pPr indent="-342900" lvl="0" marL="457200" rtl="0" algn="l">
+              <a:spcBef>
+                <a:spcPts val="0"/>
+              </a:spcBef>
+              <a:spcAft>
+                <a:spcPts val="0"/>
+              </a:spcAft>
+              <a:buSzPts val="1800"/>
+              <a:buAutoNum type="arabicPeriod"/>
+            </a:pPr>
+            <a:r>
+              <a:rPr lang="ca"/>
+              <a:t>M1 Sistemas Informáticos</a:t>
             </a:r>
             <a:endParaRPr/>
           </a:p>
@@ -7892,6 +9281,34 @@
           </a:p>
         </p:txBody>
       </p:sp>
+      <p:pic>
+        <p:nvPicPr>
+          <p:cNvPr id="87" name="Google Shape;87;p16"/>
+          <p:cNvPicPr preferRelativeResize="0"/>
+          <p:nvPr/>
+        </p:nvPicPr>
+        <p:blipFill>
+          <a:blip r:embed="rId3">
+            <a:alphaModFix/>
+          </a:blip>
+          <a:stretch>
+            <a:fillRect/>
+          </a:stretch>
+        </p:blipFill>
+        <p:spPr>
+          <a:xfrm>
+            <a:off x="10950" y="1603672"/>
+            <a:ext cx="9144001" cy="3697357"/>
+          </a:xfrm>
+          <a:prstGeom prst="rect">
+            <a:avLst/>
+          </a:prstGeom>
+          <a:noFill/>
+          <a:ln>
+            <a:noFill/>
+          </a:ln>
+        </p:spPr>
+      </p:pic>
     </p:spTree>
   </p:cSld>
   <p:clrMapOvr>
@@ -7905,7 +9322,7 @@
   <p:cSld>
     <p:spTree>
       <p:nvGrpSpPr>
-        <p:cNvPr id="90" name="Shape 90"/>
+        <p:cNvPr id="91" name="Shape 91"/>
         <p:cNvGrpSpPr/>
         <p:nvPr/>
       </p:nvGrpSpPr>
@@ -7919,46 +9336,6 @@
       </p:grpSpPr>
       <p:sp>
         <p:nvSpPr>
-          <p:cNvPr id="91" name="Google Shape;91;p17"/>
-          <p:cNvSpPr txBox="1"/>
-          <p:nvPr>
-            <p:ph type="title"/>
-          </p:nvPr>
-        </p:nvSpPr>
-        <p:spPr>
-          <a:xfrm>
-            <a:off x="471900" y="738725"/>
-            <a:ext cx="8222100" cy="767700"/>
-          </a:xfrm>
-          <a:prstGeom prst="rect">
-            <a:avLst/>
-          </a:prstGeom>
-        </p:spPr>
-        <p:txBody>
-          <a:bodyPr anchorCtr="0" anchor="b" bIns="91425" lIns="91425" spcFirstLastPara="1" rIns="91425" wrap="square" tIns="91425">
-            <a:normAutofit/>
-          </a:bodyPr>
-          <a:lstStyle/>
-          <a:p>
-            <a:pPr indent="0" lvl="0" marL="0" rtl="0" algn="l">
-              <a:spcBef>
-                <a:spcPts val="0"/>
-              </a:spcBef>
-              <a:spcAft>
-                <a:spcPts val="0"/>
-              </a:spcAft>
-              <a:buNone/>
-            </a:pPr>
-            <a:r>
-              <a:rPr lang="ca"/>
-              <a:t>M1 Sistemas Informáticos</a:t>
-            </a:r>
-            <a:endParaRPr/>
-          </a:p>
-        </p:txBody>
-      </p:sp>
-      <p:sp>
-        <p:nvSpPr>
           <p:cNvPr id="92" name="Google Shape;92;p17"/>
           <p:cNvSpPr txBox="1"/>
           <p:nvPr>
@@ -7990,7 +9367,8 @@
               <a:buNone/>
             </a:pPr>
             <a:r>
-              <a:t/>
+              <a:rPr lang="ca"/>
+              <a:t>AQUÍ SE PONDRÁN, DIAPOSITIVA A DIAPOSITIVA, LOS DIAGRAMAS.</a:t>
             </a:r>
             <a:endParaRPr/>
           </a:p>
@@ -8100,6 +9478,34 @@
           </a:p>
         </p:txBody>
       </p:sp>
+      <p:pic>
+        <p:nvPicPr>
+          <p:cNvPr id="99" name="Google Shape;99;p18"/>
+          <p:cNvPicPr preferRelativeResize="0"/>
+          <p:nvPr/>
+        </p:nvPicPr>
+        <p:blipFill>
+          <a:blip r:embed="rId3">
+            <a:alphaModFix/>
+          </a:blip>
+          <a:stretch>
+            <a:fillRect/>
+          </a:stretch>
+        </p:blipFill>
+        <p:spPr>
+          <a:xfrm>
+            <a:off x="2967400" y="1953350"/>
+            <a:ext cx="3209201" cy="3209201"/>
+          </a:xfrm>
+          <a:prstGeom prst="rect">
+            <a:avLst/>
+          </a:prstGeom>
+          <a:noFill/>
+          <a:ln>
+            <a:noFill/>
+          </a:ln>
+        </p:spPr>
+      </p:pic>
     </p:spTree>
   </p:cSld>
   <p:clrMapOvr>
@@ -8113,7 +9519,7 @@
   <p:cSld>
     <p:spTree>
       <p:nvGrpSpPr>
-        <p:cNvPr id="102" name="Shape 102"/>
+        <p:cNvPr id="103" name="Shape 103"/>
         <p:cNvGrpSpPr/>
         <p:nvPr/>
       </p:nvGrpSpPr>
@@ -8127,46 +9533,6 @@
       </p:grpSpPr>
       <p:sp>
         <p:nvSpPr>
-          <p:cNvPr id="103" name="Google Shape;103;p19"/>
-          <p:cNvSpPr txBox="1"/>
-          <p:nvPr>
-            <p:ph type="title"/>
-          </p:nvPr>
-        </p:nvSpPr>
-        <p:spPr>
-          <a:xfrm>
-            <a:off x="471900" y="738725"/>
-            <a:ext cx="8222100" cy="767700"/>
-          </a:xfrm>
-          <a:prstGeom prst="rect">
-            <a:avLst/>
-          </a:prstGeom>
-        </p:spPr>
-        <p:txBody>
-          <a:bodyPr anchorCtr="0" anchor="b" bIns="91425" lIns="91425" spcFirstLastPara="1" rIns="91425" wrap="square" tIns="91425">
-            <a:normAutofit/>
-          </a:bodyPr>
-          <a:lstStyle/>
-          <a:p>
-            <a:pPr indent="0" lvl="0" marL="0" rtl="0" algn="l">
-              <a:spcBef>
-                <a:spcPts val="0"/>
-              </a:spcBef>
-              <a:spcAft>
-                <a:spcPts val="0"/>
-              </a:spcAft>
-              <a:buNone/>
-            </a:pPr>
-            <a:r>
-              <a:rPr lang="ca"/>
-              <a:t>M3 Programación</a:t>
-            </a:r>
-            <a:endParaRPr/>
-          </a:p>
-        </p:txBody>
-      </p:sp>
-      <p:sp>
-        <p:nvSpPr>
           <p:cNvPr id="104" name="Google Shape;104;p19"/>
           <p:cNvSpPr txBox="1"/>
           <p:nvPr>
@@ -8198,7 +9564,8 @@
               <a:buNone/>
             </a:pPr>
             <a:r>
-              <a:t/>
+              <a:rPr lang="ca"/>
+              <a:t>AQUÍ SE PONDRÁN, DIAPOSITIVA A DIAPOSITIVA, LAS BASES DE DATOS.</a:t>
             </a:r>
             <a:endParaRPr/>
           </a:p>
@@ -8234,13 +9601,13 @@
           <p:cNvPr id="109" name="Google Shape;109;p20"/>
           <p:cNvSpPr txBox="1"/>
           <p:nvPr>
-            <p:ph type="ctrTitle"/>
+            <p:ph type="title"/>
           </p:nvPr>
         </p:nvSpPr>
         <p:spPr>
           <a:xfrm>
-            <a:off x="390525" y="1819275"/>
-            <a:ext cx="8222100" cy="933600"/>
+            <a:off x="471900" y="738725"/>
+            <a:ext cx="8222100" cy="767700"/>
           </a:xfrm>
           <a:prstGeom prst="rect">
             <a:avLst/>
@@ -8263,7 +9630,7 @@
             </a:pPr>
             <a:r>
               <a:rPr lang="ca"/>
-              <a:t>RONDA DE PREGUNTAS</a:t>
+              <a:t>M3 Programación</a:t>
             </a:r>
             <a:endParaRPr/>
           </a:p>
@@ -8274,13 +9641,13 @@
           <p:cNvPr id="110" name="Google Shape;110;p20"/>
           <p:cNvSpPr txBox="1"/>
           <p:nvPr>
-            <p:ph idx="1" type="subTitle"/>
+            <p:ph idx="1" type="body"/>
           </p:nvPr>
         </p:nvSpPr>
         <p:spPr>
           <a:xfrm>
-            <a:off x="390525" y="2789130"/>
-            <a:ext cx="8222100" cy="432900"/>
+            <a:off x="471900" y="1919075"/>
+            <a:ext cx="8222100" cy="2710200"/>
           </a:xfrm>
           <a:prstGeom prst="rect">
             <a:avLst/>
@@ -8288,7 +9655,7 @@
         </p:spPr>
         <p:txBody>
           <a:bodyPr anchorCtr="0" anchor="t" bIns="91425" lIns="91425" spcFirstLastPara="1" rIns="91425" wrap="square" tIns="91425">
-            <a:normAutofit lnSpcReduction="10000"/>
+            <a:normAutofit/>
           </a:bodyPr>
           <a:lstStyle/>
           <a:p>
@@ -8297,13 +9664,105 @@
                 <a:spcPts val="0"/>
               </a:spcBef>
               <a:spcAft>
-                <a:spcPts val="0"/>
+                <a:spcPts val="1200"/>
+              </a:spcAft>
+              <a:buNone/>
+            </a:pPr>
+            <a:r>
+              <a:t/>
+            </a:r>
+            <a:endParaRPr/>
+          </a:p>
+        </p:txBody>
+      </p:sp>
+      <p:pic>
+        <p:nvPicPr>
+          <p:cNvPr id="111" name="Google Shape;111;p20"/>
+          <p:cNvPicPr preferRelativeResize="0"/>
+          <p:nvPr/>
+        </p:nvPicPr>
+        <p:blipFill>
+          <a:blip r:embed="rId3">
+            <a:alphaModFix/>
+          </a:blip>
+          <a:stretch>
+            <a:fillRect/>
+          </a:stretch>
+        </p:blipFill>
+        <p:spPr>
+          <a:xfrm>
+            <a:off x="2666775" y="1686775"/>
+            <a:ext cx="3456725" cy="3456725"/>
+          </a:xfrm>
+          <a:prstGeom prst="rect">
+            <a:avLst/>
+          </a:prstGeom>
+          <a:noFill/>
+          <a:ln>
+            <a:noFill/>
+          </a:ln>
+        </p:spPr>
+      </p:pic>
+    </p:spTree>
+  </p:cSld>
+  <p:clrMapOvr>
+    <a:masterClrMapping/>
+  </p:clrMapOvr>
+</p:sld>
+</file>
+
+<file path=ppt/slides/slide9.xml><?xml version="1.0" encoding="utf-8"?>
+<p:sld xmlns:a="http://schemas.openxmlformats.org/drawingml/2006/main" xmlns:r="http://schemas.openxmlformats.org/officeDocument/2006/relationships" xmlns:mc="http://schemas.openxmlformats.org/markup-compatibility/2006" xmlns:mv="urn:schemas-microsoft-com:mac:vml" xmlns:p="http://schemas.openxmlformats.org/presentationml/2006/main" xmlns:c="http://schemas.openxmlformats.org/drawingml/2006/chart" xmlns:dgm="http://schemas.openxmlformats.org/drawingml/2006/diagram" xmlns:o="urn:schemas-microsoft-com:office:office" xmlns:v="urn:schemas-microsoft-com:vml" xmlns:pvml="urn:schemas-microsoft-com:office:powerpoint" xmlns:com="http://schemas.openxmlformats.org/drawingml/2006/compatibility" xmlns:p14="http://schemas.microsoft.com/office/powerpoint/2010/main" xmlns:p15="http://schemas.microsoft.com/office/powerpoint/2012/main" xmlns:ahyp="http://schemas.microsoft.com/office/drawing/2018/hyperlinkcolor">
+  <p:cSld>
+    <p:spTree>
+      <p:nvGrpSpPr>
+        <p:cNvPr id="115" name="Shape 115"/>
+        <p:cNvGrpSpPr/>
+        <p:nvPr/>
+      </p:nvGrpSpPr>
+      <p:grpSpPr>
+        <a:xfrm>
+          <a:off x="0" y="0"/>
+          <a:ext cx="0" cy="0"/>
+          <a:chOff x="0" y="0"/>
+          <a:chExt cx="0" cy="0"/>
+        </a:xfrm>
+      </p:grpSpPr>
+      <p:sp>
+        <p:nvSpPr>
+          <p:cNvPr id="116" name="Google Shape;116;p21"/>
+          <p:cNvSpPr txBox="1"/>
+          <p:nvPr>
+            <p:ph idx="1" type="body"/>
+          </p:nvPr>
+        </p:nvSpPr>
+        <p:spPr>
+          <a:xfrm>
+            <a:off x="471900" y="1919075"/>
+            <a:ext cx="8222100" cy="2710200"/>
+          </a:xfrm>
+          <a:prstGeom prst="rect">
+            <a:avLst/>
+          </a:prstGeom>
+        </p:spPr>
+        <p:txBody>
+          <a:bodyPr anchorCtr="0" anchor="t" bIns="91425" lIns="91425" spcFirstLastPara="1" rIns="91425" wrap="square" tIns="91425">
+            <a:normAutofit/>
+          </a:bodyPr>
+          <a:lstStyle/>
+          <a:p>
+            <a:pPr indent="0" lvl="0" marL="0" rtl="0" algn="l">
+              <a:spcBef>
+                <a:spcPts val="0"/>
+              </a:spcBef>
+              <a:spcAft>
+                <a:spcPts val="1200"/>
               </a:spcAft>
               <a:buNone/>
             </a:pPr>
             <a:r>
               <a:rPr lang="ca"/>
-              <a:t>Muchas gracias por vuestra atención</a:t>
+              <a:t>AQUÍ SE PONDRÁ UNA ANIMACIÓN O VIDEO QUE SIMULE LA MECÁNICA DE JUEGO</a:t>
             </a:r>
             <a:endParaRPr/>
           </a:p>
@@ -8318,6 +9777,285 @@
 </file>
 
 <file path=ppt/theme/theme1.xml><?xml version="1.0" encoding="utf-8"?>
+<a:theme xmlns:a="http://schemas.openxmlformats.org/drawingml/2006/main" xmlns:r="http://schemas.openxmlformats.org/officeDocument/2006/relationships">
+  <a:themeElements>
+    <a:clrScheme name="Default">
+      <a:dk1>
+        <a:srgbClr val="000000"/>
+      </a:dk1>
+      <a:lt1>
+        <a:srgbClr val="FFFFFF"/>
+      </a:lt1>
+      <a:dk2>
+        <a:srgbClr val="158158"/>
+      </a:dk2>
+      <a:lt2>
+        <a:srgbClr val="F3F3F3"/>
+      </a:lt2>
+      <a:accent1>
+        <a:srgbClr val="058DC7"/>
+      </a:accent1>
+      <a:accent2>
+        <a:srgbClr val="50B432"/>
+      </a:accent2>
+      <a:accent3>
+        <a:srgbClr val="ED561B"/>
+      </a:accent3>
+      <a:accent4>
+        <a:srgbClr val="EDEF00"/>
+      </a:accent4>
+      <a:accent5>
+        <a:srgbClr val="24CBE5"/>
+      </a:accent5>
+      <a:accent6>
+        <a:srgbClr val="64E572"/>
+      </a:accent6>
+      <a:hlink>
+        <a:srgbClr val="2200CC"/>
+      </a:hlink>
+      <a:folHlink>
+        <a:srgbClr val="551A8B"/>
+      </a:folHlink>
+    </a:clrScheme>
+    <a:fontScheme name="Office">
+      <a:majorFont>
+        <a:latin typeface="Arial"/>
+        <a:ea typeface=""/>
+        <a:cs typeface=""/>
+        <a:font script="Jpan" typeface="ＭＳ Ｐゴシック"/>
+        <a:font script="Hang" typeface="맑은 고딕"/>
+        <a:font script="Hans" typeface="宋体"/>
+        <a:font script="Hant" typeface="新細明體"/>
+        <a:font script="Arab" typeface="Times New Roman"/>
+        <a:font script="Hebr" typeface="Times New Roman"/>
+        <a:font script="Thai" typeface="Angsana New"/>
+        <a:font script="Ethi" typeface="Nyala"/>
+        <a:font script="Beng" typeface="Vrinda"/>
+        <a:font script="Gujr" typeface="Shruti"/>
+        <a:font script="Khmr" typeface="MoolBoran"/>
+        <a:font script="Knda" typeface="Tunga"/>
+        <a:font script="Guru" typeface="Raavi"/>
+        <a:font script="Cans" typeface="Euphemia"/>
+        <a:font script="Cher" typeface="Plantagenet Cherokee"/>
+        <a:font script="Yiii" typeface="Microsoft Yi Baiti"/>
+        <a:font script="Tibt" typeface="Microsoft Himalaya"/>
+        <a:font script="Thaa" typeface="MV Boli"/>
+        <a:font script="Deva" typeface="Mangal"/>
+        <a:font script="Telu" typeface="Gautami"/>
+        <a:font script="Taml" typeface="Latha"/>
+        <a:font script="Syrc" typeface="Estrangelo Edessa"/>
+        <a:font script="Orya" typeface="Kalinga"/>
+        <a:font script="Mlym" typeface="Kartika"/>
+        <a:font script="Laoo" typeface="DokChampa"/>
+        <a:font script="Sinh" typeface="Iskoola Pota"/>
+        <a:font script="Mong" typeface="Mongolian Baiti"/>
+        <a:font script="Viet" typeface="Times New Roman"/>
+        <a:font script="Uigh" typeface="Microsoft Uighur"/>
+        <a:font script="Geor" typeface="Sylfaen"/>
+      </a:majorFont>
+      <a:minorFont>
+        <a:latin typeface="Arial"/>
+        <a:ea typeface=""/>
+        <a:cs typeface=""/>
+        <a:font script="Jpan" typeface="ＭＳ Ｐゴシック"/>
+        <a:font script="Hang" typeface="맑은 고딕"/>
+        <a:font script="Hans" typeface="宋体"/>
+        <a:font script="Hant" typeface="新細明體"/>
+        <a:font script="Arab" typeface="Arial"/>
+        <a:font script="Hebr" typeface="Arial"/>
+        <a:font script="Thai" typeface="Cordia New"/>
+        <a:font script="Ethi" typeface="Nyala"/>
+        <a:font script="Beng" typeface="Vrinda"/>
+        <a:font script="Gujr" typeface="Shruti"/>
+        <a:font script="Khmr" typeface="DaunPenh"/>
+        <a:font script="Knda" typeface="Tunga"/>
+        <a:font script="Guru" typeface="Raavi"/>
+        <a:font script="Cans" typeface="Euphemia"/>
+        <a:font script="Cher" typeface="Plantagenet Cherokee"/>
+        <a:font script="Yiii" typeface="Microsoft Yi Baiti"/>
+        <a:font script="Tibt" typeface="Microsoft Himalaya"/>
+        <a:font script="Thaa" typeface="MV Boli"/>
+        <a:font script="Deva" typeface="Mangal"/>
+        <a:font script="Telu" typeface="Gautami"/>
+        <a:font script="Taml" typeface="Latha"/>
+        <a:font script="Syrc" typeface="Estrangelo Edessa"/>
+        <a:font script="Orya" typeface="Kalinga"/>
+        <a:font script="Mlym" typeface="Kartika"/>
+        <a:font script="Laoo" typeface="DokChampa"/>
+        <a:font script="Sinh" typeface="Iskoola Pota"/>
+        <a:font script="Mong" typeface="Mongolian Baiti"/>
+        <a:font script="Viet" typeface="Arial"/>
+        <a:font script="Uigh" typeface="Microsoft Uighur"/>
+        <a:font script="Geor" typeface="Sylfaen"/>
+      </a:minorFont>
+    </a:fontScheme>
+    <a:fmtScheme name="Office">
+      <a:fillStyleLst>
+        <a:solidFill>
+          <a:schemeClr val="phClr"/>
+        </a:solidFill>
+        <a:gradFill rotWithShape="1">
+          <a:gsLst>
+            <a:gs pos="0">
+              <a:schemeClr val="phClr">
+                <a:tint val="50000"/>
+                <a:satMod val="300000"/>
+              </a:schemeClr>
+            </a:gs>
+            <a:gs pos="35000">
+              <a:schemeClr val="phClr">
+                <a:tint val="37000"/>
+                <a:satMod val="300000"/>
+              </a:schemeClr>
+            </a:gs>
+            <a:gs pos="100000">
+              <a:schemeClr val="phClr">
+                <a:tint val="15000"/>
+                <a:satMod val="350000"/>
+              </a:schemeClr>
+            </a:gs>
+          </a:gsLst>
+          <a:lin ang="16200000" scaled="1"/>
+        </a:gradFill>
+        <a:gradFill rotWithShape="1">
+          <a:gsLst>
+            <a:gs pos="0">
+              <a:schemeClr val="phClr">
+                <a:tint val="100000"/>
+                <a:shade val="100000"/>
+                <a:satMod val="130000"/>
+              </a:schemeClr>
+            </a:gs>
+            <a:gs pos="100000">
+              <a:schemeClr val="phClr">
+                <a:tint val="50000"/>
+                <a:shade val="100000"/>
+                <a:satMod val="350000"/>
+              </a:schemeClr>
+            </a:gs>
+          </a:gsLst>
+          <a:lin ang="16200000" scaled="0"/>
+        </a:gradFill>
+      </a:fillStyleLst>
+      <a:lnStyleLst>
+        <a:ln w="9525" cap="flat" cmpd="sng" algn="ctr">
+          <a:solidFill>
+            <a:schemeClr val="phClr">
+              <a:shade val="95000"/>
+              <a:satMod val="105000"/>
+            </a:schemeClr>
+          </a:solidFill>
+          <a:prstDash val="solid"/>
+        </a:ln>
+        <a:ln w="25400" cap="flat" cmpd="sng" algn="ctr">
+          <a:solidFill>
+            <a:schemeClr val="phClr"/>
+          </a:solidFill>
+          <a:prstDash val="solid"/>
+        </a:ln>
+        <a:ln w="38100" cap="flat" cmpd="sng" algn="ctr">
+          <a:solidFill>
+            <a:schemeClr val="phClr"/>
+          </a:solidFill>
+          <a:prstDash val="solid"/>
+        </a:ln>
+      </a:lnStyleLst>
+      <a:effectStyleLst>
+        <a:effectStyle>
+          <a:effectLst>
+            <a:outerShdw blurRad="40000" dist="20000" dir="5400000" rotWithShape="0">
+              <a:srgbClr val="000000">
+                <a:alpha val="38000"/>
+              </a:srgbClr>
+            </a:outerShdw>
+          </a:effectLst>
+        </a:effectStyle>
+        <a:effectStyle>
+          <a:effectLst>
+            <a:outerShdw blurRad="40000" dist="23000" dir="5400000" rotWithShape="0">
+              <a:srgbClr val="000000">
+                <a:alpha val="35000"/>
+              </a:srgbClr>
+            </a:outerShdw>
+          </a:effectLst>
+        </a:effectStyle>
+        <a:effectStyle>
+          <a:effectLst>
+            <a:outerShdw blurRad="40000" dist="23000" dir="5400000" rotWithShape="0">
+              <a:srgbClr val="000000">
+                <a:alpha val="35000"/>
+              </a:srgbClr>
+            </a:outerShdw>
+          </a:effectLst>
+          <a:scene3d>
+            <a:camera prst="orthographicFront">
+              <a:rot lat="0" lon="0" rev="0"/>
+            </a:camera>
+            <a:lightRig rig="threePt" dir="t">
+              <a:rot lat="0" lon="0" rev="1200000"/>
+            </a:lightRig>
+          </a:scene3d>
+          <a:sp3d>
+            <a:bevelT w="63500" h="25400"/>
+          </a:sp3d>
+        </a:effectStyle>
+      </a:effectStyleLst>
+      <a:bgFillStyleLst>
+        <a:solidFill>
+          <a:schemeClr val="phClr"/>
+        </a:solidFill>
+        <a:gradFill rotWithShape="1">
+          <a:gsLst>
+            <a:gs pos="0">
+              <a:schemeClr val="phClr">
+                <a:tint val="40000"/>
+                <a:satMod val="350000"/>
+              </a:schemeClr>
+            </a:gs>
+            <a:gs pos="40000">
+              <a:schemeClr val="phClr">
+                <a:tint val="45000"/>
+                <a:shade val="99000"/>
+                <a:satMod val="350000"/>
+              </a:schemeClr>
+            </a:gs>
+            <a:gs pos="100000">
+              <a:schemeClr val="phClr">
+                <a:shade val="20000"/>
+                <a:satMod val="255000"/>
+              </a:schemeClr>
+            </a:gs>
+          </a:gsLst>
+          <a:path path="circle">
+            <a:fillToRect l="50000" t="-80000" r="50000" b="180000"/>
+          </a:path>
+        </a:gradFill>
+        <a:gradFill rotWithShape="1">
+          <a:gsLst>
+            <a:gs pos="0">
+              <a:schemeClr val="phClr">
+                <a:tint val="80000"/>
+                <a:satMod val="300000"/>
+              </a:schemeClr>
+            </a:gs>
+            <a:gs pos="100000">
+              <a:schemeClr val="phClr">
+                <a:shade val="30000"/>
+                <a:satMod val="200000"/>
+              </a:schemeClr>
+            </a:gs>
+          </a:gsLst>
+          <a:path path="circle">
+            <a:fillToRect l="50000" t="50000" r="50000" b="50000"/>
+          </a:path>
+        </a:gradFill>
+      </a:bgFillStyleLst>
+    </a:fmtScheme>
+  </a:themeElements>
+</a:theme>
+</file>
+
+<file path=ppt/theme/theme2.xml><?xml version="1.0" encoding="utf-8"?>
 <a:theme xmlns:a="http://schemas.openxmlformats.org/drawingml/2006/main" xmlns:r="http://schemas.openxmlformats.org/officeDocument/2006/relationships" name="Material">
   <a:themeElements>
     <a:clrScheme name="Material">
@@ -8594,283 +10332,4 @@
     </a:fmtScheme>
   </a:themeElements>
 </a:theme>
-</file>
-
-<file path=ppt/theme/theme2.xml><?xml version="1.0" encoding="utf-8"?>
-<a:theme xmlns:a="http://schemas.openxmlformats.org/drawingml/2006/main" xmlns:r="http://schemas.openxmlformats.org/officeDocument/2006/relationships">
-  <a:themeElements>
-    <a:clrScheme name="Default">
-      <a:dk1>
-        <a:srgbClr val="000000"/>
-      </a:dk1>
-      <a:lt1>
-        <a:srgbClr val="FFFFFF"/>
-      </a:lt1>
-      <a:dk2>
-        <a:srgbClr val="158158"/>
-      </a:dk2>
-      <a:lt2>
-        <a:srgbClr val="F3F3F3"/>
-      </a:lt2>
-      <a:accent1>
-        <a:srgbClr val="058DC7"/>
-      </a:accent1>
-      <a:accent2>
-        <a:srgbClr val="50B432"/>
-      </a:accent2>
-      <a:accent3>
-        <a:srgbClr val="ED561B"/>
-      </a:accent3>
-      <a:accent4>
-        <a:srgbClr val="EDEF00"/>
-      </a:accent4>
-      <a:accent5>
-        <a:srgbClr val="24CBE5"/>
-      </a:accent5>
-      <a:accent6>
-        <a:srgbClr val="64E572"/>
-      </a:accent6>
-      <a:hlink>
-        <a:srgbClr val="2200CC"/>
-      </a:hlink>
-      <a:folHlink>
-        <a:srgbClr val="551A8B"/>
-      </a:folHlink>
-    </a:clrScheme>
-    <a:fontScheme name="Office">
-      <a:majorFont>
-        <a:latin typeface="Arial"/>
-        <a:ea typeface=""/>
-        <a:cs typeface=""/>
-        <a:font script="Jpan" typeface="ＭＳ Ｐゴシック"/>
-        <a:font script="Hang" typeface="맑은 고딕"/>
-        <a:font script="Hans" typeface="宋体"/>
-        <a:font script="Hant" typeface="新細明體"/>
-        <a:font script="Arab" typeface="Times New Roman"/>
-        <a:font script="Hebr" typeface="Times New Roman"/>
-        <a:font script="Thai" typeface="Angsana New"/>
-        <a:font script="Ethi" typeface="Nyala"/>
-        <a:font script="Beng" typeface="Vrinda"/>
-        <a:font script="Gujr" typeface="Shruti"/>
-        <a:font script="Khmr" typeface="MoolBoran"/>
-        <a:font script="Knda" typeface="Tunga"/>
-        <a:font script="Guru" typeface="Raavi"/>
-        <a:font script="Cans" typeface="Euphemia"/>
-        <a:font script="Cher" typeface="Plantagenet Cherokee"/>
-        <a:font script="Yiii" typeface="Microsoft Yi Baiti"/>
-        <a:font script="Tibt" typeface="Microsoft Himalaya"/>
-        <a:font script="Thaa" typeface="MV Boli"/>
-        <a:font script="Deva" typeface="Mangal"/>
-        <a:font script="Telu" typeface="Gautami"/>
-        <a:font script="Taml" typeface="Latha"/>
-        <a:font script="Syrc" typeface="Estrangelo Edessa"/>
-        <a:font script="Orya" typeface="Kalinga"/>
-        <a:font script="Mlym" typeface="Kartika"/>
-        <a:font script="Laoo" typeface="DokChampa"/>
-        <a:font script="Sinh" typeface="Iskoola Pota"/>
-        <a:font script="Mong" typeface="Mongolian Baiti"/>
-        <a:font script="Viet" typeface="Times New Roman"/>
-        <a:font script="Uigh" typeface="Microsoft Uighur"/>
-        <a:font script="Geor" typeface="Sylfaen"/>
-      </a:majorFont>
-      <a:minorFont>
-        <a:latin typeface="Arial"/>
-        <a:ea typeface=""/>
-        <a:cs typeface=""/>
-        <a:font script="Jpan" typeface="ＭＳ Ｐゴシック"/>
-        <a:font script="Hang" typeface="맑은 고딕"/>
-        <a:font script="Hans" typeface="宋体"/>
-        <a:font script="Hant" typeface="新細明體"/>
-        <a:font script="Arab" typeface="Arial"/>
-        <a:font script="Hebr" typeface="Arial"/>
-        <a:font script="Thai" typeface="Cordia New"/>
-        <a:font script="Ethi" typeface="Nyala"/>
-        <a:font script="Beng" typeface="Vrinda"/>
-        <a:font script="Gujr" typeface="Shruti"/>
-        <a:font script="Khmr" typeface="DaunPenh"/>
-        <a:font script="Knda" typeface="Tunga"/>
-        <a:font script="Guru" typeface="Raavi"/>
-        <a:font script="Cans" typeface="Euphemia"/>
-        <a:font script="Cher" typeface="Plantagenet Cherokee"/>
-        <a:font script="Yiii" typeface="Microsoft Yi Baiti"/>
-        <a:font script="Tibt" typeface="Microsoft Himalaya"/>
-        <a:font script="Thaa" typeface="MV Boli"/>
-        <a:font script="Deva" typeface="Mangal"/>
-        <a:font script="Telu" typeface="Gautami"/>
-        <a:font script="Taml" typeface="Latha"/>
-        <a:font script="Syrc" typeface="Estrangelo Edessa"/>
-        <a:font script="Orya" typeface="Kalinga"/>
-        <a:font script="Mlym" typeface="Kartika"/>
-        <a:font script="Laoo" typeface="DokChampa"/>
-        <a:font script="Sinh" typeface="Iskoola Pota"/>
-        <a:font script="Mong" typeface="Mongolian Baiti"/>
-        <a:font script="Viet" typeface="Arial"/>
-        <a:font script="Uigh" typeface="Microsoft Uighur"/>
-        <a:font script="Geor" typeface="Sylfaen"/>
-      </a:minorFont>
-    </a:fontScheme>
-    <a:fmtScheme name="Office">
-      <a:fillStyleLst>
-        <a:solidFill>
-          <a:schemeClr val="phClr"/>
-        </a:solidFill>
-        <a:gradFill rotWithShape="1">
-          <a:gsLst>
-            <a:gs pos="0">
-              <a:schemeClr val="phClr">
-                <a:tint val="50000"/>
-                <a:satMod val="300000"/>
-              </a:schemeClr>
-            </a:gs>
-            <a:gs pos="35000">
-              <a:schemeClr val="phClr">
-                <a:tint val="37000"/>
-                <a:satMod val="300000"/>
-              </a:schemeClr>
-            </a:gs>
-            <a:gs pos="100000">
-              <a:schemeClr val="phClr">
-                <a:tint val="15000"/>
-                <a:satMod val="350000"/>
-              </a:schemeClr>
-            </a:gs>
-          </a:gsLst>
-          <a:lin ang="16200000" scaled="1"/>
-        </a:gradFill>
-        <a:gradFill rotWithShape="1">
-          <a:gsLst>
-            <a:gs pos="0">
-              <a:schemeClr val="phClr">
-                <a:tint val="100000"/>
-                <a:shade val="100000"/>
-                <a:satMod val="130000"/>
-              </a:schemeClr>
-            </a:gs>
-            <a:gs pos="100000">
-              <a:schemeClr val="phClr">
-                <a:tint val="50000"/>
-                <a:shade val="100000"/>
-                <a:satMod val="350000"/>
-              </a:schemeClr>
-            </a:gs>
-          </a:gsLst>
-          <a:lin ang="16200000" scaled="0"/>
-        </a:gradFill>
-      </a:fillStyleLst>
-      <a:lnStyleLst>
-        <a:ln w="9525" cap="flat" cmpd="sng" algn="ctr">
-          <a:solidFill>
-            <a:schemeClr val="phClr">
-              <a:shade val="95000"/>
-              <a:satMod val="105000"/>
-            </a:schemeClr>
-          </a:solidFill>
-          <a:prstDash val="solid"/>
-        </a:ln>
-        <a:ln w="25400" cap="flat" cmpd="sng" algn="ctr">
-          <a:solidFill>
-            <a:schemeClr val="phClr"/>
-          </a:solidFill>
-          <a:prstDash val="solid"/>
-        </a:ln>
-        <a:ln w="38100" cap="flat" cmpd="sng" algn="ctr">
-          <a:solidFill>
-            <a:schemeClr val="phClr"/>
-          </a:solidFill>
-          <a:prstDash val="solid"/>
-        </a:ln>
-      </a:lnStyleLst>
-      <a:effectStyleLst>
-        <a:effectStyle>
-          <a:effectLst>
-            <a:outerShdw blurRad="40000" dist="20000" dir="5400000" rotWithShape="0">
-              <a:srgbClr val="000000">
-                <a:alpha val="38000"/>
-              </a:srgbClr>
-            </a:outerShdw>
-          </a:effectLst>
-        </a:effectStyle>
-        <a:effectStyle>
-          <a:effectLst>
-            <a:outerShdw blurRad="40000" dist="23000" dir="5400000" rotWithShape="0">
-              <a:srgbClr val="000000">
-                <a:alpha val="35000"/>
-              </a:srgbClr>
-            </a:outerShdw>
-          </a:effectLst>
-        </a:effectStyle>
-        <a:effectStyle>
-          <a:effectLst>
-            <a:outerShdw blurRad="40000" dist="23000" dir="5400000" rotWithShape="0">
-              <a:srgbClr val="000000">
-                <a:alpha val="35000"/>
-              </a:srgbClr>
-            </a:outerShdw>
-          </a:effectLst>
-          <a:scene3d>
-            <a:camera prst="orthographicFront">
-              <a:rot lat="0" lon="0" rev="0"/>
-            </a:camera>
-            <a:lightRig rig="threePt" dir="t">
-              <a:rot lat="0" lon="0" rev="1200000"/>
-            </a:lightRig>
-          </a:scene3d>
-          <a:sp3d>
-            <a:bevelT w="63500" h="25400"/>
-          </a:sp3d>
-        </a:effectStyle>
-      </a:effectStyleLst>
-      <a:bgFillStyleLst>
-        <a:solidFill>
-          <a:schemeClr val="phClr"/>
-        </a:solidFill>
-        <a:gradFill rotWithShape="1">
-          <a:gsLst>
-            <a:gs pos="0">
-              <a:schemeClr val="phClr">
-                <a:tint val="40000"/>
-                <a:satMod val="350000"/>
-              </a:schemeClr>
-            </a:gs>
-            <a:gs pos="40000">
-              <a:schemeClr val="phClr">
-                <a:tint val="45000"/>
-                <a:shade val="99000"/>
-                <a:satMod val="350000"/>
-              </a:schemeClr>
-            </a:gs>
-            <a:gs pos="100000">
-              <a:schemeClr val="phClr">
-                <a:shade val="20000"/>
-                <a:satMod val="255000"/>
-              </a:schemeClr>
-            </a:gs>
-          </a:gsLst>
-          <a:path path="circle">
-            <a:fillToRect l="50000" t="-80000" r="50000" b="180000"/>
-          </a:path>
-        </a:gradFill>
-        <a:gradFill rotWithShape="1">
-          <a:gsLst>
-            <a:gs pos="0">
-              <a:schemeClr val="phClr">
-                <a:tint val="80000"/>
-                <a:satMod val="300000"/>
-              </a:schemeClr>
-            </a:gs>
-            <a:gs pos="100000">
-              <a:schemeClr val="phClr">
-                <a:shade val="30000"/>
-                <a:satMod val="200000"/>
-              </a:schemeClr>
-            </a:gs>
-          </a:gsLst>
-          <a:path path="circle">
-            <a:fillToRect l="50000" t="50000" r="50000" b="50000"/>
-          </a:path>
-        </a:gradFill>
-      </a:bgFillStyleLst>
-    </a:fmtScheme>
-  </a:themeElements>
-</a:theme>
 </file>
--- a/m1/Presentación Proyecto.pptx
+++ b/m1/Presentación Proyecto.pptx
@@ -23,16 +23,23 @@
     <p:sldId id="268" r:id="rId18"/>
     <p:sldId id="269" r:id="rId19"/>
     <p:sldId id="270" r:id="rId20"/>
+    <p:sldId id="271" r:id="rId21"/>
+    <p:sldId id="272" r:id="rId22"/>
+    <p:sldId id="273" r:id="rId23"/>
+    <p:sldId id="274" r:id="rId24"/>
+    <p:sldId id="275" r:id="rId25"/>
+    <p:sldId id="276" r:id="rId26"/>
+    <p:sldId id="277" r:id="rId27"/>
   </p:sldIdLst>
   <p:sldSz cy="5143500" cx="9144000"/>
   <p:notesSz cx="6858000" cy="9144000"/>
   <p:embeddedFontLst>
     <p:embeddedFont>
       <p:font typeface="Roboto"/>
-      <p:regular r:id="rId21"/>
-      <p:bold r:id="rId22"/>
-      <p:italic r:id="rId23"/>
-      <p:boldItalic r:id="rId24"/>
+      <p:regular r:id="rId28"/>
+      <p:bold r:id="rId29"/>
+      <p:italic r:id="rId30"/>
+      <p:boldItalic r:id="rId31"/>
     </p:embeddedFont>
   </p:embeddedFontLst>
   <p:defaultTextStyle>
@@ -813,7 +820,7 @@
   <p:cSld>
     <p:spTree>
       <p:nvGrpSpPr>
-        <p:cNvPr id="117" name="Shape 117"/>
+        <p:cNvPr id="112" name="Shape 112"/>
         <p:cNvGrpSpPr/>
         <p:nvPr/>
       </p:nvGrpSpPr>
@@ -827,7 +834,7 @@
       </p:grpSpPr>
       <p:sp>
         <p:nvSpPr>
-          <p:cNvPr id="118" name="Google Shape;118;gdb16acedc9_0_1058:notes"/>
+          <p:cNvPr id="113" name="Google Shape;113;g7b49d6f62c_0_6:notes"/>
           <p:cNvSpPr/>
           <p:nvPr>
             <p:ph idx="2" type="sldImg"/>
@@ -862,7 +869,7 @@
       </p:sp>
       <p:sp>
         <p:nvSpPr>
-          <p:cNvPr id="119" name="Google Shape;119;gdb16acedc9_0_1058:notes"/>
+          <p:cNvPr id="114" name="Google Shape;114;g7b49d6f62c_0_6:notes"/>
           <p:cNvSpPr txBox="1"/>
           <p:nvPr>
             <p:ph idx="1" type="body"/>
@@ -912,7 +919,7 @@
   <p:cSld>
     <p:spTree>
       <p:nvGrpSpPr>
-        <p:cNvPr id="124" name="Shape 124"/>
+        <p:cNvPr id="117" name="Shape 117"/>
         <p:cNvGrpSpPr/>
         <p:nvPr/>
       </p:nvGrpSpPr>
@@ -926,7 +933,7 @@
       </p:grpSpPr>
       <p:sp>
         <p:nvSpPr>
-          <p:cNvPr id="125" name="Google Shape;125;g7b3a663e92_0_8:notes"/>
+          <p:cNvPr id="118" name="Google Shape;118;gdb16acedc9_0_1063:notes"/>
           <p:cNvSpPr/>
           <p:nvPr>
             <p:ph idx="2" type="sldImg"/>
@@ -961,7 +968,7 @@
       </p:sp>
       <p:sp>
         <p:nvSpPr>
-          <p:cNvPr id="126" name="Google Shape;126;g7b3a663e92_0_8:notes"/>
+          <p:cNvPr id="119" name="Google Shape;119;gdb16acedc9_0_1063:notes"/>
           <p:cNvSpPr txBox="1"/>
           <p:nvPr>
             <p:ph idx="1" type="body"/>
@@ -1011,7 +1018,7 @@
   <p:cSld>
     <p:spTree>
       <p:nvGrpSpPr>
-        <p:cNvPr id="130" name="Shape 130"/>
+        <p:cNvPr id="123" name="Shape 123"/>
         <p:cNvGrpSpPr/>
         <p:nvPr/>
       </p:nvGrpSpPr>
@@ -1025,7 +1032,7 @@
       </p:grpSpPr>
       <p:sp>
         <p:nvSpPr>
-          <p:cNvPr id="131" name="Google Shape;131;g7b3a663e92_0_20:notes"/>
+          <p:cNvPr id="124" name="Google Shape;124;g7b3a663e92_0_38:notes"/>
           <p:cNvSpPr/>
           <p:nvPr>
             <p:ph idx="2" type="sldImg"/>
@@ -1060,7 +1067,7 @@
       </p:sp>
       <p:sp>
         <p:nvSpPr>
-          <p:cNvPr id="132" name="Google Shape;132;g7b3a663e92_0_20:notes"/>
+          <p:cNvPr id="125" name="Google Shape;125;g7b3a663e92_0_38:notes"/>
           <p:cNvSpPr txBox="1"/>
           <p:nvPr>
             <p:ph idx="1" type="body"/>
@@ -1110,7 +1117,7 @@
   <p:cSld>
     <p:spTree>
       <p:nvGrpSpPr>
-        <p:cNvPr id="136" name="Shape 136"/>
+        <p:cNvPr id="128" name="Shape 128"/>
         <p:cNvGrpSpPr/>
         <p:nvPr/>
       </p:nvGrpSpPr>
@@ -1124,7 +1131,7 @@
       </p:grpSpPr>
       <p:sp>
         <p:nvSpPr>
-          <p:cNvPr id="137" name="Google Shape;137;g7b3a663e92_0_28:notes"/>
+          <p:cNvPr id="129" name="Google Shape;129;gdb16acedc9_0_1068:notes"/>
           <p:cNvSpPr/>
           <p:nvPr>
             <p:ph idx="2" type="sldImg"/>
@@ -1159,7 +1166,7 @@
       </p:sp>
       <p:sp>
         <p:nvSpPr>
-          <p:cNvPr id="138" name="Google Shape;138;g7b3a663e92_0_28:notes"/>
+          <p:cNvPr id="130" name="Google Shape;130;gdb16acedc9_0_1068:notes"/>
           <p:cNvSpPr txBox="1"/>
           <p:nvPr>
             <p:ph idx="1" type="body"/>
@@ -1209,7 +1216,7 @@
   <p:cSld>
     <p:spTree>
       <p:nvGrpSpPr>
-        <p:cNvPr id="141" name="Shape 141"/>
+        <p:cNvPr id="134" name="Shape 134"/>
         <p:cNvGrpSpPr/>
         <p:nvPr/>
       </p:nvGrpSpPr>
@@ -1223,7 +1230,7 @@
       </p:grpSpPr>
       <p:sp>
         <p:nvSpPr>
-          <p:cNvPr id="142" name="Google Shape;142;g7b3a663e92_0_33:notes"/>
+          <p:cNvPr id="135" name="Google Shape;135;g7b3a663e92_0_42:notes"/>
           <p:cNvSpPr/>
           <p:nvPr>
             <p:ph idx="2" type="sldImg"/>
@@ -1258,7 +1265,7 @@
       </p:sp>
       <p:sp>
         <p:nvSpPr>
-          <p:cNvPr id="143" name="Google Shape;143;g7b3a663e92_0_33:notes"/>
+          <p:cNvPr id="136" name="Google Shape;136;g7b3a663e92_0_42:notes"/>
           <p:cNvSpPr txBox="1"/>
           <p:nvPr>
             <p:ph idx="1" type="body"/>
@@ -1308,7 +1315,7 @@
   <p:cSld>
     <p:spTree>
       <p:nvGrpSpPr>
-        <p:cNvPr id="146" name="Shape 146"/>
+        <p:cNvPr id="139" name="Shape 139"/>
         <p:cNvGrpSpPr/>
         <p:nvPr/>
       </p:nvGrpSpPr>
@@ -1322,7 +1329,7 @@
       </p:grpSpPr>
       <p:sp>
         <p:nvSpPr>
-          <p:cNvPr id="147" name="Google Shape;147;gdb16acedc9_0_1073:notes"/>
+          <p:cNvPr id="140" name="Google Shape;140;g7b49d6f62c_0_32:notes"/>
           <p:cNvSpPr/>
           <p:nvPr>
             <p:ph idx="2" type="sldImg"/>
@@ -1357,7 +1364,403 @@
       </p:sp>
       <p:sp>
         <p:nvSpPr>
-          <p:cNvPr id="148" name="Google Shape;148;gdb16acedc9_0_1073:notes"/>
+          <p:cNvPr id="141" name="Google Shape;141;g7b49d6f62c_0_32:notes"/>
+          <p:cNvSpPr txBox="1"/>
+          <p:nvPr>
+            <p:ph idx="1" type="body"/>
+          </p:nvPr>
+        </p:nvSpPr>
+        <p:spPr>
+          <a:xfrm>
+            <a:off x="685800" y="4343400"/>
+            <a:ext cx="5486400" cy="4114800"/>
+          </a:xfrm>
+          <a:prstGeom prst="rect">
+            <a:avLst/>
+          </a:prstGeom>
+        </p:spPr>
+        <p:txBody>
+          <a:bodyPr anchorCtr="0" anchor="t" bIns="91425" lIns="91425" spcFirstLastPara="1" rIns="91425" wrap="square" tIns="91425">
+            <a:noAutofit/>
+          </a:bodyPr>
+          <a:lstStyle/>
+          <a:p>
+            <a:pPr indent="0" lvl="0" marL="0" rtl="0" algn="l">
+              <a:spcBef>
+                <a:spcPts val="0"/>
+              </a:spcBef>
+              <a:spcAft>
+                <a:spcPts val="0"/>
+              </a:spcAft>
+              <a:buNone/>
+            </a:pPr>
+            <a:r>
+              <a:t/>
+            </a:r>
+            <a:endParaRPr/>
+          </a:p>
+        </p:txBody>
+      </p:sp>
+    </p:spTree>
+  </p:cSld>
+  <p:clrMapOvr>
+    <a:masterClrMapping/>
+  </p:clrMapOvr>
+</p:notes>
+</file>
+
+<file path=ppt/notesSlides/notesSlide16.xml><?xml version="1.0" encoding="utf-8"?>
+<p:notes xmlns:a="http://schemas.openxmlformats.org/drawingml/2006/main" xmlns:r="http://schemas.openxmlformats.org/officeDocument/2006/relationships" xmlns:mc="http://schemas.openxmlformats.org/markup-compatibility/2006" xmlns:mv="urn:schemas-microsoft-com:mac:vml" xmlns:p="http://schemas.openxmlformats.org/presentationml/2006/main" xmlns:c="http://schemas.openxmlformats.org/drawingml/2006/chart" xmlns:dgm="http://schemas.openxmlformats.org/drawingml/2006/diagram" xmlns:o="urn:schemas-microsoft-com:office:office" xmlns:v="urn:schemas-microsoft-com:vml" xmlns:pvml="urn:schemas-microsoft-com:office:powerpoint" xmlns:com="http://schemas.openxmlformats.org/drawingml/2006/compatibility" xmlns:p14="http://schemas.microsoft.com/office/powerpoint/2010/main" xmlns:p15="http://schemas.microsoft.com/office/powerpoint/2012/main" xmlns:ahyp="http://schemas.microsoft.com/office/drawing/2018/hyperlinkcolor" showMasterPhAnim="0" showMasterSp="0">
+  <p:cSld>
+    <p:spTree>
+      <p:nvGrpSpPr>
+        <p:cNvPr id="145" name="Shape 145"/>
+        <p:cNvGrpSpPr/>
+        <p:nvPr/>
+      </p:nvGrpSpPr>
+      <p:grpSpPr>
+        <a:xfrm>
+          <a:off x="0" y="0"/>
+          <a:ext cx="0" cy="0"/>
+          <a:chOff x="0" y="0"/>
+          <a:chExt cx="0" cy="0"/>
+        </a:xfrm>
+      </p:grpSpPr>
+      <p:sp>
+        <p:nvSpPr>
+          <p:cNvPr id="146" name="Google Shape;146;g7b49d6f62c_0_38:notes"/>
+          <p:cNvSpPr/>
+          <p:nvPr>
+            <p:ph idx="2" type="sldImg"/>
+          </p:nvPr>
+        </p:nvSpPr>
+        <p:spPr>
+          <a:xfrm>
+            <a:off x="381300" y="685800"/>
+            <a:ext cx="6096000" cy="3429000"/>
+          </a:xfrm>
+          <a:custGeom>
+            <a:rect b="b" l="l" r="r" t="t"/>
+            <a:pathLst>
+              <a:path extrusionOk="0" h="120000" w="120000">
+                <a:moveTo>
+                  <a:pt x="0" y="0"/>
+                </a:moveTo>
+                <a:lnTo>
+                  <a:pt x="120000" y="0"/>
+                </a:lnTo>
+                <a:lnTo>
+                  <a:pt x="120000" y="120000"/>
+                </a:lnTo>
+                <a:lnTo>
+                  <a:pt x="0" y="120000"/>
+                </a:lnTo>
+                <a:close/>
+              </a:path>
+            </a:pathLst>
+          </a:custGeom>
+        </p:spPr>
+      </p:sp>
+      <p:sp>
+        <p:nvSpPr>
+          <p:cNvPr id="147" name="Google Shape;147;g7b49d6f62c_0_38:notes"/>
+          <p:cNvSpPr txBox="1"/>
+          <p:nvPr>
+            <p:ph idx="1" type="body"/>
+          </p:nvPr>
+        </p:nvSpPr>
+        <p:spPr>
+          <a:xfrm>
+            <a:off x="685800" y="4343400"/>
+            <a:ext cx="5486400" cy="4114800"/>
+          </a:xfrm>
+          <a:prstGeom prst="rect">
+            <a:avLst/>
+          </a:prstGeom>
+        </p:spPr>
+        <p:txBody>
+          <a:bodyPr anchorCtr="0" anchor="t" bIns="91425" lIns="91425" spcFirstLastPara="1" rIns="91425" wrap="square" tIns="91425">
+            <a:noAutofit/>
+          </a:bodyPr>
+          <a:lstStyle/>
+          <a:p>
+            <a:pPr indent="0" lvl="0" marL="0" rtl="0" algn="l">
+              <a:spcBef>
+                <a:spcPts val="0"/>
+              </a:spcBef>
+              <a:spcAft>
+                <a:spcPts val="0"/>
+              </a:spcAft>
+              <a:buNone/>
+            </a:pPr>
+            <a:r>
+              <a:t/>
+            </a:r>
+            <a:endParaRPr/>
+          </a:p>
+        </p:txBody>
+      </p:sp>
+    </p:spTree>
+  </p:cSld>
+  <p:clrMapOvr>
+    <a:masterClrMapping/>
+  </p:clrMapOvr>
+</p:notes>
+</file>
+
+<file path=ppt/notesSlides/notesSlide17.xml><?xml version="1.0" encoding="utf-8"?>
+<p:notes xmlns:a="http://schemas.openxmlformats.org/drawingml/2006/main" xmlns:r="http://schemas.openxmlformats.org/officeDocument/2006/relationships" xmlns:mc="http://schemas.openxmlformats.org/markup-compatibility/2006" xmlns:mv="urn:schemas-microsoft-com:mac:vml" xmlns:p="http://schemas.openxmlformats.org/presentationml/2006/main" xmlns:c="http://schemas.openxmlformats.org/drawingml/2006/chart" xmlns:dgm="http://schemas.openxmlformats.org/drawingml/2006/diagram" xmlns:o="urn:schemas-microsoft-com:office:office" xmlns:v="urn:schemas-microsoft-com:vml" xmlns:pvml="urn:schemas-microsoft-com:office:powerpoint" xmlns:com="http://schemas.openxmlformats.org/drawingml/2006/compatibility" xmlns:p14="http://schemas.microsoft.com/office/powerpoint/2010/main" xmlns:p15="http://schemas.microsoft.com/office/powerpoint/2012/main" xmlns:ahyp="http://schemas.microsoft.com/office/drawing/2018/hyperlinkcolor" showMasterPhAnim="0" showMasterSp="0">
+  <p:cSld>
+    <p:spTree>
+      <p:nvGrpSpPr>
+        <p:cNvPr id="151" name="Shape 151"/>
+        <p:cNvGrpSpPr/>
+        <p:nvPr/>
+      </p:nvGrpSpPr>
+      <p:grpSpPr>
+        <a:xfrm>
+          <a:off x="0" y="0"/>
+          <a:ext cx="0" cy="0"/>
+          <a:chOff x="0" y="0"/>
+          <a:chExt cx="0" cy="0"/>
+        </a:xfrm>
+      </p:grpSpPr>
+      <p:sp>
+        <p:nvSpPr>
+          <p:cNvPr id="152" name="Google Shape;152;gdb16acedc9_0_1058:notes"/>
+          <p:cNvSpPr/>
+          <p:nvPr>
+            <p:ph idx="2" type="sldImg"/>
+          </p:nvPr>
+        </p:nvSpPr>
+        <p:spPr>
+          <a:xfrm>
+            <a:off x="381300" y="685800"/>
+            <a:ext cx="6096000" cy="3429000"/>
+          </a:xfrm>
+          <a:custGeom>
+            <a:rect b="b" l="l" r="r" t="t"/>
+            <a:pathLst>
+              <a:path extrusionOk="0" h="120000" w="120000">
+                <a:moveTo>
+                  <a:pt x="0" y="0"/>
+                </a:moveTo>
+                <a:lnTo>
+                  <a:pt x="120000" y="0"/>
+                </a:lnTo>
+                <a:lnTo>
+                  <a:pt x="120000" y="120000"/>
+                </a:lnTo>
+                <a:lnTo>
+                  <a:pt x="0" y="120000"/>
+                </a:lnTo>
+                <a:close/>
+              </a:path>
+            </a:pathLst>
+          </a:custGeom>
+        </p:spPr>
+      </p:sp>
+      <p:sp>
+        <p:nvSpPr>
+          <p:cNvPr id="153" name="Google Shape;153;gdb16acedc9_0_1058:notes"/>
+          <p:cNvSpPr txBox="1"/>
+          <p:nvPr>
+            <p:ph idx="1" type="body"/>
+          </p:nvPr>
+        </p:nvSpPr>
+        <p:spPr>
+          <a:xfrm>
+            <a:off x="685800" y="4343400"/>
+            <a:ext cx="5486400" cy="4114800"/>
+          </a:xfrm>
+          <a:prstGeom prst="rect">
+            <a:avLst/>
+          </a:prstGeom>
+        </p:spPr>
+        <p:txBody>
+          <a:bodyPr anchorCtr="0" anchor="t" bIns="91425" lIns="91425" spcFirstLastPara="1" rIns="91425" wrap="square" tIns="91425">
+            <a:noAutofit/>
+          </a:bodyPr>
+          <a:lstStyle/>
+          <a:p>
+            <a:pPr indent="0" lvl="0" marL="0" rtl="0" algn="l">
+              <a:spcBef>
+                <a:spcPts val="0"/>
+              </a:spcBef>
+              <a:spcAft>
+                <a:spcPts val="0"/>
+              </a:spcAft>
+              <a:buNone/>
+            </a:pPr>
+            <a:r>
+              <a:t/>
+            </a:r>
+            <a:endParaRPr/>
+          </a:p>
+        </p:txBody>
+      </p:sp>
+    </p:spTree>
+  </p:cSld>
+  <p:clrMapOvr>
+    <a:masterClrMapping/>
+  </p:clrMapOvr>
+</p:notes>
+</file>
+
+<file path=ppt/notesSlides/notesSlide18.xml><?xml version="1.0" encoding="utf-8"?>
+<p:notes xmlns:a="http://schemas.openxmlformats.org/drawingml/2006/main" xmlns:r="http://schemas.openxmlformats.org/officeDocument/2006/relationships" xmlns:mc="http://schemas.openxmlformats.org/markup-compatibility/2006" xmlns:mv="urn:schemas-microsoft-com:mac:vml" xmlns:p="http://schemas.openxmlformats.org/presentationml/2006/main" xmlns:c="http://schemas.openxmlformats.org/drawingml/2006/chart" xmlns:dgm="http://schemas.openxmlformats.org/drawingml/2006/diagram" xmlns:o="urn:schemas-microsoft-com:office:office" xmlns:v="urn:schemas-microsoft-com:vml" xmlns:pvml="urn:schemas-microsoft-com:office:powerpoint" xmlns:com="http://schemas.openxmlformats.org/drawingml/2006/compatibility" xmlns:p14="http://schemas.microsoft.com/office/powerpoint/2010/main" xmlns:p15="http://schemas.microsoft.com/office/powerpoint/2012/main" xmlns:ahyp="http://schemas.microsoft.com/office/drawing/2018/hyperlinkcolor" showMasterPhAnim="0" showMasterSp="0">
+  <p:cSld>
+    <p:spTree>
+      <p:nvGrpSpPr>
+        <p:cNvPr id="157" name="Shape 157"/>
+        <p:cNvGrpSpPr/>
+        <p:nvPr/>
+      </p:nvGrpSpPr>
+      <p:grpSpPr>
+        <a:xfrm>
+          <a:off x="0" y="0"/>
+          <a:ext cx="0" cy="0"/>
+          <a:chOff x="0" y="0"/>
+          <a:chExt cx="0" cy="0"/>
+        </a:xfrm>
+      </p:grpSpPr>
+      <p:sp>
+        <p:nvSpPr>
+          <p:cNvPr id="158" name="Google Shape;158;g7b3a663e92_0_8:notes"/>
+          <p:cNvSpPr/>
+          <p:nvPr>
+            <p:ph idx="2" type="sldImg"/>
+          </p:nvPr>
+        </p:nvSpPr>
+        <p:spPr>
+          <a:xfrm>
+            <a:off x="381300" y="685800"/>
+            <a:ext cx="6096000" cy="3429000"/>
+          </a:xfrm>
+          <a:custGeom>
+            <a:rect b="b" l="l" r="r" t="t"/>
+            <a:pathLst>
+              <a:path extrusionOk="0" h="120000" w="120000">
+                <a:moveTo>
+                  <a:pt x="0" y="0"/>
+                </a:moveTo>
+                <a:lnTo>
+                  <a:pt x="120000" y="0"/>
+                </a:lnTo>
+                <a:lnTo>
+                  <a:pt x="120000" y="120000"/>
+                </a:lnTo>
+                <a:lnTo>
+                  <a:pt x="0" y="120000"/>
+                </a:lnTo>
+                <a:close/>
+              </a:path>
+            </a:pathLst>
+          </a:custGeom>
+        </p:spPr>
+      </p:sp>
+      <p:sp>
+        <p:nvSpPr>
+          <p:cNvPr id="159" name="Google Shape;159;g7b3a663e92_0_8:notes"/>
+          <p:cNvSpPr txBox="1"/>
+          <p:nvPr>
+            <p:ph idx="1" type="body"/>
+          </p:nvPr>
+        </p:nvSpPr>
+        <p:spPr>
+          <a:xfrm>
+            <a:off x="685800" y="4343400"/>
+            <a:ext cx="5486400" cy="4114800"/>
+          </a:xfrm>
+          <a:prstGeom prst="rect">
+            <a:avLst/>
+          </a:prstGeom>
+        </p:spPr>
+        <p:txBody>
+          <a:bodyPr anchorCtr="0" anchor="t" bIns="91425" lIns="91425" spcFirstLastPara="1" rIns="91425" wrap="square" tIns="91425">
+            <a:noAutofit/>
+          </a:bodyPr>
+          <a:lstStyle/>
+          <a:p>
+            <a:pPr indent="0" lvl="0" marL="0" rtl="0" algn="l">
+              <a:spcBef>
+                <a:spcPts val="0"/>
+              </a:spcBef>
+              <a:spcAft>
+                <a:spcPts val="0"/>
+              </a:spcAft>
+              <a:buNone/>
+            </a:pPr>
+            <a:r>
+              <a:t/>
+            </a:r>
+            <a:endParaRPr/>
+          </a:p>
+        </p:txBody>
+      </p:sp>
+    </p:spTree>
+  </p:cSld>
+  <p:clrMapOvr>
+    <a:masterClrMapping/>
+  </p:clrMapOvr>
+</p:notes>
+</file>
+
+<file path=ppt/notesSlides/notesSlide19.xml><?xml version="1.0" encoding="utf-8"?>
+<p:notes xmlns:a="http://schemas.openxmlformats.org/drawingml/2006/main" xmlns:r="http://schemas.openxmlformats.org/officeDocument/2006/relationships" xmlns:mc="http://schemas.openxmlformats.org/markup-compatibility/2006" xmlns:mv="urn:schemas-microsoft-com:mac:vml" xmlns:p="http://schemas.openxmlformats.org/presentationml/2006/main" xmlns:c="http://schemas.openxmlformats.org/drawingml/2006/chart" xmlns:dgm="http://schemas.openxmlformats.org/drawingml/2006/diagram" xmlns:o="urn:schemas-microsoft-com:office:office" xmlns:v="urn:schemas-microsoft-com:vml" xmlns:pvml="urn:schemas-microsoft-com:office:powerpoint" xmlns:com="http://schemas.openxmlformats.org/drawingml/2006/compatibility" xmlns:p14="http://schemas.microsoft.com/office/powerpoint/2010/main" xmlns:p15="http://schemas.microsoft.com/office/powerpoint/2012/main" xmlns:ahyp="http://schemas.microsoft.com/office/drawing/2018/hyperlinkcolor" showMasterPhAnim="0" showMasterSp="0">
+  <p:cSld>
+    <p:spTree>
+      <p:nvGrpSpPr>
+        <p:cNvPr id="163" name="Shape 163"/>
+        <p:cNvGrpSpPr/>
+        <p:nvPr/>
+      </p:nvGrpSpPr>
+      <p:grpSpPr>
+        <a:xfrm>
+          <a:off x="0" y="0"/>
+          <a:ext cx="0" cy="0"/>
+          <a:chOff x="0" y="0"/>
+          <a:chExt cx="0" cy="0"/>
+        </a:xfrm>
+      </p:grpSpPr>
+      <p:sp>
+        <p:nvSpPr>
+          <p:cNvPr id="164" name="Google Shape;164;g7b3a663e92_0_20:notes"/>
+          <p:cNvSpPr/>
+          <p:nvPr>
+            <p:ph idx="2" type="sldImg"/>
+          </p:nvPr>
+        </p:nvSpPr>
+        <p:spPr>
+          <a:xfrm>
+            <a:off x="381300" y="685800"/>
+            <a:ext cx="6096000" cy="3429000"/>
+          </a:xfrm>
+          <a:custGeom>
+            <a:rect b="b" l="l" r="r" t="t"/>
+            <a:pathLst>
+              <a:path extrusionOk="0" h="120000" w="120000">
+                <a:moveTo>
+                  <a:pt x="0" y="0"/>
+                </a:moveTo>
+                <a:lnTo>
+                  <a:pt x="120000" y="0"/>
+                </a:lnTo>
+                <a:lnTo>
+                  <a:pt x="120000" y="120000"/>
+                </a:lnTo>
+                <a:lnTo>
+                  <a:pt x="0" y="120000"/>
+                </a:lnTo>
+                <a:close/>
+              </a:path>
+            </a:pathLst>
+          </a:custGeom>
+        </p:spPr>
+      </p:sp>
+      <p:sp>
+        <p:nvSpPr>
+          <p:cNvPr id="165" name="Google Shape;165;g7b3a663e92_0_20:notes"/>
           <p:cNvSpPr txBox="1"/>
           <p:nvPr>
             <p:ph idx="1" type="body"/>
@@ -1501,6 +1904,303 @@
 </p:notes>
 </file>
 
+<file path=ppt/notesSlides/notesSlide20.xml><?xml version="1.0" encoding="utf-8"?>
+<p:notes xmlns:a="http://schemas.openxmlformats.org/drawingml/2006/main" xmlns:r="http://schemas.openxmlformats.org/officeDocument/2006/relationships" xmlns:mc="http://schemas.openxmlformats.org/markup-compatibility/2006" xmlns:mv="urn:schemas-microsoft-com:mac:vml" xmlns:p="http://schemas.openxmlformats.org/presentationml/2006/main" xmlns:c="http://schemas.openxmlformats.org/drawingml/2006/chart" xmlns:dgm="http://schemas.openxmlformats.org/drawingml/2006/diagram" xmlns:o="urn:schemas-microsoft-com:office:office" xmlns:v="urn:schemas-microsoft-com:vml" xmlns:pvml="urn:schemas-microsoft-com:office:powerpoint" xmlns:com="http://schemas.openxmlformats.org/drawingml/2006/compatibility" xmlns:p14="http://schemas.microsoft.com/office/powerpoint/2010/main" xmlns:p15="http://schemas.microsoft.com/office/powerpoint/2012/main" xmlns:ahyp="http://schemas.microsoft.com/office/drawing/2018/hyperlinkcolor" showMasterPhAnim="0" showMasterSp="0">
+  <p:cSld>
+    <p:spTree>
+      <p:nvGrpSpPr>
+        <p:cNvPr id="169" name="Shape 169"/>
+        <p:cNvGrpSpPr/>
+        <p:nvPr/>
+      </p:nvGrpSpPr>
+      <p:grpSpPr>
+        <a:xfrm>
+          <a:off x="0" y="0"/>
+          <a:ext cx="0" cy="0"/>
+          <a:chOff x="0" y="0"/>
+          <a:chExt cx="0" cy="0"/>
+        </a:xfrm>
+      </p:grpSpPr>
+      <p:sp>
+        <p:nvSpPr>
+          <p:cNvPr id="170" name="Google Shape;170;g7b3a663e92_0_28:notes"/>
+          <p:cNvSpPr/>
+          <p:nvPr>
+            <p:ph idx="2" type="sldImg"/>
+          </p:nvPr>
+        </p:nvSpPr>
+        <p:spPr>
+          <a:xfrm>
+            <a:off x="381300" y="685800"/>
+            <a:ext cx="6096000" cy="3429000"/>
+          </a:xfrm>
+          <a:custGeom>
+            <a:rect b="b" l="l" r="r" t="t"/>
+            <a:pathLst>
+              <a:path extrusionOk="0" h="120000" w="120000">
+                <a:moveTo>
+                  <a:pt x="0" y="0"/>
+                </a:moveTo>
+                <a:lnTo>
+                  <a:pt x="120000" y="0"/>
+                </a:lnTo>
+                <a:lnTo>
+                  <a:pt x="120000" y="120000"/>
+                </a:lnTo>
+                <a:lnTo>
+                  <a:pt x="0" y="120000"/>
+                </a:lnTo>
+                <a:close/>
+              </a:path>
+            </a:pathLst>
+          </a:custGeom>
+        </p:spPr>
+      </p:sp>
+      <p:sp>
+        <p:nvSpPr>
+          <p:cNvPr id="171" name="Google Shape;171;g7b3a663e92_0_28:notes"/>
+          <p:cNvSpPr txBox="1"/>
+          <p:nvPr>
+            <p:ph idx="1" type="body"/>
+          </p:nvPr>
+        </p:nvSpPr>
+        <p:spPr>
+          <a:xfrm>
+            <a:off x="685800" y="4343400"/>
+            <a:ext cx="5486400" cy="4114800"/>
+          </a:xfrm>
+          <a:prstGeom prst="rect">
+            <a:avLst/>
+          </a:prstGeom>
+        </p:spPr>
+        <p:txBody>
+          <a:bodyPr anchorCtr="0" anchor="t" bIns="91425" lIns="91425" spcFirstLastPara="1" rIns="91425" wrap="square" tIns="91425">
+            <a:noAutofit/>
+          </a:bodyPr>
+          <a:lstStyle/>
+          <a:p>
+            <a:pPr indent="0" lvl="0" marL="0" rtl="0" algn="l">
+              <a:spcBef>
+                <a:spcPts val="0"/>
+              </a:spcBef>
+              <a:spcAft>
+                <a:spcPts val="0"/>
+              </a:spcAft>
+              <a:buNone/>
+            </a:pPr>
+            <a:r>
+              <a:t/>
+            </a:r>
+            <a:endParaRPr/>
+          </a:p>
+        </p:txBody>
+      </p:sp>
+    </p:spTree>
+  </p:cSld>
+  <p:clrMapOvr>
+    <a:masterClrMapping/>
+  </p:clrMapOvr>
+</p:notes>
+</file>
+
+<file path=ppt/notesSlides/notesSlide21.xml><?xml version="1.0" encoding="utf-8"?>
+<p:notes xmlns:a="http://schemas.openxmlformats.org/drawingml/2006/main" xmlns:r="http://schemas.openxmlformats.org/officeDocument/2006/relationships" xmlns:mc="http://schemas.openxmlformats.org/markup-compatibility/2006" xmlns:mv="urn:schemas-microsoft-com:mac:vml" xmlns:p="http://schemas.openxmlformats.org/presentationml/2006/main" xmlns:c="http://schemas.openxmlformats.org/drawingml/2006/chart" xmlns:dgm="http://schemas.openxmlformats.org/drawingml/2006/diagram" xmlns:o="urn:schemas-microsoft-com:office:office" xmlns:v="urn:schemas-microsoft-com:vml" xmlns:pvml="urn:schemas-microsoft-com:office:powerpoint" xmlns:com="http://schemas.openxmlformats.org/drawingml/2006/compatibility" xmlns:p14="http://schemas.microsoft.com/office/powerpoint/2010/main" xmlns:p15="http://schemas.microsoft.com/office/powerpoint/2012/main" xmlns:ahyp="http://schemas.microsoft.com/office/drawing/2018/hyperlinkcolor" showMasterPhAnim="0" showMasterSp="0">
+  <p:cSld>
+    <p:spTree>
+      <p:nvGrpSpPr>
+        <p:cNvPr id="174" name="Shape 174"/>
+        <p:cNvGrpSpPr/>
+        <p:nvPr/>
+      </p:nvGrpSpPr>
+      <p:grpSpPr>
+        <a:xfrm>
+          <a:off x="0" y="0"/>
+          <a:ext cx="0" cy="0"/>
+          <a:chOff x="0" y="0"/>
+          <a:chExt cx="0" cy="0"/>
+        </a:xfrm>
+      </p:grpSpPr>
+      <p:sp>
+        <p:nvSpPr>
+          <p:cNvPr id="175" name="Google Shape;175;g7b3a663e92_0_33:notes"/>
+          <p:cNvSpPr/>
+          <p:nvPr>
+            <p:ph idx="2" type="sldImg"/>
+          </p:nvPr>
+        </p:nvSpPr>
+        <p:spPr>
+          <a:xfrm>
+            <a:off x="381300" y="685800"/>
+            <a:ext cx="6096000" cy="3429000"/>
+          </a:xfrm>
+          <a:custGeom>
+            <a:rect b="b" l="l" r="r" t="t"/>
+            <a:pathLst>
+              <a:path extrusionOk="0" h="120000" w="120000">
+                <a:moveTo>
+                  <a:pt x="0" y="0"/>
+                </a:moveTo>
+                <a:lnTo>
+                  <a:pt x="120000" y="0"/>
+                </a:lnTo>
+                <a:lnTo>
+                  <a:pt x="120000" y="120000"/>
+                </a:lnTo>
+                <a:lnTo>
+                  <a:pt x="0" y="120000"/>
+                </a:lnTo>
+                <a:close/>
+              </a:path>
+            </a:pathLst>
+          </a:custGeom>
+        </p:spPr>
+      </p:sp>
+      <p:sp>
+        <p:nvSpPr>
+          <p:cNvPr id="176" name="Google Shape;176;g7b3a663e92_0_33:notes"/>
+          <p:cNvSpPr txBox="1"/>
+          <p:nvPr>
+            <p:ph idx="1" type="body"/>
+          </p:nvPr>
+        </p:nvSpPr>
+        <p:spPr>
+          <a:xfrm>
+            <a:off x="685800" y="4343400"/>
+            <a:ext cx="5486400" cy="4114800"/>
+          </a:xfrm>
+          <a:prstGeom prst="rect">
+            <a:avLst/>
+          </a:prstGeom>
+        </p:spPr>
+        <p:txBody>
+          <a:bodyPr anchorCtr="0" anchor="t" bIns="91425" lIns="91425" spcFirstLastPara="1" rIns="91425" wrap="square" tIns="91425">
+            <a:noAutofit/>
+          </a:bodyPr>
+          <a:lstStyle/>
+          <a:p>
+            <a:pPr indent="0" lvl="0" marL="0" rtl="0" algn="l">
+              <a:spcBef>
+                <a:spcPts val="0"/>
+              </a:spcBef>
+              <a:spcAft>
+                <a:spcPts val="0"/>
+              </a:spcAft>
+              <a:buNone/>
+            </a:pPr>
+            <a:r>
+              <a:t/>
+            </a:r>
+            <a:endParaRPr/>
+          </a:p>
+        </p:txBody>
+      </p:sp>
+    </p:spTree>
+  </p:cSld>
+  <p:clrMapOvr>
+    <a:masterClrMapping/>
+  </p:clrMapOvr>
+</p:notes>
+</file>
+
+<file path=ppt/notesSlides/notesSlide22.xml><?xml version="1.0" encoding="utf-8"?>
+<p:notes xmlns:a="http://schemas.openxmlformats.org/drawingml/2006/main" xmlns:r="http://schemas.openxmlformats.org/officeDocument/2006/relationships" xmlns:mc="http://schemas.openxmlformats.org/markup-compatibility/2006" xmlns:mv="urn:schemas-microsoft-com:mac:vml" xmlns:p="http://schemas.openxmlformats.org/presentationml/2006/main" xmlns:c="http://schemas.openxmlformats.org/drawingml/2006/chart" xmlns:dgm="http://schemas.openxmlformats.org/drawingml/2006/diagram" xmlns:o="urn:schemas-microsoft-com:office:office" xmlns:v="urn:schemas-microsoft-com:vml" xmlns:pvml="urn:schemas-microsoft-com:office:powerpoint" xmlns:com="http://schemas.openxmlformats.org/drawingml/2006/compatibility" xmlns:p14="http://schemas.microsoft.com/office/powerpoint/2010/main" xmlns:p15="http://schemas.microsoft.com/office/powerpoint/2012/main" xmlns:ahyp="http://schemas.microsoft.com/office/drawing/2018/hyperlinkcolor" showMasterPhAnim="0" showMasterSp="0">
+  <p:cSld>
+    <p:spTree>
+      <p:nvGrpSpPr>
+        <p:cNvPr id="179" name="Shape 179"/>
+        <p:cNvGrpSpPr/>
+        <p:nvPr/>
+      </p:nvGrpSpPr>
+      <p:grpSpPr>
+        <a:xfrm>
+          <a:off x="0" y="0"/>
+          <a:ext cx="0" cy="0"/>
+          <a:chOff x="0" y="0"/>
+          <a:chExt cx="0" cy="0"/>
+        </a:xfrm>
+      </p:grpSpPr>
+      <p:sp>
+        <p:nvSpPr>
+          <p:cNvPr id="180" name="Google Shape;180;gdb16acedc9_0_1073:notes"/>
+          <p:cNvSpPr/>
+          <p:nvPr>
+            <p:ph idx="2" type="sldImg"/>
+          </p:nvPr>
+        </p:nvSpPr>
+        <p:spPr>
+          <a:xfrm>
+            <a:off x="381300" y="685800"/>
+            <a:ext cx="6096000" cy="3429000"/>
+          </a:xfrm>
+          <a:custGeom>
+            <a:rect b="b" l="l" r="r" t="t"/>
+            <a:pathLst>
+              <a:path extrusionOk="0" h="120000" w="120000">
+                <a:moveTo>
+                  <a:pt x="0" y="0"/>
+                </a:moveTo>
+                <a:lnTo>
+                  <a:pt x="120000" y="0"/>
+                </a:lnTo>
+                <a:lnTo>
+                  <a:pt x="120000" y="120000"/>
+                </a:lnTo>
+                <a:lnTo>
+                  <a:pt x="0" y="120000"/>
+                </a:lnTo>
+                <a:close/>
+              </a:path>
+            </a:pathLst>
+          </a:custGeom>
+        </p:spPr>
+      </p:sp>
+      <p:sp>
+        <p:nvSpPr>
+          <p:cNvPr id="181" name="Google Shape;181;gdb16acedc9_0_1073:notes"/>
+          <p:cNvSpPr txBox="1"/>
+          <p:nvPr>
+            <p:ph idx="1" type="body"/>
+          </p:nvPr>
+        </p:nvSpPr>
+        <p:spPr>
+          <a:xfrm>
+            <a:off x="685800" y="4343400"/>
+            <a:ext cx="5486400" cy="4114800"/>
+          </a:xfrm>
+          <a:prstGeom prst="rect">
+            <a:avLst/>
+          </a:prstGeom>
+        </p:spPr>
+        <p:txBody>
+          <a:bodyPr anchorCtr="0" anchor="t" bIns="91425" lIns="91425" spcFirstLastPara="1" rIns="91425" wrap="square" tIns="91425">
+            <a:noAutofit/>
+          </a:bodyPr>
+          <a:lstStyle/>
+          <a:p>
+            <a:pPr indent="0" lvl="0" marL="0" rtl="0" algn="l">
+              <a:spcBef>
+                <a:spcPts val="0"/>
+              </a:spcBef>
+              <a:spcAft>
+                <a:spcPts val="0"/>
+              </a:spcAft>
+              <a:buNone/>
+            </a:pPr>
+            <a:r>
+              <a:t/>
+            </a:r>
+            <a:endParaRPr/>
+          </a:p>
+        </p:txBody>
+      </p:sp>
+    </p:spTree>
+  </p:cSld>
+  <p:clrMapOvr>
+    <a:masterClrMapping/>
+  </p:clrMapOvr>
+</p:notes>
+</file>
+
 <file path=ppt/notesSlides/notesSlide3.xml><?xml version="1.0" encoding="utf-8"?>
 <p:notes xmlns:a="http://schemas.openxmlformats.org/drawingml/2006/main" xmlns:r="http://schemas.openxmlformats.org/officeDocument/2006/relationships" xmlns:mc="http://schemas.openxmlformats.org/markup-compatibility/2006" xmlns:mv="urn:schemas-microsoft-com:mac:vml" xmlns:p="http://schemas.openxmlformats.org/presentationml/2006/main" xmlns:c="http://schemas.openxmlformats.org/drawingml/2006/chart" xmlns:dgm="http://schemas.openxmlformats.org/drawingml/2006/diagram" xmlns:o="urn:schemas-microsoft-com:office:office" xmlns:v="urn:schemas-microsoft-com:vml" xmlns:pvml="urn:schemas-microsoft-com:office:powerpoint" xmlns:com="http://schemas.openxmlformats.org/drawingml/2006/compatibility" xmlns:p14="http://schemas.microsoft.com/office/powerpoint/2010/main" xmlns:p15="http://schemas.microsoft.com/office/powerpoint/2012/main" xmlns:ahyp="http://schemas.microsoft.com/office/drawing/2018/hyperlinkcolor" showMasterPhAnim="0" showMasterSp="0">
   <p:cSld>
@@ -1704,7 +2404,7 @@
   <p:cSld>
     <p:spTree>
       <p:nvGrpSpPr>
-        <p:cNvPr id="88" name="Shape 88"/>
+        <p:cNvPr id="87" name="Shape 87"/>
         <p:cNvGrpSpPr/>
         <p:nvPr/>
       </p:nvGrpSpPr>
@@ -1718,7 +2418,7 @@
       </p:grpSpPr>
       <p:sp>
         <p:nvSpPr>
-          <p:cNvPr id="89" name="Google Shape;89;g7b3a663e92_0_1:notes"/>
+          <p:cNvPr id="88" name="Google Shape;88;g7b3a663e92_0_1:notes"/>
           <p:cNvSpPr/>
           <p:nvPr>
             <p:ph idx="2" type="sldImg"/>
@@ -1753,7 +2453,7 @@
       </p:sp>
       <p:sp>
         <p:nvSpPr>
-          <p:cNvPr id="90" name="Google Shape;90;g7b3a663e92_0_1:notes"/>
+          <p:cNvPr id="89" name="Google Shape;89;g7b3a663e92_0_1:notes"/>
           <p:cNvSpPr txBox="1"/>
           <p:nvPr>
             <p:ph idx="1" type="body"/>
@@ -1803,7 +2503,7 @@
   <p:cSld>
     <p:spTree>
       <p:nvGrpSpPr>
-        <p:cNvPr id="93" name="Shape 93"/>
+        <p:cNvPr id="92" name="Shape 92"/>
         <p:cNvGrpSpPr/>
         <p:nvPr/>
       </p:nvGrpSpPr>
@@ -1817,7 +2517,7 @@
       </p:grpSpPr>
       <p:sp>
         <p:nvSpPr>
-          <p:cNvPr id="94" name="Google Shape;94;gdb16acedc9_0_1063:notes"/>
+          <p:cNvPr id="93" name="Google Shape;93;g7b49d6f62c_0_18:notes"/>
           <p:cNvSpPr/>
           <p:nvPr>
             <p:ph idx="2" type="sldImg"/>
@@ -1852,7 +2552,7 @@
       </p:sp>
       <p:sp>
         <p:nvSpPr>
-          <p:cNvPr id="95" name="Google Shape;95;gdb16acedc9_0_1063:notes"/>
+          <p:cNvPr id="94" name="Google Shape;94;g7b49d6f62c_0_18:notes"/>
           <p:cNvSpPr txBox="1"/>
           <p:nvPr>
             <p:ph idx="1" type="body"/>
@@ -1902,7 +2602,7 @@
   <p:cSld>
     <p:spTree>
       <p:nvGrpSpPr>
-        <p:cNvPr id="100" name="Shape 100"/>
+        <p:cNvPr id="97" name="Shape 97"/>
         <p:cNvGrpSpPr/>
         <p:nvPr/>
       </p:nvGrpSpPr>
@@ -1916,7 +2616,7 @@
       </p:grpSpPr>
       <p:sp>
         <p:nvSpPr>
-          <p:cNvPr id="101" name="Google Shape;101;g7b3a663e92_0_38:notes"/>
+          <p:cNvPr id="98" name="Google Shape;98;g7b49d6f62c_0_23:notes"/>
           <p:cNvSpPr/>
           <p:nvPr>
             <p:ph idx="2" type="sldImg"/>
@@ -1951,7 +2651,7 @@
       </p:sp>
       <p:sp>
         <p:nvSpPr>
-          <p:cNvPr id="102" name="Google Shape;102;g7b3a663e92_0_38:notes"/>
+          <p:cNvPr id="99" name="Google Shape;99;g7b49d6f62c_0_23:notes"/>
           <p:cNvSpPr txBox="1"/>
           <p:nvPr>
             <p:ph idx="1" type="body"/>
@@ -2001,7 +2701,7 @@
   <p:cSld>
     <p:spTree>
       <p:nvGrpSpPr>
-        <p:cNvPr id="105" name="Shape 105"/>
+        <p:cNvPr id="102" name="Shape 102"/>
         <p:cNvGrpSpPr/>
         <p:nvPr/>
       </p:nvGrpSpPr>
@@ -2015,7 +2715,7 @@
       </p:grpSpPr>
       <p:sp>
         <p:nvSpPr>
-          <p:cNvPr id="106" name="Google Shape;106;gdb16acedc9_0_1068:notes"/>
+          <p:cNvPr id="103" name="Google Shape;103;g7b49d6f62c_0_27:notes"/>
           <p:cNvSpPr/>
           <p:nvPr>
             <p:ph idx="2" type="sldImg"/>
@@ -2050,7 +2750,7 @@
       </p:sp>
       <p:sp>
         <p:nvSpPr>
-          <p:cNvPr id="107" name="Google Shape;107;gdb16acedc9_0_1068:notes"/>
+          <p:cNvPr id="104" name="Google Shape;104;g7b49d6f62c_0_27:notes"/>
           <p:cNvSpPr txBox="1"/>
           <p:nvPr>
             <p:ph idx="1" type="body"/>
@@ -2100,7 +2800,7 @@
   <p:cSld>
     <p:spTree>
       <p:nvGrpSpPr>
-        <p:cNvPr id="112" name="Shape 112"/>
+        <p:cNvPr id="107" name="Shape 107"/>
         <p:cNvGrpSpPr/>
         <p:nvPr/>
       </p:nvGrpSpPr>
@@ -2114,7 +2814,7 @@
       </p:grpSpPr>
       <p:sp>
         <p:nvSpPr>
-          <p:cNvPr id="113" name="Google Shape;113;g7b3a663e92_0_42:notes"/>
+          <p:cNvPr id="108" name="Google Shape;108;g7b49d6f62c_0_1:notes"/>
           <p:cNvSpPr/>
           <p:nvPr>
             <p:ph idx="2" type="sldImg"/>
@@ -2149,7 +2849,7 @@
       </p:sp>
       <p:sp>
         <p:nvSpPr>
-          <p:cNvPr id="114" name="Google Shape;114;g7b3a663e92_0_42:notes"/>
+          <p:cNvPr id="109" name="Google Shape;109;g7b49d6f62c_0_1:notes"/>
           <p:cNvSpPr txBox="1"/>
           <p:nvPr>
             <p:ph idx="1" type="body"/>
@@ -8206,6 +8906,58 @@
   <p:cSld>
     <p:spTree>
       <p:nvGrpSpPr>
+        <p:cNvPr id="115" name="Shape 115"/>
+        <p:cNvGrpSpPr/>
+        <p:nvPr/>
+      </p:nvGrpSpPr>
+      <p:grpSpPr>
+        <a:xfrm>
+          <a:off x="0" y="0"/>
+          <a:ext cx="0" cy="0"/>
+          <a:chOff x="0" y="0"/>
+          <a:chExt cx="0" cy="0"/>
+        </a:xfrm>
+      </p:grpSpPr>
+      <p:pic>
+        <p:nvPicPr>
+          <p:cNvPr id="116" name="Google Shape;116;p22"/>
+          <p:cNvPicPr preferRelativeResize="0"/>
+          <p:nvPr/>
+        </p:nvPicPr>
+        <p:blipFill rotWithShape="1">
+          <a:blip r:embed="rId3">
+            <a:alphaModFix/>
+          </a:blip>
+          <a:srcRect b="0" l="0" r="0" t="59146"/>
+          <a:stretch/>
+        </p:blipFill>
+        <p:spPr>
+          <a:xfrm>
+            <a:off x="0" y="0"/>
+            <a:ext cx="9144000" cy="5143500"/>
+          </a:xfrm>
+          <a:prstGeom prst="rect">
+            <a:avLst/>
+          </a:prstGeom>
+          <a:noFill/>
+          <a:ln>
+            <a:noFill/>
+          </a:ln>
+        </p:spPr>
+      </p:pic>
+    </p:spTree>
+  </p:cSld>
+  <p:clrMapOvr>
+    <a:masterClrMapping/>
+  </p:clrMapOvr>
+</p:sld>
+</file>
+
+<file path=ppt/slides/slide11.xml><?xml version="1.0" encoding="utf-8"?>
+<p:sld xmlns:a="http://schemas.openxmlformats.org/drawingml/2006/main" xmlns:r="http://schemas.openxmlformats.org/officeDocument/2006/relationships" xmlns:mc="http://schemas.openxmlformats.org/markup-compatibility/2006" xmlns:mv="urn:schemas-microsoft-com:mac:vml" xmlns:p="http://schemas.openxmlformats.org/presentationml/2006/main" xmlns:c="http://schemas.openxmlformats.org/drawingml/2006/chart" xmlns:dgm="http://schemas.openxmlformats.org/drawingml/2006/diagram" xmlns:o="urn:schemas-microsoft-com:office:office" xmlns:v="urn:schemas-microsoft-com:vml" xmlns:pvml="urn:schemas-microsoft-com:office:powerpoint" xmlns:com="http://schemas.openxmlformats.org/drawingml/2006/compatibility" xmlns:p14="http://schemas.microsoft.com/office/powerpoint/2010/main" xmlns:p15="http://schemas.microsoft.com/office/powerpoint/2012/main" xmlns:ahyp="http://schemas.microsoft.com/office/drawing/2018/hyperlinkcolor">
+  <p:cSld>
+    <p:spTree>
+      <p:nvGrpSpPr>
         <p:cNvPr id="120" name="Shape 120"/>
         <p:cNvGrpSpPr/>
         <p:nvPr/>
@@ -8220,7 +8972,7 @@
       </p:grpSpPr>
       <p:sp>
         <p:nvSpPr>
-          <p:cNvPr id="121" name="Google Shape;121;p22"/>
+          <p:cNvPr id="121" name="Google Shape;121;p23"/>
           <p:cNvSpPr txBox="1"/>
           <p:nvPr>
             <p:ph type="title"/>
@@ -8252,46 +9004,7 @@
             </a:pPr>
             <a:r>
               <a:rPr lang="ca"/>
-              <a:t>M1 Sistemas Informáticos</a:t>
-            </a:r>
-            <a:endParaRPr/>
-          </a:p>
-        </p:txBody>
-      </p:sp>
-      <p:sp>
-        <p:nvSpPr>
-          <p:cNvPr id="122" name="Google Shape;122;p22"/>
-          <p:cNvSpPr txBox="1"/>
-          <p:nvPr>
-            <p:ph idx="1" type="body"/>
-          </p:nvPr>
-        </p:nvSpPr>
-        <p:spPr>
-          <a:xfrm>
-            <a:off x="471900" y="1919075"/>
-            <a:ext cx="8222100" cy="2710200"/>
-          </a:xfrm>
-          <a:prstGeom prst="rect">
-            <a:avLst/>
-          </a:prstGeom>
-        </p:spPr>
-        <p:txBody>
-          <a:bodyPr anchorCtr="0" anchor="t" bIns="91425" lIns="91425" spcFirstLastPara="1" rIns="91425" wrap="square" tIns="91425">
-            <a:normAutofit/>
-          </a:bodyPr>
-          <a:lstStyle/>
-          <a:p>
-            <a:pPr indent="0" lvl="0" marL="0" rtl="0" algn="l">
-              <a:spcBef>
-                <a:spcPts val="0"/>
-              </a:spcBef>
-              <a:spcAft>
-                <a:spcPts val="1200"/>
-              </a:spcAft>
-              <a:buNone/>
-            </a:pPr>
-            <a:r>
-              <a:t/>
+              <a:t>M2 Base de Datos</a:t>
             </a:r>
             <a:endParaRPr/>
           </a:p>
@@ -8299,7 +9012,7 @@
       </p:sp>
       <p:pic>
         <p:nvPicPr>
-          <p:cNvPr id="123" name="Google Shape;123;p22"/>
+          <p:cNvPr id="122" name="Google Shape;122;p23"/>
           <p:cNvPicPr preferRelativeResize="0"/>
           <p:nvPr/>
         </p:nvPicPr>
@@ -8313,8 +9026,8 @@
         </p:blipFill>
         <p:spPr>
           <a:xfrm>
-            <a:off x="2705075" y="1812150"/>
-            <a:ext cx="3224424" cy="3224424"/>
+            <a:off x="2967400" y="1953350"/>
+            <a:ext cx="3209201" cy="3209201"/>
           </a:xfrm>
           <a:prstGeom prst="rect">
             <a:avLst/>
@@ -8333,12 +9046,65 @@
 </p:sld>
 </file>
 
-<file path=ppt/slides/slide11.xml><?xml version="1.0" encoding="utf-8"?>
+<file path=ppt/slides/slide12.xml><?xml version="1.0" encoding="utf-8"?>
 <p:sld xmlns:a="http://schemas.openxmlformats.org/drawingml/2006/main" xmlns:r="http://schemas.openxmlformats.org/officeDocument/2006/relationships" xmlns:mc="http://schemas.openxmlformats.org/markup-compatibility/2006" xmlns:mv="urn:schemas-microsoft-com:mac:vml" xmlns:p="http://schemas.openxmlformats.org/presentationml/2006/main" xmlns:c="http://schemas.openxmlformats.org/drawingml/2006/chart" xmlns:dgm="http://schemas.openxmlformats.org/drawingml/2006/diagram" xmlns:o="urn:schemas-microsoft-com:office:office" xmlns:v="urn:schemas-microsoft-com:vml" xmlns:pvml="urn:schemas-microsoft-com:office:powerpoint" xmlns:com="http://schemas.openxmlformats.org/drawingml/2006/compatibility" xmlns:p14="http://schemas.microsoft.com/office/powerpoint/2010/main" xmlns:p15="http://schemas.microsoft.com/office/powerpoint/2012/main" xmlns:ahyp="http://schemas.microsoft.com/office/drawing/2018/hyperlinkcolor">
   <p:cSld>
     <p:spTree>
       <p:nvGrpSpPr>
-        <p:cNvPr id="127" name="Shape 127"/>
+        <p:cNvPr id="126" name="Shape 126"/>
+        <p:cNvGrpSpPr/>
+        <p:nvPr/>
+      </p:nvGrpSpPr>
+      <p:grpSpPr>
+        <a:xfrm>
+          <a:off x="0" y="0"/>
+          <a:ext cx="0" cy="0"/>
+          <a:chOff x="0" y="0"/>
+          <a:chExt cx="0" cy="0"/>
+        </a:xfrm>
+      </p:grpSpPr>
+      <p:pic>
+        <p:nvPicPr>
+          <p:cNvPr id="127" name="Google Shape;127;p24"/>
+          <p:cNvPicPr preferRelativeResize="0"/>
+          <p:nvPr/>
+        </p:nvPicPr>
+        <p:blipFill>
+          <a:blip r:embed="rId3">
+            <a:alphaModFix/>
+          </a:blip>
+          <a:stretch>
+            <a:fillRect/>
+          </a:stretch>
+        </p:blipFill>
+        <p:spPr>
+          <a:xfrm>
+            <a:off x="1740450" y="0"/>
+            <a:ext cx="5228400" cy="5143500"/>
+          </a:xfrm>
+          <a:prstGeom prst="rect">
+            <a:avLst/>
+          </a:prstGeom>
+          <a:noFill/>
+          <a:ln>
+            <a:noFill/>
+          </a:ln>
+        </p:spPr>
+      </p:pic>
+    </p:spTree>
+  </p:cSld>
+  <p:clrMapOvr>
+    <a:masterClrMapping/>
+  </p:clrMapOvr>
+</p:sld>
+</file>
+
+<file path=ppt/slides/slide13.xml><?xml version="1.0" encoding="utf-8"?>
+<p:sld xmlns:a="http://schemas.openxmlformats.org/drawingml/2006/main" xmlns:r="http://schemas.openxmlformats.org/officeDocument/2006/relationships" xmlns:mc="http://schemas.openxmlformats.org/markup-compatibility/2006" xmlns:mv="urn:schemas-microsoft-com:mac:vml" xmlns:p="http://schemas.openxmlformats.org/presentationml/2006/main" xmlns:c="http://schemas.openxmlformats.org/drawingml/2006/chart" xmlns:dgm="http://schemas.openxmlformats.org/drawingml/2006/diagram" xmlns:o="urn:schemas-microsoft-com:office:office" xmlns:v="urn:schemas-microsoft-com:vml" xmlns:pvml="urn:schemas-microsoft-com:office:powerpoint" xmlns:com="http://schemas.openxmlformats.org/drawingml/2006/compatibility" xmlns:p14="http://schemas.microsoft.com/office/powerpoint/2010/main" xmlns:p15="http://schemas.microsoft.com/office/powerpoint/2012/main" xmlns:ahyp="http://schemas.microsoft.com/office/drawing/2018/hyperlinkcolor">
+  <p:cSld>
+    <p:spTree>
+      <p:nvGrpSpPr>
+        <p:cNvPr id="131" name="Shape 131"/>
         <p:cNvGrpSpPr/>
         <p:nvPr/>
       </p:nvGrpSpPr>
@@ -8352,7 +9118,407 @@
       </p:grpSpPr>
       <p:sp>
         <p:nvSpPr>
-          <p:cNvPr id="128" name="Google Shape;128;p23"/>
+          <p:cNvPr id="132" name="Google Shape;132;p25"/>
+          <p:cNvSpPr txBox="1"/>
+          <p:nvPr>
+            <p:ph type="title"/>
+          </p:nvPr>
+        </p:nvSpPr>
+        <p:spPr>
+          <a:xfrm>
+            <a:off x="471900" y="738725"/>
+            <a:ext cx="8222100" cy="767700"/>
+          </a:xfrm>
+          <a:prstGeom prst="rect">
+            <a:avLst/>
+          </a:prstGeom>
+        </p:spPr>
+        <p:txBody>
+          <a:bodyPr anchorCtr="0" anchor="b" bIns="91425" lIns="91425" spcFirstLastPara="1" rIns="91425" wrap="square" tIns="91425">
+            <a:normAutofit/>
+          </a:bodyPr>
+          <a:lstStyle/>
+          <a:p>
+            <a:pPr indent="0" lvl="0" marL="0" rtl="0" algn="l">
+              <a:spcBef>
+                <a:spcPts val="0"/>
+              </a:spcBef>
+              <a:spcAft>
+                <a:spcPts val="0"/>
+              </a:spcAft>
+              <a:buNone/>
+            </a:pPr>
+            <a:r>
+              <a:rPr lang="ca"/>
+              <a:t>M3 Programación</a:t>
+            </a:r>
+            <a:endParaRPr/>
+          </a:p>
+        </p:txBody>
+      </p:sp>
+      <p:pic>
+        <p:nvPicPr>
+          <p:cNvPr id="133" name="Google Shape;133;p25"/>
+          <p:cNvPicPr preferRelativeResize="0"/>
+          <p:nvPr/>
+        </p:nvPicPr>
+        <p:blipFill>
+          <a:blip r:embed="rId3">
+            <a:alphaModFix/>
+          </a:blip>
+          <a:stretch>
+            <a:fillRect/>
+          </a:stretch>
+        </p:blipFill>
+        <p:spPr>
+          <a:xfrm>
+            <a:off x="2666775" y="1686775"/>
+            <a:ext cx="3456725" cy="3456725"/>
+          </a:xfrm>
+          <a:prstGeom prst="rect">
+            <a:avLst/>
+          </a:prstGeom>
+          <a:noFill/>
+          <a:ln>
+            <a:noFill/>
+          </a:ln>
+        </p:spPr>
+      </p:pic>
+    </p:spTree>
+  </p:cSld>
+  <p:clrMapOvr>
+    <a:masterClrMapping/>
+  </p:clrMapOvr>
+</p:sld>
+</file>
+
+<file path=ppt/slides/slide14.xml><?xml version="1.0" encoding="utf-8"?>
+<p:sld xmlns:a="http://schemas.openxmlformats.org/drawingml/2006/main" xmlns:r="http://schemas.openxmlformats.org/officeDocument/2006/relationships" xmlns:mc="http://schemas.openxmlformats.org/markup-compatibility/2006" xmlns:mv="urn:schemas-microsoft-com:mac:vml" xmlns:p="http://schemas.openxmlformats.org/presentationml/2006/main" xmlns:c="http://schemas.openxmlformats.org/drawingml/2006/chart" xmlns:dgm="http://schemas.openxmlformats.org/drawingml/2006/diagram" xmlns:o="urn:schemas-microsoft-com:office:office" xmlns:v="urn:schemas-microsoft-com:vml" xmlns:pvml="urn:schemas-microsoft-com:office:powerpoint" xmlns:com="http://schemas.openxmlformats.org/drawingml/2006/compatibility" xmlns:p14="http://schemas.microsoft.com/office/powerpoint/2010/main" xmlns:p15="http://schemas.microsoft.com/office/powerpoint/2012/main" xmlns:ahyp="http://schemas.microsoft.com/office/drawing/2018/hyperlinkcolor">
+  <p:cSld>
+    <p:spTree>
+      <p:nvGrpSpPr>
+        <p:cNvPr id="137" name="Shape 137"/>
+        <p:cNvGrpSpPr/>
+        <p:nvPr/>
+      </p:nvGrpSpPr>
+      <p:grpSpPr>
+        <a:xfrm>
+          <a:off x="0" y="0"/>
+          <a:ext cx="0" cy="0"/>
+          <a:chOff x="0" y="0"/>
+          <a:chExt cx="0" cy="0"/>
+        </a:xfrm>
+      </p:grpSpPr>
+      <p:pic>
+        <p:nvPicPr>
+          <p:cNvPr id="138" name="Google Shape;138;p26"/>
+          <p:cNvPicPr preferRelativeResize="0"/>
+          <p:nvPr/>
+        </p:nvPicPr>
+        <p:blipFill rotWithShape="1">
+          <a:blip r:embed="rId3">
+            <a:alphaModFix/>
+          </a:blip>
+          <a:srcRect b="0" l="1545" r="0" t="0"/>
+          <a:stretch/>
+        </p:blipFill>
+        <p:spPr>
+          <a:xfrm>
+            <a:off x="2087125" y="1945600"/>
+            <a:ext cx="4571999" cy="2754845"/>
+          </a:xfrm>
+          <a:prstGeom prst="rect">
+            <a:avLst/>
+          </a:prstGeom>
+          <a:noFill/>
+          <a:ln>
+            <a:noFill/>
+          </a:ln>
+        </p:spPr>
+      </p:pic>
+    </p:spTree>
+  </p:cSld>
+  <p:clrMapOvr>
+    <a:masterClrMapping/>
+  </p:clrMapOvr>
+</p:sld>
+</file>
+
+<file path=ppt/slides/slide15.xml><?xml version="1.0" encoding="utf-8"?>
+<p:sld xmlns:a="http://schemas.openxmlformats.org/drawingml/2006/main" xmlns:r="http://schemas.openxmlformats.org/officeDocument/2006/relationships" xmlns:mc="http://schemas.openxmlformats.org/markup-compatibility/2006" xmlns:mv="urn:schemas-microsoft-com:mac:vml" xmlns:p="http://schemas.openxmlformats.org/presentationml/2006/main" xmlns:c="http://schemas.openxmlformats.org/drawingml/2006/chart" xmlns:dgm="http://schemas.openxmlformats.org/drawingml/2006/diagram" xmlns:o="urn:schemas-microsoft-com:office:office" xmlns:v="urn:schemas-microsoft-com:vml" xmlns:pvml="urn:schemas-microsoft-com:office:powerpoint" xmlns:com="http://schemas.openxmlformats.org/drawingml/2006/compatibility" xmlns:p14="http://schemas.microsoft.com/office/powerpoint/2010/main" xmlns:p15="http://schemas.microsoft.com/office/powerpoint/2012/main" xmlns:ahyp="http://schemas.microsoft.com/office/drawing/2018/hyperlinkcolor">
+  <p:cSld>
+    <p:spTree>
+      <p:nvGrpSpPr>
+        <p:cNvPr id="142" name="Shape 142"/>
+        <p:cNvGrpSpPr/>
+        <p:nvPr/>
+      </p:nvGrpSpPr>
+      <p:grpSpPr>
+        <a:xfrm>
+          <a:off x="0" y="0"/>
+          <a:ext cx="0" cy="0"/>
+          <a:chOff x="0" y="0"/>
+          <a:chExt cx="0" cy="0"/>
+        </a:xfrm>
+      </p:grpSpPr>
+      <p:pic>
+        <p:nvPicPr>
+          <p:cNvPr id="143" name="Google Shape;143;p27"/>
+          <p:cNvPicPr preferRelativeResize="0"/>
+          <p:nvPr/>
+        </p:nvPicPr>
+        <p:blipFill>
+          <a:blip r:embed="rId3">
+            <a:alphaModFix/>
+          </a:blip>
+          <a:stretch>
+            <a:fillRect/>
+          </a:stretch>
+        </p:blipFill>
+        <p:spPr>
+          <a:xfrm>
+            <a:off x="898525" y="1749000"/>
+            <a:ext cx="2807475" cy="3394500"/>
+          </a:xfrm>
+          <a:prstGeom prst="rect">
+            <a:avLst/>
+          </a:prstGeom>
+          <a:noFill/>
+          <a:ln>
+            <a:noFill/>
+          </a:ln>
+        </p:spPr>
+      </p:pic>
+      <p:pic>
+        <p:nvPicPr>
+          <p:cNvPr id="144" name="Google Shape;144;p27"/>
+          <p:cNvPicPr preferRelativeResize="0"/>
+          <p:nvPr/>
+        </p:nvPicPr>
+        <p:blipFill>
+          <a:blip r:embed="rId4">
+            <a:alphaModFix/>
+          </a:blip>
+          <a:stretch>
+            <a:fillRect/>
+          </a:stretch>
+        </p:blipFill>
+        <p:spPr>
+          <a:xfrm>
+            <a:off x="4572000" y="2614475"/>
+            <a:ext cx="3238500" cy="1219200"/>
+          </a:xfrm>
+          <a:prstGeom prst="rect">
+            <a:avLst/>
+          </a:prstGeom>
+          <a:noFill/>
+          <a:ln>
+            <a:noFill/>
+          </a:ln>
+        </p:spPr>
+      </p:pic>
+    </p:spTree>
+  </p:cSld>
+  <p:clrMapOvr>
+    <a:masterClrMapping/>
+  </p:clrMapOvr>
+</p:sld>
+</file>
+
+<file path=ppt/slides/slide16.xml><?xml version="1.0" encoding="utf-8"?>
+<p:sld xmlns:a="http://schemas.openxmlformats.org/drawingml/2006/main" xmlns:r="http://schemas.openxmlformats.org/officeDocument/2006/relationships" xmlns:mc="http://schemas.openxmlformats.org/markup-compatibility/2006" xmlns:mv="urn:schemas-microsoft-com:mac:vml" xmlns:p="http://schemas.openxmlformats.org/presentationml/2006/main" xmlns:c="http://schemas.openxmlformats.org/drawingml/2006/chart" xmlns:dgm="http://schemas.openxmlformats.org/drawingml/2006/diagram" xmlns:o="urn:schemas-microsoft-com:office:office" xmlns:v="urn:schemas-microsoft-com:vml" xmlns:pvml="urn:schemas-microsoft-com:office:powerpoint" xmlns:com="http://schemas.openxmlformats.org/drawingml/2006/compatibility" xmlns:p14="http://schemas.microsoft.com/office/powerpoint/2010/main" xmlns:p15="http://schemas.microsoft.com/office/powerpoint/2012/main" xmlns:ahyp="http://schemas.microsoft.com/office/drawing/2018/hyperlinkcolor">
+  <p:cSld>
+    <p:spTree>
+      <p:nvGrpSpPr>
+        <p:cNvPr id="148" name="Shape 148"/>
+        <p:cNvGrpSpPr/>
+        <p:nvPr/>
+      </p:nvGrpSpPr>
+      <p:grpSpPr>
+        <a:xfrm>
+          <a:off x="0" y="0"/>
+          <a:ext cx="0" cy="0"/>
+          <a:chOff x="0" y="0"/>
+          <a:chExt cx="0" cy="0"/>
+        </a:xfrm>
+      </p:grpSpPr>
+      <p:pic>
+        <p:nvPicPr>
+          <p:cNvPr id="149" name="Google Shape;149;p28"/>
+          <p:cNvPicPr preferRelativeResize="0"/>
+          <p:nvPr/>
+        </p:nvPicPr>
+        <p:blipFill>
+          <a:blip r:embed="rId3">
+            <a:alphaModFix/>
+          </a:blip>
+          <a:stretch>
+            <a:fillRect/>
+          </a:stretch>
+        </p:blipFill>
+        <p:spPr>
+          <a:xfrm>
+            <a:off x="523575" y="1922800"/>
+            <a:ext cx="3555152" cy="2804875"/>
+          </a:xfrm>
+          <a:prstGeom prst="rect">
+            <a:avLst/>
+          </a:prstGeom>
+          <a:noFill/>
+          <a:ln>
+            <a:noFill/>
+          </a:ln>
+        </p:spPr>
+      </p:pic>
+      <p:pic>
+        <p:nvPicPr>
+          <p:cNvPr id="150" name="Google Shape;150;p28"/>
+          <p:cNvPicPr preferRelativeResize="0"/>
+          <p:nvPr/>
+        </p:nvPicPr>
+        <p:blipFill>
+          <a:blip r:embed="rId4">
+            <a:alphaModFix/>
+          </a:blip>
+          <a:stretch>
+            <a:fillRect/>
+          </a:stretch>
+        </p:blipFill>
+        <p:spPr>
+          <a:xfrm>
+            <a:off x="4356400" y="2387025"/>
+            <a:ext cx="4295775" cy="1876425"/>
+          </a:xfrm>
+          <a:prstGeom prst="rect">
+            <a:avLst/>
+          </a:prstGeom>
+          <a:noFill/>
+          <a:ln>
+            <a:noFill/>
+          </a:ln>
+        </p:spPr>
+      </p:pic>
+    </p:spTree>
+  </p:cSld>
+  <p:clrMapOvr>
+    <a:masterClrMapping/>
+  </p:clrMapOvr>
+</p:sld>
+</file>
+
+<file path=ppt/slides/slide17.xml><?xml version="1.0" encoding="utf-8"?>
+<p:sld xmlns:a="http://schemas.openxmlformats.org/drawingml/2006/main" xmlns:r="http://schemas.openxmlformats.org/officeDocument/2006/relationships" xmlns:mc="http://schemas.openxmlformats.org/markup-compatibility/2006" xmlns:mv="urn:schemas-microsoft-com:mac:vml" xmlns:p="http://schemas.openxmlformats.org/presentationml/2006/main" xmlns:c="http://schemas.openxmlformats.org/drawingml/2006/chart" xmlns:dgm="http://schemas.openxmlformats.org/drawingml/2006/diagram" xmlns:o="urn:schemas-microsoft-com:office:office" xmlns:v="urn:schemas-microsoft-com:vml" xmlns:pvml="urn:schemas-microsoft-com:office:powerpoint" xmlns:com="http://schemas.openxmlformats.org/drawingml/2006/compatibility" xmlns:p14="http://schemas.microsoft.com/office/powerpoint/2010/main" xmlns:p15="http://schemas.microsoft.com/office/powerpoint/2012/main" xmlns:ahyp="http://schemas.microsoft.com/office/drawing/2018/hyperlinkcolor">
+  <p:cSld>
+    <p:spTree>
+      <p:nvGrpSpPr>
+        <p:cNvPr id="154" name="Shape 154"/>
+        <p:cNvGrpSpPr/>
+        <p:nvPr/>
+      </p:nvGrpSpPr>
+      <p:grpSpPr>
+        <a:xfrm>
+          <a:off x="0" y="0"/>
+          <a:ext cx="0" cy="0"/>
+          <a:chOff x="0" y="0"/>
+          <a:chExt cx="0" cy="0"/>
+        </a:xfrm>
+      </p:grpSpPr>
+      <p:sp>
+        <p:nvSpPr>
+          <p:cNvPr id="155" name="Google Shape;155;p29"/>
+          <p:cNvSpPr txBox="1"/>
+          <p:nvPr>
+            <p:ph type="title"/>
+          </p:nvPr>
+        </p:nvSpPr>
+        <p:spPr>
+          <a:xfrm>
+            <a:off x="471900" y="738725"/>
+            <a:ext cx="8222100" cy="767700"/>
+          </a:xfrm>
+          <a:prstGeom prst="rect">
+            <a:avLst/>
+          </a:prstGeom>
+        </p:spPr>
+        <p:txBody>
+          <a:bodyPr anchorCtr="0" anchor="b" bIns="91425" lIns="91425" spcFirstLastPara="1" rIns="91425" wrap="square" tIns="91425">
+            <a:normAutofit/>
+          </a:bodyPr>
+          <a:lstStyle/>
+          <a:p>
+            <a:pPr indent="0" lvl="0" marL="0" rtl="0" algn="l">
+              <a:spcBef>
+                <a:spcPts val="0"/>
+              </a:spcBef>
+              <a:spcAft>
+                <a:spcPts val="0"/>
+              </a:spcAft>
+              <a:buNone/>
+            </a:pPr>
+            <a:r>
+              <a:rPr lang="ca"/>
+              <a:t>M1 Sistemas Informáticos</a:t>
+            </a:r>
+            <a:endParaRPr/>
+          </a:p>
+        </p:txBody>
+      </p:sp>
+      <p:pic>
+        <p:nvPicPr>
+          <p:cNvPr id="156" name="Google Shape;156;p29"/>
+          <p:cNvPicPr preferRelativeResize="0"/>
+          <p:nvPr/>
+        </p:nvPicPr>
+        <p:blipFill>
+          <a:blip r:embed="rId3">
+            <a:alphaModFix/>
+          </a:blip>
+          <a:stretch>
+            <a:fillRect/>
+          </a:stretch>
+        </p:blipFill>
+        <p:spPr>
+          <a:xfrm>
+            <a:off x="2705075" y="1812150"/>
+            <a:ext cx="3224424" cy="3224424"/>
+          </a:xfrm>
+          <a:prstGeom prst="rect">
+            <a:avLst/>
+          </a:prstGeom>
+          <a:noFill/>
+          <a:ln>
+            <a:noFill/>
+          </a:ln>
+        </p:spPr>
+      </p:pic>
+    </p:spTree>
+  </p:cSld>
+  <p:clrMapOvr>
+    <a:masterClrMapping/>
+  </p:clrMapOvr>
+</p:sld>
+</file>
+
+<file path=ppt/slides/slide18.xml><?xml version="1.0" encoding="utf-8"?>
+<p:sld xmlns:a="http://schemas.openxmlformats.org/drawingml/2006/main" xmlns:r="http://schemas.openxmlformats.org/officeDocument/2006/relationships" xmlns:mc="http://schemas.openxmlformats.org/markup-compatibility/2006" xmlns:mv="urn:schemas-microsoft-com:mac:vml" xmlns:p="http://schemas.openxmlformats.org/presentationml/2006/main" xmlns:c="http://schemas.openxmlformats.org/drawingml/2006/chart" xmlns:dgm="http://schemas.openxmlformats.org/drawingml/2006/diagram" xmlns:o="urn:schemas-microsoft-com:office:office" xmlns:v="urn:schemas-microsoft-com:vml" xmlns:pvml="urn:schemas-microsoft-com:office:powerpoint" xmlns:com="http://schemas.openxmlformats.org/drawingml/2006/compatibility" xmlns:p14="http://schemas.microsoft.com/office/powerpoint/2010/main" xmlns:p15="http://schemas.microsoft.com/office/powerpoint/2012/main" xmlns:ahyp="http://schemas.microsoft.com/office/drawing/2018/hyperlinkcolor">
+  <p:cSld>
+    <p:spTree>
+      <p:nvGrpSpPr>
+        <p:cNvPr id="160" name="Shape 160"/>
+        <p:cNvGrpSpPr/>
+        <p:nvPr/>
+      </p:nvGrpSpPr>
+      <p:grpSpPr>
+        <a:xfrm>
+          <a:off x="0" y="0"/>
+          <a:ext cx="0" cy="0"/>
+          <a:chOff x="0" y="0"/>
+          <a:chExt cx="0" cy="0"/>
+        </a:xfrm>
+      </p:grpSpPr>
+      <p:sp>
+        <p:nvSpPr>
+          <p:cNvPr id="161" name="Google Shape;161;p30"/>
           <p:cNvSpPr txBox="1"/>
           <p:nvPr>
             <p:ph type="title"/>
@@ -8392,7 +9558,7 @@
       </p:sp>
       <p:sp>
         <p:nvSpPr>
-          <p:cNvPr id="129" name="Google Shape;129;p23"/>
+          <p:cNvPr id="162" name="Google Shape;162;p30"/>
           <p:cNvSpPr txBox="1"/>
           <p:nvPr>
             <p:ph idx="1" type="body"/>
@@ -8470,12 +9636,12 @@
 </p:sld>
 </file>
 
-<file path=ppt/slides/slide12.xml><?xml version="1.0" encoding="utf-8"?>
+<file path=ppt/slides/slide19.xml><?xml version="1.0" encoding="utf-8"?>
 <p:sld xmlns:a="http://schemas.openxmlformats.org/drawingml/2006/main" xmlns:r="http://schemas.openxmlformats.org/officeDocument/2006/relationships" xmlns:mc="http://schemas.openxmlformats.org/markup-compatibility/2006" xmlns:mv="urn:schemas-microsoft-com:mac:vml" xmlns:p="http://schemas.openxmlformats.org/presentationml/2006/main" xmlns:c="http://schemas.openxmlformats.org/drawingml/2006/chart" xmlns:dgm="http://schemas.openxmlformats.org/drawingml/2006/diagram" xmlns:o="urn:schemas-microsoft-com:office:office" xmlns:v="urn:schemas-microsoft-com:vml" xmlns:pvml="urn:schemas-microsoft-com:office:powerpoint" xmlns:com="http://schemas.openxmlformats.org/drawingml/2006/compatibility" xmlns:p14="http://schemas.microsoft.com/office/powerpoint/2010/main" xmlns:p15="http://schemas.microsoft.com/office/powerpoint/2012/main" xmlns:ahyp="http://schemas.microsoft.com/office/drawing/2018/hyperlinkcolor">
   <p:cSld>
     <p:spTree>
       <p:nvGrpSpPr>
-        <p:cNvPr id="133" name="Shape 133"/>
+        <p:cNvPr id="166" name="Shape 166"/>
         <p:cNvGrpSpPr/>
         <p:nvPr/>
       </p:nvGrpSpPr>
@@ -8489,7 +9655,7 @@
       </p:grpSpPr>
       <p:sp>
         <p:nvSpPr>
-          <p:cNvPr id="134" name="Google Shape;134;p24"/>
+          <p:cNvPr id="167" name="Google Shape;167;p31"/>
           <p:cNvSpPr txBox="1"/>
           <p:nvPr>
             <p:ph type="title"/>
@@ -8529,7 +9695,7 @@
       </p:sp>
       <p:sp>
         <p:nvSpPr>
-          <p:cNvPr id="135" name="Google Shape;135;p24"/>
+          <p:cNvPr id="168" name="Google Shape;168;p31"/>
           <p:cNvSpPr txBox="1"/>
           <p:nvPr>
             <p:ph idx="1" type="body"/>
@@ -8642,241 +9808,6 @@
             <a:r>
               <a:rPr lang="ca"/>
               <a:t>-Valoración personal del proyecto</a:t>
-            </a:r>
-            <a:endParaRPr/>
-          </a:p>
-        </p:txBody>
-      </p:sp>
-    </p:spTree>
-  </p:cSld>
-  <p:clrMapOvr>
-    <a:masterClrMapping/>
-  </p:clrMapOvr>
-</p:sld>
-</file>
-
-<file path=ppt/slides/slide13.xml><?xml version="1.0" encoding="utf-8"?>
-<p:sld xmlns:a="http://schemas.openxmlformats.org/drawingml/2006/main" xmlns:r="http://schemas.openxmlformats.org/officeDocument/2006/relationships" xmlns:mc="http://schemas.openxmlformats.org/markup-compatibility/2006" xmlns:mv="urn:schemas-microsoft-com:mac:vml" xmlns:p="http://schemas.openxmlformats.org/presentationml/2006/main" xmlns:c="http://schemas.openxmlformats.org/drawingml/2006/chart" xmlns:dgm="http://schemas.openxmlformats.org/drawingml/2006/diagram" xmlns:o="urn:schemas-microsoft-com:office:office" xmlns:v="urn:schemas-microsoft-com:vml" xmlns:pvml="urn:schemas-microsoft-com:office:powerpoint" xmlns:com="http://schemas.openxmlformats.org/drawingml/2006/compatibility" xmlns:p14="http://schemas.microsoft.com/office/powerpoint/2010/main" xmlns:p15="http://schemas.microsoft.com/office/powerpoint/2012/main" xmlns:ahyp="http://schemas.microsoft.com/office/drawing/2018/hyperlinkcolor">
-  <p:cSld>
-    <p:spTree>
-      <p:nvGrpSpPr>
-        <p:cNvPr id="139" name="Shape 139"/>
-        <p:cNvGrpSpPr/>
-        <p:nvPr/>
-      </p:nvGrpSpPr>
-      <p:grpSpPr>
-        <a:xfrm>
-          <a:off x="0" y="0"/>
-          <a:ext cx="0" cy="0"/>
-          <a:chOff x="0" y="0"/>
-          <a:chExt cx="0" cy="0"/>
-        </a:xfrm>
-      </p:grpSpPr>
-      <p:sp>
-        <p:nvSpPr>
-          <p:cNvPr id="140" name="Google Shape;140;p25"/>
-          <p:cNvSpPr txBox="1"/>
-          <p:nvPr>
-            <p:ph type="ctrTitle"/>
-          </p:nvPr>
-        </p:nvSpPr>
-        <p:spPr>
-          <a:xfrm>
-            <a:off x="390525" y="1819275"/>
-            <a:ext cx="8222100" cy="933600"/>
-          </a:xfrm>
-          <a:prstGeom prst="rect">
-            <a:avLst/>
-          </a:prstGeom>
-        </p:spPr>
-        <p:txBody>
-          <a:bodyPr anchorCtr="0" anchor="b" bIns="91425" lIns="91425" spcFirstLastPara="1" rIns="91425" wrap="square" tIns="91425">
-            <a:normAutofit/>
-          </a:bodyPr>
-          <a:lstStyle/>
-          <a:p>
-            <a:pPr indent="0" lvl="0" marL="0" rtl="0" algn="l">
-              <a:spcBef>
-                <a:spcPts val="0"/>
-              </a:spcBef>
-              <a:spcAft>
-                <a:spcPts val="0"/>
-              </a:spcAft>
-              <a:buNone/>
-            </a:pPr>
-            <a:r>
-              <a:rPr lang="ca"/>
-              <a:t>PROPUESTAS DE MEJORA</a:t>
-            </a:r>
-            <a:endParaRPr/>
-          </a:p>
-        </p:txBody>
-      </p:sp>
-    </p:spTree>
-  </p:cSld>
-  <p:clrMapOvr>
-    <a:masterClrMapping/>
-  </p:clrMapOvr>
-</p:sld>
-</file>
-
-<file path=ppt/slides/slide14.xml><?xml version="1.0" encoding="utf-8"?>
-<p:sld xmlns:a="http://schemas.openxmlformats.org/drawingml/2006/main" xmlns:r="http://schemas.openxmlformats.org/officeDocument/2006/relationships" xmlns:mc="http://schemas.openxmlformats.org/markup-compatibility/2006" xmlns:mv="urn:schemas-microsoft-com:mac:vml" xmlns:p="http://schemas.openxmlformats.org/presentationml/2006/main" xmlns:c="http://schemas.openxmlformats.org/drawingml/2006/chart" xmlns:dgm="http://schemas.openxmlformats.org/drawingml/2006/diagram" xmlns:o="urn:schemas-microsoft-com:office:office" xmlns:v="urn:schemas-microsoft-com:vml" xmlns:pvml="urn:schemas-microsoft-com:office:powerpoint" xmlns:com="http://schemas.openxmlformats.org/drawingml/2006/compatibility" xmlns:p14="http://schemas.microsoft.com/office/powerpoint/2010/main" xmlns:p15="http://schemas.microsoft.com/office/powerpoint/2012/main" xmlns:ahyp="http://schemas.microsoft.com/office/drawing/2018/hyperlinkcolor">
-  <p:cSld>
-    <p:spTree>
-      <p:nvGrpSpPr>
-        <p:cNvPr id="144" name="Shape 144"/>
-        <p:cNvGrpSpPr/>
-        <p:nvPr/>
-      </p:nvGrpSpPr>
-      <p:grpSpPr>
-        <a:xfrm>
-          <a:off x="0" y="0"/>
-          <a:ext cx="0" cy="0"/>
-          <a:chOff x="0" y="0"/>
-          <a:chExt cx="0" cy="0"/>
-        </a:xfrm>
-      </p:grpSpPr>
-      <p:sp>
-        <p:nvSpPr>
-          <p:cNvPr id="145" name="Google Shape;145;p26"/>
-          <p:cNvSpPr txBox="1"/>
-          <p:nvPr>
-            <p:ph type="ctrTitle"/>
-          </p:nvPr>
-        </p:nvSpPr>
-        <p:spPr>
-          <a:xfrm>
-            <a:off x="390525" y="1819275"/>
-            <a:ext cx="8222100" cy="933600"/>
-          </a:xfrm>
-          <a:prstGeom prst="rect">
-            <a:avLst/>
-          </a:prstGeom>
-        </p:spPr>
-        <p:txBody>
-          <a:bodyPr anchorCtr="0" anchor="b" bIns="91425" lIns="91425" spcFirstLastPara="1" rIns="91425" wrap="square" tIns="91425">
-            <a:normAutofit/>
-          </a:bodyPr>
-          <a:lstStyle/>
-          <a:p>
-            <a:pPr indent="0" lvl="0" marL="0" rtl="0" algn="l">
-              <a:spcBef>
-                <a:spcPts val="0"/>
-              </a:spcBef>
-              <a:spcAft>
-                <a:spcPts val="0"/>
-              </a:spcAft>
-              <a:buNone/>
-            </a:pPr>
-            <a:r>
-              <a:rPr lang="ca"/>
-              <a:t>VALORACIÓN PERSONAL</a:t>
-            </a:r>
-            <a:endParaRPr/>
-          </a:p>
-        </p:txBody>
-      </p:sp>
-    </p:spTree>
-  </p:cSld>
-  <p:clrMapOvr>
-    <a:masterClrMapping/>
-  </p:clrMapOvr>
-</p:sld>
-</file>
-
-<file path=ppt/slides/slide15.xml><?xml version="1.0" encoding="utf-8"?>
-<p:sld xmlns:a="http://schemas.openxmlformats.org/drawingml/2006/main" xmlns:r="http://schemas.openxmlformats.org/officeDocument/2006/relationships" xmlns:mc="http://schemas.openxmlformats.org/markup-compatibility/2006" xmlns:mv="urn:schemas-microsoft-com:mac:vml" xmlns:p="http://schemas.openxmlformats.org/presentationml/2006/main" xmlns:c="http://schemas.openxmlformats.org/drawingml/2006/chart" xmlns:dgm="http://schemas.openxmlformats.org/drawingml/2006/diagram" xmlns:o="urn:schemas-microsoft-com:office:office" xmlns:v="urn:schemas-microsoft-com:vml" xmlns:pvml="urn:schemas-microsoft-com:office:powerpoint" xmlns:com="http://schemas.openxmlformats.org/drawingml/2006/compatibility" xmlns:p14="http://schemas.microsoft.com/office/powerpoint/2010/main" xmlns:p15="http://schemas.microsoft.com/office/powerpoint/2012/main" xmlns:ahyp="http://schemas.microsoft.com/office/drawing/2018/hyperlinkcolor">
-  <p:cSld>
-    <p:spTree>
-      <p:nvGrpSpPr>
-        <p:cNvPr id="149" name="Shape 149"/>
-        <p:cNvGrpSpPr/>
-        <p:nvPr/>
-      </p:nvGrpSpPr>
-      <p:grpSpPr>
-        <a:xfrm>
-          <a:off x="0" y="0"/>
-          <a:ext cx="0" cy="0"/>
-          <a:chOff x="0" y="0"/>
-          <a:chExt cx="0" cy="0"/>
-        </a:xfrm>
-      </p:grpSpPr>
-      <p:sp>
-        <p:nvSpPr>
-          <p:cNvPr id="150" name="Google Shape;150;p27"/>
-          <p:cNvSpPr txBox="1"/>
-          <p:nvPr>
-            <p:ph type="ctrTitle"/>
-          </p:nvPr>
-        </p:nvSpPr>
-        <p:spPr>
-          <a:xfrm>
-            <a:off x="390525" y="1819275"/>
-            <a:ext cx="8222100" cy="933600"/>
-          </a:xfrm>
-          <a:prstGeom prst="rect">
-            <a:avLst/>
-          </a:prstGeom>
-        </p:spPr>
-        <p:txBody>
-          <a:bodyPr anchorCtr="0" anchor="b" bIns="91425" lIns="91425" spcFirstLastPara="1" rIns="91425" wrap="square" tIns="91425">
-            <a:normAutofit/>
-          </a:bodyPr>
-          <a:lstStyle/>
-          <a:p>
-            <a:pPr indent="0" lvl="0" marL="0" rtl="0" algn="l">
-              <a:spcBef>
-                <a:spcPts val="0"/>
-              </a:spcBef>
-              <a:spcAft>
-                <a:spcPts val="0"/>
-              </a:spcAft>
-              <a:buNone/>
-            </a:pPr>
-            <a:r>
-              <a:rPr lang="ca"/>
-              <a:t>RONDA DE PREGUNTAS</a:t>
-            </a:r>
-            <a:endParaRPr/>
-          </a:p>
-        </p:txBody>
-      </p:sp>
-      <p:sp>
-        <p:nvSpPr>
-          <p:cNvPr id="151" name="Google Shape;151;p27"/>
-          <p:cNvSpPr txBox="1"/>
-          <p:nvPr>
-            <p:ph idx="1" type="subTitle"/>
-          </p:nvPr>
-        </p:nvSpPr>
-        <p:spPr>
-          <a:xfrm>
-            <a:off x="390525" y="2789130"/>
-            <a:ext cx="8222100" cy="432900"/>
-          </a:xfrm>
-          <a:prstGeom prst="rect">
-            <a:avLst/>
-          </a:prstGeom>
-        </p:spPr>
-        <p:txBody>
-          <a:bodyPr anchorCtr="0" anchor="t" bIns="91425" lIns="91425" spcFirstLastPara="1" rIns="91425" wrap="square" tIns="91425">
-            <a:normAutofit lnSpcReduction="10000"/>
-          </a:bodyPr>
-          <a:lstStyle/>
-          <a:p>
-            <a:pPr indent="0" lvl="0" marL="0" rtl="0" algn="l">
-              <a:spcBef>
-                <a:spcPts val="0"/>
-              </a:spcBef>
-              <a:spcAft>
-                <a:spcPts val="0"/>
-              </a:spcAft>
-              <a:buNone/>
-            </a:pPr>
-            <a:r>
-              <a:rPr lang="ca"/>
-              <a:t>Muchas gracias por vuestra atención</a:t>
             </a:r>
             <a:endParaRPr/>
           </a:p>
@@ -8999,7 +9930,7 @@
             </a:pPr>
             <a:r>
               <a:rPr lang="ca"/>
-              <a:t>M5 Entornos de DesarrollO</a:t>
+              <a:t>M5 Entornos de Desarrollo</a:t>
             </a:r>
             <a:endParaRPr/>
           </a:p>
@@ -9068,6 +9999,241 @@
             <a:r>
               <a:rPr lang="ca"/>
               <a:t>Preguntas</a:t>
+            </a:r>
+            <a:endParaRPr/>
+          </a:p>
+        </p:txBody>
+      </p:sp>
+    </p:spTree>
+  </p:cSld>
+  <p:clrMapOvr>
+    <a:masterClrMapping/>
+  </p:clrMapOvr>
+</p:sld>
+</file>
+
+<file path=ppt/slides/slide20.xml><?xml version="1.0" encoding="utf-8"?>
+<p:sld xmlns:a="http://schemas.openxmlformats.org/drawingml/2006/main" xmlns:r="http://schemas.openxmlformats.org/officeDocument/2006/relationships" xmlns:mc="http://schemas.openxmlformats.org/markup-compatibility/2006" xmlns:mv="urn:schemas-microsoft-com:mac:vml" xmlns:p="http://schemas.openxmlformats.org/presentationml/2006/main" xmlns:c="http://schemas.openxmlformats.org/drawingml/2006/chart" xmlns:dgm="http://schemas.openxmlformats.org/drawingml/2006/diagram" xmlns:o="urn:schemas-microsoft-com:office:office" xmlns:v="urn:schemas-microsoft-com:vml" xmlns:pvml="urn:schemas-microsoft-com:office:powerpoint" xmlns:com="http://schemas.openxmlformats.org/drawingml/2006/compatibility" xmlns:p14="http://schemas.microsoft.com/office/powerpoint/2010/main" xmlns:p15="http://schemas.microsoft.com/office/powerpoint/2012/main" xmlns:ahyp="http://schemas.microsoft.com/office/drawing/2018/hyperlinkcolor">
+  <p:cSld>
+    <p:spTree>
+      <p:nvGrpSpPr>
+        <p:cNvPr id="172" name="Shape 172"/>
+        <p:cNvGrpSpPr/>
+        <p:nvPr/>
+      </p:nvGrpSpPr>
+      <p:grpSpPr>
+        <a:xfrm>
+          <a:off x="0" y="0"/>
+          <a:ext cx="0" cy="0"/>
+          <a:chOff x="0" y="0"/>
+          <a:chExt cx="0" cy="0"/>
+        </a:xfrm>
+      </p:grpSpPr>
+      <p:sp>
+        <p:nvSpPr>
+          <p:cNvPr id="173" name="Google Shape;173;p32"/>
+          <p:cNvSpPr txBox="1"/>
+          <p:nvPr>
+            <p:ph type="ctrTitle"/>
+          </p:nvPr>
+        </p:nvSpPr>
+        <p:spPr>
+          <a:xfrm>
+            <a:off x="390525" y="1819275"/>
+            <a:ext cx="8222100" cy="933600"/>
+          </a:xfrm>
+          <a:prstGeom prst="rect">
+            <a:avLst/>
+          </a:prstGeom>
+        </p:spPr>
+        <p:txBody>
+          <a:bodyPr anchorCtr="0" anchor="b" bIns="91425" lIns="91425" spcFirstLastPara="1" rIns="91425" wrap="square" tIns="91425">
+            <a:normAutofit/>
+          </a:bodyPr>
+          <a:lstStyle/>
+          <a:p>
+            <a:pPr indent="0" lvl="0" marL="0" rtl="0" algn="l">
+              <a:spcBef>
+                <a:spcPts val="0"/>
+              </a:spcBef>
+              <a:spcAft>
+                <a:spcPts val="0"/>
+              </a:spcAft>
+              <a:buNone/>
+            </a:pPr>
+            <a:r>
+              <a:rPr lang="ca"/>
+              <a:t>PROPUESTAS DE MEJORA</a:t>
+            </a:r>
+            <a:endParaRPr/>
+          </a:p>
+        </p:txBody>
+      </p:sp>
+    </p:spTree>
+  </p:cSld>
+  <p:clrMapOvr>
+    <a:masterClrMapping/>
+  </p:clrMapOvr>
+</p:sld>
+</file>
+
+<file path=ppt/slides/slide21.xml><?xml version="1.0" encoding="utf-8"?>
+<p:sld xmlns:a="http://schemas.openxmlformats.org/drawingml/2006/main" xmlns:r="http://schemas.openxmlformats.org/officeDocument/2006/relationships" xmlns:mc="http://schemas.openxmlformats.org/markup-compatibility/2006" xmlns:mv="urn:schemas-microsoft-com:mac:vml" xmlns:p="http://schemas.openxmlformats.org/presentationml/2006/main" xmlns:c="http://schemas.openxmlformats.org/drawingml/2006/chart" xmlns:dgm="http://schemas.openxmlformats.org/drawingml/2006/diagram" xmlns:o="urn:schemas-microsoft-com:office:office" xmlns:v="urn:schemas-microsoft-com:vml" xmlns:pvml="urn:schemas-microsoft-com:office:powerpoint" xmlns:com="http://schemas.openxmlformats.org/drawingml/2006/compatibility" xmlns:p14="http://schemas.microsoft.com/office/powerpoint/2010/main" xmlns:p15="http://schemas.microsoft.com/office/powerpoint/2012/main" xmlns:ahyp="http://schemas.microsoft.com/office/drawing/2018/hyperlinkcolor">
+  <p:cSld>
+    <p:spTree>
+      <p:nvGrpSpPr>
+        <p:cNvPr id="177" name="Shape 177"/>
+        <p:cNvGrpSpPr/>
+        <p:nvPr/>
+      </p:nvGrpSpPr>
+      <p:grpSpPr>
+        <a:xfrm>
+          <a:off x="0" y="0"/>
+          <a:ext cx="0" cy="0"/>
+          <a:chOff x="0" y="0"/>
+          <a:chExt cx="0" cy="0"/>
+        </a:xfrm>
+      </p:grpSpPr>
+      <p:sp>
+        <p:nvSpPr>
+          <p:cNvPr id="178" name="Google Shape;178;p33"/>
+          <p:cNvSpPr txBox="1"/>
+          <p:nvPr>
+            <p:ph type="ctrTitle"/>
+          </p:nvPr>
+        </p:nvSpPr>
+        <p:spPr>
+          <a:xfrm>
+            <a:off x="390525" y="1819275"/>
+            <a:ext cx="8222100" cy="933600"/>
+          </a:xfrm>
+          <a:prstGeom prst="rect">
+            <a:avLst/>
+          </a:prstGeom>
+        </p:spPr>
+        <p:txBody>
+          <a:bodyPr anchorCtr="0" anchor="b" bIns="91425" lIns="91425" spcFirstLastPara="1" rIns="91425" wrap="square" tIns="91425">
+            <a:normAutofit/>
+          </a:bodyPr>
+          <a:lstStyle/>
+          <a:p>
+            <a:pPr indent="0" lvl="0" marL="0" rtl="0" algn="l">
+              <a:spcBef>
+                <a:spcPts val="0"/>
+              </a:spcBef>
+              <a:spcAft>
+                <a:spcPts val="0"/>
+              </a:spcAft>
+              <a:buNone/>
+            </a:pPr>
+            <a:r>
+              <a:rPr lang="ca"/>
+              <a:t>VALORACIÓN PERSONAL</a:t>
+            </a:r>
+            <a:endParaRPr/>
+          </a:p>
+        </p:txBody>
+      </p:sp>
+    </p:spTree>
+  </p:cSld>
+  <p:clrMapOvr>
+    <a:masterClrMapping/>
+  </p:clrMapOvr>
+</p:sld>
+</file>
+
+<file path=ppt/slides/slide22.xml><?xml version="1.0" encoding="utf-8"?>
+<p:sld xmlns:a="http://schemas.openxmlformats.org/drawingml/2006/main" xmlns:r="http://schemas.openxmlformats.org/officeDocument/2006/relationships" xmlns:mc="http://schemas.openxmlformats.org/markup-compatibility/2006" xmlns:mv="urn:schemas-microsoft-com:mac:vml" xmlns:p="http://schemas.openxmlformats.org/presentationml/2006/main" xmlns:c="http://schemas.openxmlformats.org/drawingml/2006/chart" xmlns:dgm="http://schemas.openxmlformats.org/drawingml/2006/diagram" xmlns:o="urn:schemas-microsoft-com:office:office" xmlns:v="urn:schemas-microsoft-com:vml" xmlns:pvml="urn:schemas-microsoft-com:office:powerpoint" xmlns:com="http://schemas.openxmlformats.org/drawingml/2006/compatibility" xmlns:p14="http://schemas.microsoft.com/office/powerpoint/2010/main" xmlns:p15="http://schemas.microsoft.com/office/powerpoint/2012/main" xmlns:ahyp="http://schemas.microsoft.com/office/drawing/2018/hyperlinkcolor">
+  <p:cSld>
+    <p:spTree>
+      <p:nvGrpSpPr>
+        <p:cNvPr id="182" name="Shape 182"/>
+        <p:cNvGrpSpPr/>
+        <p:nvPr/>
+      </p:nvGrpSpPr>
+      <p:grpSpPr>
+        <a:xfrm>
+          <a:off x="0" y="0"/>
+          <a:ext cx="0" cy="0"/>
+          <a:chOff x="0" y="0"/>
+          <a:chExt cx="0" cy="0"/>
+        </a:xfrm>
+      </p:grpSpPr>
+      <p:sp>
+        <p:nvSpPr>
+          <p:cNvPr id="183" name="Google Shape;183;p34"/>
+          <p:cNvSpPr txBox="1"/>
+          <p:nvPr>
+            <p:ph type="ctrTitle"/>
+          </p:nvPr>
+        </p:nvSpPr>
+        <p:spPr>
+          <a:xfrm>
+            <a:off x="390525" y="1819275"/>
+            <a:ext cx="8222100" cy="933600"/>
+          </a:xfrm>
+          <a:prstGeom prst="rect">
+            <a:avLst/>
+          </a:prstGeom>
+        </p:spPr>
+        <p:txBody>
+          <a:bodyPr anchorCtr="0" anchor="b" bIns="91425" lIns="91425" spcFirstLastPara="1" rIns="91425" wrap="square" tIns="91425">
+            <a:normAutofit/>
+          </a:bodyPr>
+          <a:lstStyle/>
+          <a:p>
+            <a:pPr indent="0" lvl="0" marL="0" rtl="0" algn="l">
+              <a:spcBef>
+                <a:spcPts val="0"/>
+              </a:spcBef>
+              <a:spcAft>
+                <a:spcPts val="0"/>
+              </a:spcAft>
+              <a:buNone/>
+            </a:pPr>
+            <a:r>
+              <a:rPr lang="ca"/>
+              <a:t>RONDA DE PREGUNTAS</a:t>
+            </a:r>
+            <a:endParaRPr/>
+          </a:p>
+        </p:txBody>
+      </p:sp>
+      <p:sp>
+        <p:nvSpPr>
+          <p:cNvPr id="184" name="Google Shape;184;p34"/>
+          <p:cNvSpPr txBox="1"/>
+          <p:nvPr>
+            <p:ph idx="1" type="subTitle"/>
+          </p:nvPr>
+        </p:nvSpPr>
+        <p:spPr>
+          <a:xfrm>
+            <a:off x="390525" y="2789130"/>
+            <a:ext cx="8222100" cy="432900"/>
+          </a:xfrm>
+          <a:prstGeom prst="rect">
+            <a:avLst/>
+          </a:prstGeom>
+        </p:spPr>
+        <p:txBody>
+          <a:bodyPr anchorCtr="0" anchor="t" bIns="91425" lIns="91425" spcFirstLastPara="1" rIns="91425" wrap="square" tIns="91425">
+            <a:normAutofit lnSpcReduction="10000"/>
+          </a:bodyPr>
+          <a:lstStyle/>
+          <a:p>
+            <a:pPr indent="0" lvl="0" marL="0" rtl="0" algn="l">
+              <a:spcBef>
+                <a:spcPts val="0"/>
+              </a:spcBef>
+              <a:spcAft>
+                <a:spcPts val="0"/>
+              </a:spcAft>
+              <a:buNone/>
+            </a:pPr>
+            <a:r>
+              <a:rPr lang="ca"/>
+              <a:t>Muchas gracias por vuestra atención</a:t>
             </a:r>
             <a:endParaRPr/>
           </a:p>
@@ -9161,17 +10327,49 @@
           </a:bodyPr>
           <a:lstStyle/>
           <a:p>
-            <a:pPr indent="0" lvl="0" marL="0" rtl="0" algn="l">
-              <a:spcBef>
-                <a:spcPts val="0"/>
-              </a:spcBef>
-              <a:spcAft>
+            <a:pPr indent="0" lvl="0" marL="0" rtl="0" algn="just">
+              <a:spcBef>
                 <a:spcPts val="1200"/>
+              </a:spcBef>
+              <a:spcAft>
+                <a:spcPts val="0"/>
+              </a:spcAft>
+              <a:buNone/>
+            </a:pPr>
+            <a:r>
+              <a:rPr lang="ca"/>
+              <a:t>Este juego trata sobre un combate de uno contra uno en donde tienes que vencer a tu rival. Hay distintos personajes y armas, con sus propias características.</a:t>
+            </a:r>
+            <a:endParaRPr/>
+          </a:p>
+          <a:p>
+            <a:pPr indent="0" lvl="0" marL="0" rtl="0" algn="just">
+              <a:spcBef>
+                <a:spcPts val="1200"/>
+              </a:spcBef>
+              <a:spcAft>
+                <a:spcPts val="0"/>
               </a:spcAft>
               <a:buNone/>
             </a:pPr>
             <a:r>
               <a:t/>
+            </a:r>
+            <a:endParaRPr/>
+          </a:p>
+          <a:p>
+            <a:pPr indent="0" lvl="0" marL="0" rtl="0" algn="just">
+              <a:spcBef>
+                <a:spcPts val="1200"/>
+              </a:spcBef>
+              <a:spcAft>
+                <a:spcPts val="1200"/>
+              </a:spcAft>
+              <a:buNone/>
+            </a:pPr>
+            <a:r>
+              <a:rPr lang="ca"/>
+              <a:t>Este juego puede pertenecer a uno o varios de los siguientes géneros: Arcade, RPG y Lucha.</a:t>
             </a:r>
             <a:endParaRPr/>
           </a:p>
@@ -9242,48 +10440,9 @@
           </a:p>
         </p:txBody>
       </p:sp>
-      <p:sp>
-        <p:nvSpPr>
-          <p:cNvPr id="86" name="Google Shape;86;p16"/>
-          <p:cNvSpPr txBox="1"/>
-          <p:nvPr>
-            <p:ph idx="1" type="body"/>
-          </p:nvPr>
-        </p:nvSpPr>
-        <p:spPr>
-          <a:xfrm>
-            <a:off x="471900" y="1919075"/>
-            <a:ext cx="8222100" cy="2710200"/>
-          </a:xfrm>
-          <a:prstGeom prst="rect">
-            <a:avLst/>
-          </a:prstGeom>
-        </p:spPr>
-        <p:txBody>
-          <a:bodyPr anchorCtr="0" anchor="t" bIns="91425" lIns="91425" spcFirstLastPara="1" rIns="91425" wrap="square" tIns="91425">
-            <a:normAutofit/>
-          </a:bodyPr>
-          <a:lstStyle/>
-          <a:p>
-            <a:pPr indent="0" lvl="0" marL="0" rtl="0" algn="l">
-              <a:spcBef>
-                <a:spcPts val="0"/>
-              </a:spcBef>
-              <a:spcAft>
-                <a:spcPts val="1200"/>
-              </a:spcAft>
-              <a:buNone/>
-            </a:pPr>
-            <a:r>
-              <a:t/>
-            </a:r>
-            <a:endParaRPr/>
-          </a:p>
-        </p:txBody>
-      </p:sp>
       <p:pic>
         <p:nvPicPr>
-          <p:cNvPr id="87" name="Google Shape;87;p16"/>
+          <p:cNvPr id="86" name="Google Shape;86;p16"/>
           <p:cNvPicPr preferRelativeResize="0"/>
           <p:nvPr/>
         </p:nvPicPr>
@@ -9322,7 +10481,7 @@
   <p:cSld>
     <p:spTree>
       <p:nvGrpSpPr>
-        <p:cNvPr id="91" name="Shape 91"/>
+        <p:cNvPr id="90" name="Shape 90"/>
         <p:cNvGrpSpPr/>
         <p:nvPr/>
       </p:nvGrpSpPr>
@@ -9334,46 +10493,33 @@
           <a:chExt cx="0" cy="0"/>
         </a:xfrm>
       </p:grpSpPr>
-      <p:sp>
-        <p:nvSpPr>
-          <p:cNvPr id="92" name="Google Shape;92;p17"/>
-          <p:cNvSpPr txBox="1"/>
-          <p:nvPr>
-            <p:ph idx="1" type="body"/>
-          </p:nvPr>
-        </p:nvSpPr>
-        <p:spPr>
-          <a:xfrm>
-            <a:off x="471900" y="1919075"/>
-            <a:ext cx="8222100" cy="2710200"/>
+      <p:pic>
+        <p:nvPicPr>
+          <p:cNvPr id="91" name="Google Shape;91;p17"/>
+          <p:cNvPicPr preferRelativeResize="0"/>
+          <p:nvPr/>
+        </p:nvPicPr>
+        <p:blipFill rotWithShape="1">
+          <a:blip r:embed="rId3">
+            <a:alphaModFix/>
+          </a:blip>
+          <a:srcRect b="77303" l="0" r="0" t="0"/>
+          <a:stretch/>
+        </p:blipFill>
+        <p:spPr>
+          <a:xfrm>
+            <a:off x="1754600" y="0"/>
+            <a:ext cx="5543894" cy="5143501"/>
           </a:xfrm>
           <a:prstGeom prst="rect">
             <a:avLst/>
           </a:prstGeom>
-        </p:spPr>
-        <p:txBody>
-          <a:bodyPr anchorCtr="0" anchor="t" bIns="91425" lIns="91425" spcFirstLastPara="1" rIns="91425" wrap="square" tIns="91425">
-            <a:normAutofit/>
-          </a:bodyPr>
-          <a:lstStyle/>
-          <a:p>
-            <a:pPr indent="0" lvl="0" marL="0" rtl="0" algn="l">
-              <a:spcBef>
-                <a:spcPts val="0"/>
-              </a:spcBef>
-              <a:spcAft>
-                <a:spcPts val="1200"/>
-              </a:spcAft>
-              <a:buNone/>
-            </a:pPr>
-            <a:r>
-              <a:rPr lang="ca"/>
-              <a:t>AQUÍ SE PONDRÁN, DIAPOSITIVA A DIAPOSITIVA, LOS DIAGRAMAS.</a:t>
-            </a:r>
-            <a:endParaRPr/>
-          </a:p>
-        </p:txBody>
-      </p:sp>
+          <a:noFill/>
+          <a:ln>
+            <a:noFill/>
+          </a:ln>
+        </p:spPr>
+      </p:pic>
     </p:spTree>
   </p:cSld>
   <p:clrMapOvr>
@@ -9387,7 +10533,7 @@
   <p:cSld>
     <p:spTree>
       <p:nvGrpSpPr>
-        <p:cNvPr id="96" name="Shape 96"/>
+        <p:cNvPr id="95" name="Shape 95"/>
         <p:cNvGrpSpPr/>
         <p:nvPr/>
       </p:nvGrpSpPr>
@@ -9399,103 +10545,23 @@
           <a:chExt cx="0" cy="0"/>
         </a:xfrm>
       </p:grpSpPr>
-      <p:sp>
-        <p:nvSpPr>
-          <p:cNvPr id="97" name="Google Shape;97;p18"/>
-          <p:cNvSpPr txBox="1"/>
-          <p:nvPr>
-            <p:ph type="title"/>
-          </p:nvPr>
-        </p:nvSpPr>
-        <p:spPr>
-          <a:xfrm>
-            <a:off x="471900" y="738725"/>
-            <a:ext cx="8222100" cy="767700"/>
-          </a:xfrm>
-          <a:prstGeom prst="rect">
-            <a:avLst/>
-          </a:prstGeom>
-        </p:spPr>
-        <p:txBody>
-          <a:bodyPr anchorCtr="0" anchor="b" bIns="91425" lIns="91425" spcFirstLastPara="1" rIns="91425" wrap="square" tIns="91425">
-            <a:normAutofit/>
-          </a:bodyPr>
-          <a:lstStyle/>
-          <a:p>
-            <a:pPr indent="0" lvl="0" marL="0" rtl="0" algn="l">
-              <a:spcBef>
-                <a:spcPts val="0"/>
-              </a:spcBef>
-              <a:spcAft>
-                <a:spcPts val="0"/>
-              </a:spcAft>
-              <a:buNone/>
-            </a:pPr>
-            <a:r>
-              <a:rPr lang="ca"/>
-              <a:t>M2 Base de Datos</a:t>
-            </a:r>
-            <a:endParaRPr/>
-          </a:p>
-        </p:txBody>
-      </p:sp>
-      <p:sp>
-        <p:nvSpPr>
-          <p:cNvPr id="98" name="Google Shape;98;p18"/>
-          <p:cNvSpPr txBox="1"/>
-          <p:nvPr>
-            <p:ph idx="1" type="body"/>
-          </p:nvPr>
-        </p:nvSpPr>
-        <p:spPr>
-          <a:xfrm>
-            <a:off x="471900" y="1919075"/>
-            <a:ext cx="8222100" cy="2710200"/>
-          </a:xfrm>
-          <a:prstGeom prst="rect">
-            <a:avLst/>
-          </a:prstGeom>
-        </p:spPr>
-        <p:txBody>
-          <a:bodyPr anchorCtr="0" anchor="t" bIns="91425" lIns="91425" spcFirstLastPara="1" rIns="91425" wrap="square" tIns="91425">
-            <a:normAutofit/>
-          </a:bodyPr>
-          <a:lstStyle/>
-          <a:p>
-            <a:pPr indent="0" lvl="0" marL="0" rtl="0" algn="l">
-              <a:spcBef>
-                <a:spcPts val="0"/>
-              </a:spcBef>
-              <a:spcAft>
-                <a:spcPts val="1200"/>
-              </a:spcAft>
-              <a:buNone/>
-            </a:pPr>
-            <a:r>
-              <a:t/>
-            </a:r>
-            <a:endParaRPr/>
-          </a:p>
-        </p:txBody>
-      </p:sp>
       <p:pic>
         <p:nvPicPr>
-          <p:cNvPr id="99" name="Google Shape;99;p18"/>
+          <p:cNvPr id="96" name="Google Shape;96;p18"/>
           <p:cNvPicPr preferRelativeResize="0"/>
           <p:nvPr/>
         </p:nvPicPr>
-        <p:blipFill>
+        <p:blipFill rotWithShape="1">
           <a:blip r:embed="rId3">
             <a:alphaModFix/>
           </a:blip>
-          <a:stretch>
-            <a:fillRect/>
-          </a:stretch>
+          <a:srcRect b="49998" l="0" r="0" t="22697"/>
+          <a:stretch/>
         </p:blipFill>
         <p:spPr>
           <a:xfrm>
-            <a:off x="2967400" y="1953350"/>
-            <a:ext cx="3209201" cy="3209201"/>
+            <a:off x="2058825" y="0"/>
+            <a:ext cx="4608319" cy="5143501"/>
           </a:xfrm>
           <a:prstGeom prst="rect">
             <a:avLst/>
@@ -9519,7 +10585,7 @@
   <p:cSld>
     <p:spTree>
       <p:nvGrpSpPr>
-        <p:cNvPr id="103" name="Shape 103"/>
+        <p:cNvPr id="100" name="Shape 100"/>
         <p:cNvGrpSpPr/>
         <p:nvPr/>
       </p:nvGrpSpPr>
@@ -9531,46 +10597,33 @@
           <a:chExt cx="0" cy="0"/>
         </a:xfrm>
       </p:grpSpPr>
-      <p:sp>
-        <p:nvSpPr>
-          <p:cNvPr id="104" name="Google Shape;104;p19"/>
-          <p:cNvSpPr txBox="1"/>
-          <p:nvPr>
-            <p:ph idx="1" type="body"/>
-          </p:nvPr>
-        </p:nvSpPr>
-        <p:spPr>
-          <a:xfrm>
-            <a:off x="471900" y="1919075"/>
-            <a:ext cx="8222100" cy="2710200"/>
+      <p:pic>
+        <p:nvPicPr>
+          <p:cNvPr id="101" name="Google Shape;101;p19"/>
+          <p:cNvPicPr preferRelativeResize="0"/>
+          <p:nvPr/>
+        </p:nvPicPr>
+        <p:blipFill rotWithShape="1">
+          <a:blip r:embed="rId3">
+            <a:alphaModFix/>
+          </a:blip>
+          <a:srcRect b="19119" l="0" r="0" t="52957"/>
+          <a:stretch/>
+        </p:blipFill>
+        <p:spPr>
+          <a:xfrm>
+            <a:off x="1945625" y="0"/>
+            <a:ext cx="4506119" cy="5143501"/>
           </a:xfrm>
           <a:prstGeom prst="rect">
             <a:avLst/>
           </a:prstGeom>
-        </p:spPr>
-        <p:txBody>
-          <a:bodyPr anchorCtr="0" anchor="t" bIns="91425" lIns="91425" spcFirstLastPara="1" rIns="91425" wrap="square" tIns="91425">
-            <a:normAutofit/>
-          </a:bodyPr>
-          <a:lstStyle/>
-          <a:p>
-            <a:pPr indent="0" lvl="0" marL="0" rtl="0" algn="l">
-              <a:spcBef>
-                <a:spcPts val="0"/>
-              </a:spcBef>
-              <a:spcAft>
-                <a:spcPts val="1200"/>
-              </a:spcAft>
-              <a:buNone/>
-            </a:pPr>
-            <a:r>
-              <a:rPr lang="ca"/>
-              <a:t>AQUÍ SE PONDRÁN, DIAPOSITIVA A DIAPOSITIVA, LAS BASES DE DATOS.</a:t>
-            </a:r>
-            <a:endParaRPr/>
-          </a:p>
-        </p:txBody>
-      </p:sp>
+          <a:noFill/>
+          <a:ln>
+            <a:noFill/>
+          </a:ln>
+        </p:spPr>
+      </p:pic>
     </p:spTree>
   </p:cSld>
   <p:clrMapOvr>
@@ -9584,7 +10637,7 @@
   <p:cSld>
     <p:spTree>
       <p:nvGrpSpPr>
-        <p:cNvPr id="108" name="Shape 108"/>
+        <p:cNvPr id="105" name="Shape 105"/>
         <p:cNvGrpSpPr/>
         <p:nvPr/>
       </p:nvGrpSpPr>
@@ -9596,103 +10649,23 @@
           <a:chExt cx="0" cy="0"/>
         </a:xfrm>
       </p:grpSpPr>
-      <p:sp>
-        <p:nvSpPr>
-          <p:cNvPr id="109" name="Google Shape;109;p20"/>
-          <p:cNvSpPr txBox="1"/>
-          <p:nvPr>
-            <p:ph type="title"/>
-          </p:nvPr>
-        </p:nvSpPr>
-        <p:spPr>
-          <a:xfrm>
-            <a:off x="471900" y="738725"/>
-            <a:ext cx="8222100" cy="767700"/>
-          </a:xfrm>
-          <a:prstGeom prst="rect">
-            <a:avLst/>
-          </a:prstGeom>
-        </p:spPr>
-        <p:txBody>
-          <a:bodyPr anchorCtr="0" anchor="b" bIns="91425" lIns="91425" spcFirstLastPara="1" rIns="91425" wrap="square" tIns="91425">
-            <a:normAutofit/>
-          </a:bodyPr>
-          <a:lstStyle/>
-          <a:p>
-            <a:pPr indent="0" lvl="0" marL="0" rtl="0" algn="l">
-              <a:spcBef>
-                <a:spcPts val="0"/>
-              </a:spcBef>
-              <a:spcAft>
-                <a:spcPts val="0"/>
-              </a:spcAft>
-              <a:buNone/>
-            </a:pPr>
-            <a:r>
-              <a:rPr lang="ca"/>
-              <a:t>M3 Programación</a:t>
-            </a:r>
-            <a:endParaRPr/>
-          </a:p>
-        </p:txBody>
-      </p:sp>
-      <p:sp>
-        <p:nvSpPr>
-          <p:cNvPr id="110" name="Google Shape;110;p20"/>
-          <p:cNvSpPr txBox="1"/>
-          <p:nvPr>
-            <p:ph idx="1" type="body"/>
-          </p:nvPr>
-        </p:nvSpPr>
-        <p:spPr>
-          <a:xfrm>
-            <a:off x="471900" y="1919075"/>
-            <a:ext cx="8222100" cy="2710200"/>
-          </a:xfrm>
-          <a:prstGeom prst="rect">
-            <a:avLst/>
-          </a:prstGeom>
-        </p:spPr>
-        <p:txBody>
-          <a:bodyPr anchorCtr="0" anchor="t" bIns="91425" lIns="91425" spcFirstLastPara="1" rIns="91425" wrap="square" tIns="91425">
-            <a:normAutofit/>
-          </a:bodyPr>
-          <a:lstStyle/>
-          <a:p>
-            <a:pPr indent="0" lvl="0" marL="0" rtl="0" algn="l">
-              <a:spcBef>
-                <a:spcPts val="0"/>
-              </a:spcBef>
-              <a:spcAft>
-                <a:spcPts val="1200"/>
-              </a:spcAft>
-              <a:buNone/>
-            </a:pPr>
-            <a:r>
-              <a:t/>
-            </a:r>
-            <a:endParaRPr/>
-          </a:p>
-        </p:txBody>
-      </p:sp>
       <p:pic>
         <p:nvPicPr>
-          <p:cNvPr id="111" name="Google Shape;111;p20"/>
+          <p:cNvPr id="106" name="Google Shape;106;p20"/>
           <p:cNvPicPr preferRelativeResize="0"/>
           <p:nvPr/>
         </p:nvPicPr>
-        <p:blipFill>
+        <p:blipFill rotWithShape="1">
           <a:blip r:embed="rId3">
             <a:alphaModFix/>
           </a:blip>
-          <a:stretch>
-            <a:fillRect/>
-          </a:stretch>
+          <a:srcRect b="0" l="0" r="0" t="73865"/>
+          <a:stretch/>
         </p:blipFill>
         <p:spPr>
           <a:xfrm>
-            <a:off x="2666775" y="1686775"/>
-            <a:ext cx="3456725" cy="3456725"/>
+            <a:off x="1832425" y="-2"/>
+            <a:ext cx="4814438" cy="5143501"/>
           </a:xfrm>
           <a:prstGeom prst="rect">
             <a:avLst/>
@@ -9716,7 +10689,7 @@
   <p:cSld>
     <p:spTree>
       <p:nvGrpSpPr>
-        <p:cNvPr id="115" name="Shape 115"/>
+        <p:cNvPr id="110" name="Shape 110"/>
         <p:cNvGrpSpPr/>
         <p:nvPr/>
       </p:nvGrpSpPr>
@@ -9728,46 +10701,33 @@
           <a:chExt cx="0" cy="0"/>
         </a:xfrm>
       </p:grpSpPr>
-      <p:sp>
-        <p:nvSpPr>
-          <p:cNvPr id="116" name="Google Shape;116;p21"/>
-          <p:cNvSpPr txBox="1"/>
-          <p:nvPr>
-            <p:ph idx="1" type="body"/>
-          </p:nvPr>
-        </p:nvSpPr>
-        <p:spPr>
-          <a:xfrm>
-            <a:off x="471900" y="1919075"/>
-            <a:ext cx="8222100" cy="2710200"/>
+      <p:pic>
+        <p:nvPicPr>
+          <p:cNvPr id="111" name="Google Shape;111;p21"/>
+          <p:cNvPicPr preferRelativeResize="0"/>
+          <p:nvPr/>
+        </p:nvPicPr>
+        <p:blipFill rotWithShape="1">
+          <a:blip r:embed="rId3">
+            <a:alphaModFix/>
+          </a:blip>
+          <a:srcRect b="55295" l="0" r="0" t="0"/>
+          <a:stretch/>
+        </p:blipFill>
+        <p:spPr>
+          <a:xfrm>
+            <a:off x="0" y="0"/>
+            <a:ext cx="9144000" cy="5143500"/>
           </a:xfrm>
           <a:prstGeom prst="rect">
             <a:avLst/>
           </a:prstGeom>
-        </p:spPr>
-        <p:txBody>
-          <a:bodyPr anchorCtr="0" anchor="t" bIns="91425" lIns="91425" spcFirstLastPara="1" rIns="91425" wrap="square" tIns="91425">
-            <a:normAutofit/>
-          </a:bodyPr>
-          <a:lstStyle/>
-          <a:p>
-            <a:pPr indent="0" lvl="0" marL="0" rtl="0" algn="l">
-              <a:spcBef>
-                <a:spcPts val="0"/>
-              </a:spcBef>
-              <a:spcAft>
-                <a:spcPts val="1200"/>
-              </a:spcAft>
-              <a:buNone/>
-            </a:pPr>
-            <a:r>
-              <a:rPr lang="ca"/>
-              <a:t>AQUÍ SE PONDRÁ UNA ANIMACIÓN O VIDEO QUE SIMULE LA MECÁNICA DE JUEGO</a:t>
-            </a:r>
-            <a:endParaRPr/>
-          </a:p>
-        </p:txBody>
-      </p:sp>
+          <a:noFill/>
+          <a:ln>
+            <a:noFill/>
+          </a:ln>
+        </p:spPr>
+      </p:pic>
     </p:spTree>
   </p:cSld>
   <p:clrMapOvr>
@@ -9777,6 +10737,285 @@
 </file>
 
 <file path=ppt/theme/theme1.xml><?xml version="1.0" encoding="utf-8"?>
+<a:theme xmlns:a="http://schemas.openxmlformats.org/drawingml/2006/main" xmlns:r="http://schemas.openxmlformats.org/officeDocument/2006/relationships" name="Material">
+  <a:themeElements>
+    <a:clrScheme name="Material">
+      <a:dk1>
+        <a:srgbClr val="4285F4"/>
+      </a:dk1>
+      <a:lt1>
+        <a:srgbClr val="FFFFFF"/>
+      </a:lt1>
+      <a:dk2>
+        <a:srgbClr val="424242"/>
+      </a:dk2>
+      <a:lt2>
+        <a:srgbClr val="737373"/>
+      </a:lt2>
+      <a:accent1>
+        <a:srgbClr val="0277BD"/>
+      </a:accent1>
+      <a:accent2>
+        <a:srgbClr val="0F9D58"/>
+      </a:accent2>
+      <a:accent3>
+        <a:srgbClr val="DB4437"/>
+      </a:accent3>
+      <a:accent4>
+        <a:srgbClr val="FAFAFA"/>
+      </a:accent4>
+      <a:accent5>
+        <a:srgbClr val="1A237E"/>
+      </a:accent5>
+      <a:accent6>
+        <a:srgbClr val="F4B400"/>
+      </a:accent6>
+      <a:hlink>
+        <a:srgbClr val="1A237E"/>
+      </a:hlink>
+      <a:folHlink>
+        <a:srgbClr val="1A237E"/>
+      </a:folHlink>
+    </a:clrScheme>
+    <a:fontScheme name="Office">
+      <a:majorFont>
+        <a:latin typeface="Arial"/>
+        <a:ea typeface=""/>
+        <a:cs typeface=""/>
+        <a:font script="Jpan" typeface="ＭＳ Ｐゴシック"/>
+        <a:font script="Hang" typeface="맑은 고딕"/>
+        <a:font script="Hans" typeface="宋体"/>
+        <a:font script="Hant" typeface="新細明體"/>
+        <a:font script="Arab" typeface="Times New Roman"/>
+        <a:font script="Hebr" typeface="Times New Roman"/>
+        <a:font script="Thai" typeface="Angsana New"/>
+        <a:font script="Ethi" typeface="Nyala"/>
+        <a:font script="Beng" typeface="Vrinda"/>
+        <a:font script="Gujr" typeface="Shruti"/>
+        <a:font script="Khmr" typeface="MoolBoran"/>
+        <a:font script="Knda" typeface="Tunga"/>
+        <a:font script="Guru" typeface="Raavi"/>
+        <a:font script="Cans" typeface="Euphemia"/>
+        <a:font script="Cher" typeface="Plantagenet Cherokee"/>
+        <a:font script="Yiii" typeface="Microsoft Yi Baiti"/>
+        <a:font script="Tibt" typeface="Microsoft Himalaya"/>
+        <a:font script="Thaa" typeface="MV Boli"/>
+        <a:font script="Deva" typeface="Mangal"/>
+        <a:font script="Telu" typeface="Gautami"/>
+        <a:font script="Taml" typeface="Latha"/>
+        <a:font script="Syrc" typeface="Estrangelo Edessa"/>
+        <a:font script="Orya" typeface="Kalinga"/>
+        <a:font script="Mlym" typeface="Kartika"/>
+        <a:font script="Laoo" typeface="DokChampa"/>
+        <a:font script="Sinh" typeface="Iskoola Pota"/>
+        <a:font script="Mong" typeface="Mongolian Baiti"/>
+        <a:font script="Viet" typeface="Times New Roman"/>
+        <a:font script="Uigh" typeface="Microsoft Uighur"/>
+        <a:font script="Geor" typeface="Sylfaen"/>
+      </a:majorFont>
+      <a:minorFont>
+        <a:latin typeface="Arial"/>
+        <a:ea typeface=""/>
+        <a:cs typeface=""/>
+        <a:font script="Jpan" typeface="ＭＳ Ｐゴシック"/>
+        <a:font script="Hang" typeface="맑은 고딕"/>
+        <a:font script="Hans" typeface="宋体"/>
+        <a:font script="Hant" typeface="新細明體"/>
+        <a:font script="Arab" typeface="Arial"/>
+        <a:font script="Hebr" typeface="Arial"/>
+        <a:font script="Thai" typeface="Cordia New"/>
+        <a:font script="Ethi" typeface="Nyala"/>
+        <a:font script="Beng" typeface="Vrinda"/>
+        <a:font script="Gujr" typeface="Shruti"/>
+        <a:font script="Khmr" typeface="DaunPenh"/>
+        <a:font script="Knda" typeface="Tunga"/>
+        <a:font script="Guru" typeface="Raavi"/>
+        <a:font script="Cans" typeface="Euphemia"/>
+        <a:font script="Cher" typeface="Plantagenet Cherokee"/>
+        <a:font script="Yiii" typeface="Microsoft Yi Baiti"/>
+        <a:font script="Tibt" typeface="Microsoft Himalaya"/>
+        <a:font script="Thaa" typeface="MV Boli"/>
+        <a:font script="Deva" typeface="Mangal"/>
+        <a:font script="Telu" typeface="Gautami"/>
+        <a:font script="Taml" typeface="Latha"/>
+        <a:font script="Syrc" typeface="Estrangelo Edessa"/>
+        <a:font script="Orya" typeface="Kalinga"/>
+        <a:font script="Mlym" typeface="Kartika"/>
+        <a:font script="Laoo" typeface="DokChampa"/>
+        <a:font script="Sinh" typeface="Iskoola Pota"/>
+        <a:font script="Mong" typeface="Mongolian Baiti"/>
+        <a:font script="Viet" typeface="Arial"/>
+        <a:font script="Uigh" typeface="Microsoft Uighur"/>
+        <a:font script="Geor" typeface="Sylfaen"/>
+      </a:minorFont>
+    </a:fontScheme>
+    <a:fmtScheme name="Office">
+      <a:fillStyleLst>
+        <a:solidFill>
+          <a:schemeClr val="phClr"/>
+        </a:solidFill>
+        <a:gradFill rotWithShape="1">
+          <a:gsLst>
+            <a:gs pos="0">
+              <a:schemeClr val="phClr">
+                <a:tint val="50000"/>
+                <a:satMod val="300000"/>
+              </a:schemeClr>
+            </a:gs>
+            <a:gs pos="35000">
+              <a:schemeClr val="phClr">
+                <a:tint val="37000"/>
+                <a:satMod val="300000"/>
+              </a:schemeClr>
+            </a:gs>
+            <a:gs pos="100000">
+              <a:schemeClr val="phClr">
+                <a:tint val="15000"/>
+                <a:satMod val="350000"/>
+              </a:schemeClr>
+            </a:gs>
+          </a:gsLst>
+          <a:lin ang="16200000" scaled="1"/>
+        </a:gradFill>
+        <a:gradFill rotWithShape="1">
+          <a:gsLst>
+            <a:gs pos="0">
+              <a:schemeClr val="phClr">
+                <a:tint val="100000"/>
+                <a:shade val="100000"/>
+                <a:satMod val="130000"/>
+              </a:schemeClr>
+            </a:gs>
+            <a:gs pos="100000">
+              <a:schemeClr val="phClr">
+                <a:tint val="50000"/>
+                <a:shade val="100000"/>
+                <a:satMod val="350000"/>
+              </a:schemeClr>
+            </a:gs>
+          </a:gsLst>
+          <a:lin ang="16200000" scaled="0"/>
+        </a:gradFill>
+      </a:fillStyleLst>
+      <a:lnStyleLst>
+        <a:ln w="9525" cap="flat" cmpd="sng" algn="ctr">
+          <a:solidFill>
+            <a:schemeClr val="phClr">
+              <a:shade val="95000"/>
+              <a:satMod val="105000"/>
+            </a:schemeClr>
+          </a:solidFill>
+          <a:prstDash val="solid"/>
+        </a:ln>
+        <a:ln w="25400" cap="flat" cmpd="sng" algn="ctr">
+          <a:solidFill>
+            <a:schemeClr val="phClr"/>
+          </a:solidFill>
+          <a:prstDash val="solid"/>
+        </a:ln>
+        <a:ln w="38100" cap="flat" cmpd="sng" algn="ctr">
+          <a:solidFill>
+            <a:schemeClr val="phClr"/>
+          </a:solidFill>
+          <a:prstDash val="solid"/>
+        </a:ln>
+      </a:lnStyleLst>
+      <a:effectStyleLst>
+        <a:effectStyle>
+          <a:effectLst>
+            <a:outerShdw blurRad="40000" dist="20000" dir="5400000" rotWithShape="0">
+              <a:srgbClr val="000000">
+                <a:alpha val="38000"/>
+              </a:srgbClr>
+            </a:outerShdw>
+          </a:effectLst>
+        </a:effectStyle>
+        <a:effectStyle>
+          <a:effectLst>
+            <a:outerShdw blurRad="40000" dist="23000" dir="5400000" rotWithShape="0">
+              <a:srgbClr val="000000">
+                <a:alpha val="35000"/>
+              </a:srgbClr>
+            </a:outerShdw>
+          </a:effectLst>
+        </a:effectStyle>
+        <a:effectStyle>
+          <a:effectLst>
+            <a:outerShdw blurRad="40000" dist="23000" dir="5400000" rotWithShape="0">
+              <a:srgbClr val="000000">
+                <a:alpha val="35000"/>
+              </a:srgbClr>
+            </a:outerShdw>
+          </a:effectLst>
+          <a:scene3d>
+            <a:camera prst="orthographicFront">
+              <a:rot lat="0" lon="0" rev="0"/>
+            </a:camera>
+            <a:lightRig rig="threePt" dir="t">
+              <a:rot lat="0" lon="0" rev="1200000"/>
+            </a:lightRig>
+          </a:scene3d>
+          <a:sp3d>
+            <a:bevelT w="63500" h="25400"/>
+          </a:sp3d>
+        </a:effectStyle>
+      </a:effectStyleLst>
+      <a:bgFillStyleLst>
+        <a:solidFill>
+          <a:schemeClr val="phClr"/>
+        </a:solidFill>
+        <a:gradFill rotWithShape="1">
+          <a:gsLst>
+            <a:gs pos="0">
+              <a:schemeClr val="phClr">
+                <a:tint val="40000"/>
+                <a:satMod val="350000"/>
+              </a:schemeClr>
+            </a:gs>
+            <a:gs pos="40000">
+              <a:schemeClr val="phClr">
+                <a:tint val="45000"/>
+                <a:shade val="99000"/>
+                <a:satMod val="350000"/>
+              </a:schemeClr>
+            </a:gs>
+            <a:gs pos="100000">
+              <a:schemeClr val="phClr">
+                <a:shade val="20000"/>
+                <a:satMod val="255000"/>
+              </a:schemeClr>
+            </a:gs>
+          </a:gsLst>
+          <a:path path="circle">
+            <a:fillToRect l="50000" t="-80000" r="50000" b="180000"/>
+          </a:path>
+        </a:gradFill>
+        <a:gradFill rotWithShape="1">
+          <a:gsLst>
+            <a:gs pos="0">
+              <a:schemeClr val="phClr">
+                <a:tint val="80000"/>
+                <a:satMod val="300000"/>
+              </a:schemeClr>
+            </a:gs>
+            <a:gs pos="100000">
+              <a:schemeClr val="phClr">
+                <a:shade val="30000"/>
+                <a:satMod val="200000"/>
+              </a:schemeClr>
+            </a:gs>
+          </a:gsLst>
+          <a:path path="circle">
+            <a:fillToRect l="50000" t="50000" r="50000" b="50000"/>
+          </a:path>
+        </a:gradFill>
+      </a:bgFillStyleLst>
+    </a:fmtScheme>
+  </a:themeElements>
+</a:theme>
+</file>
+
+<file path=ppt/theme/theme2.xml><?xml version="1.0" encoding="utf-8"?>
 <a:theme xmlns:a="http://schemas.openxmlformats.org/drawingml/2006/main" xmlns:r="http://schemas.openxmlformats.org/officeDocument/2006/relationships">
   <a:themeElements>
     <a:clrScheme name="Default">
@@ -10053,283 +11292,4 @@
     </a:fmtScheme>
   </a:themeElements>
 </a:theme>
-</file>
-
-<file path=ppt/theme/theme2.xml><?xml version="1.0" encoding="utf-8"?>
-<a:theme xmlns:a="http://schemas.openxmlformats.org/drawingml/2006/main" xmlns:r="http://schemas.openxmlformats.org/officeDocument/2006/relationships" name="Material">
-  <a:themeElements>
-    <a:clrScheme name="Material">
-      <a:dk1>
-        <a:srgbClr val="4285F4"/>
-      </a:dk1>
-      <a:lt1>
-        <a:srgbClr val="FFFFFF"/>
-      </a:lt1>
-      <a:dk2>
-        <a:srgbClr val="424242"/>
-      </a:dk2>
-      <a:lt2>
-        <a:srgbClr val="737373"/>
-      </a:lt2>
-      <a:accent1>
-        <a:srgbClr val="0277BD"/>
-      </a:accent1>
-      <a:accent2>
-        <a:srgbClr val="0F9D58"/>
-      </a:accent2>
-      <a:accent3>
-        <a:srgbClr val="DB4437"/>
-      </a:accent3>
-      <a:accent4>
-        <a:srgbClr val="FAFAFA"/>
-      </a:accent4>
-      <a:accent5>
-        <a:srgbClr val="1A237E"/>
-      </a:accent5>
-      <a:accent6>
-        <a:srgbClr val="F4B400"/>
-      </a:accent6>
-      <a:hlink>
-        <a:srgbClr val="1A237E"/>
-      </a:hlink>
-      <a:folHlink>
-        <a:srgbClr val="1A237E"/>
-      </a:folHlink>
-    </a:clrScheme>
-    <a:fontScheme name="Office">
-      <a:majorFont>
-        <a:latin typeface="Arial"/>
-        <a:ea typeface=""/>
-        <a:cs typeface=""/>
-        <a:font script="Jpan" typeface="ＭＳ Ｐゴシック"/>
-        <a:font script="Hang" typeface="맑은 고딕"/>
-        <a:font script="Hans" typeface="宋体"/>
-        <a:font script="Hant" typeface="新細明體"/>
-        <a:font script="Arab" typeface="Times New Roman"/>
-        <a:font script="Hebr" typeface="Times New Roman"/>
-        <a:font script="Thai" typeface="Angsana New"/>
-        <a:font script="Ethi" typeface="Nyala"/>
-        <a:font script="Beng" typeface="Vrinda"/>
-        <a:font script="Gujr" typeface="Shruti"/>
-        <a:font script="Khmr" typeface="MoolBoran"/>
-        <a:font script="Knda" typeface="Tunga"/>
-        <a:font script="Guru" typeface="Raavi"/>
-        <a:font script="Cans" typeface="Euphemia"/>
-        <a:font script="Cher" typeface="Plantagenet Cherokee"/>
-        <a:font script="Yiii" typeface="Microsoft Yi Baiti"/>
-        <a:font script="Tibt" typeface="Microsoft Himalaya"/>
-        <a:font script="Thaa" typeface="MV Boli"/>
-        <a:font script="Deva" typeface="Mangal"/>
-        <a:font script="Telu" typeface="Gautami"/>
-        <a:font script="Taml" typeface="Latha"/>
-        <a:font script="Syrc" typeface="Estrangelo Edessa"/>
-        <a:font script="Orya" typeface="Kalinga"/>
-        <a:font script="Mlym" typeface="Kartika"/>
-        <a:font script="Laoo" typeface="DokChampa"/>
-        <a:font script="Sinh" typeface="Iskoola Pota"/>
-        <a:font script="Mong" typeface="Mongolian Baiti"/>
-        <a:font script="Viet" typeface="Times New Roman"/>
-        <a:font script="Uigh" typeface="Microsoft Uighur"/>
-        <a:font script="Geor" typeface="Sylfaen"/>
-      </a:majorFont>
-      <a:minorFont>
-        <a:latin typeface="Arial"/>
-        <a:ea typeface=""/>
-        <a:cs typeface=""/>
-        <a:font script="Jpan" typeface="ＭＳ Ｐゴシック"/>
-        <a:font script="Hang" typeface="맑은 고딕"/>
-        <a:font script="Hans" typeface="宋体"/>
-        <a:font script="Hant" typeface="新細明體"/>
-        <a:font script="Arab" typeface="Arial"/>
-        <a:font script="Hebr" typeface="Arial"/>
-        <a:font script="Thai" typeface="Cordia New"/>
-        <a:font script="Ethi" typeface="Nyala"/>
-        <a:font script="Beng" typeface="Vrinda"/>
-        <a:font script="Gujr" typeface="Shruti"/>
-        <a:font script="Khmr" typeface="DaunPenh"/>
-        <a:font script="Knda" typeface="Tunga"/>
-        <a:font script="Guru" typeface="Raavi"/>
-        <a:font script="Cans" typeface="Euphemia"/>
-        <a:font script="Cher" typeface="Plantagenet Cherokee"/>
-        <a:font script="Yiii" typeface="Microsoft Yi Baiti"/>
-        <a:font script="Tibt" typeface="Microsoft Himalaya"/>
-        <a:font script="Thaa" typeface="MV Boli"/>
-        <a:font script="Deva" typeface="Mangal"/>
-        <a:font script="Telu" typeface="Gautami"/>
-        <a:font script="Taml" typeface="Latha"/>
-        <a:font script="Syrc" typeface="Estrangelo Edessa"/>
-        <a:font script="Orya" typeface="Kalinga"/>
-        <a:font script="Mlym" typeface="Kartika"/>
-        <a:font script="Laoo" typeface="DokChampa"/>
-        <a:font script="Sinh" typeface="Iskoola Pota"/>
-        <a:font script="Mong" typeface="Mongolian Baiti"/>
-        <a:font script="Viet" typeface="Arial"/>
-        <a:font script="Uigh" typeface="Microsoft Uighur"/>
-        <a:font script="Geor" typeface="Sylfaen"/>
-      </a:minorFont>
-    </a:fontScheme>
-    <a:fmtScheme name="Office">
-      <a:fillStyleLst>
-        <a:solidFill>
-          <a:schemeClr val="phClr"/>
-        </a:solidFill>
-        <a:gradFill rotWithShape="1">
-          <a:gsLst>
-            <a:gs pos="0">
-              <a:schemeClr val="phClr">
-                <a:tint val="50000"/>
-                <a:satMod val="300000"/>
-              </a:schemeClr>
-            </a:gs>
-            <a:gs pos="35000">
-              <a:schemeClr val="phClr">
-                <a:tint val="37000"/>
-                <a:satMod val="300000"/>
-              </a:schemeClr>
-            </a:gs>
-            <a:gs pos="100000">
-              <a:schemeClr val="phClr">
-                <a:tint val="15000"/>
-                <a:satMod val="350000"/>
-              </a:schemeClr>
-            </a:gs>
-          </a:gsLst>
-          <a:lin ang="16200000" scaled="1"/>
-        </a:gradFill>
-        <a:gradFill rotWithShape="1">
-          <a:gsLst>
-            <a:gs pos="0">
-              <a:schemeClr val="phClr">
-                <a:tint val="100000"/>
-                <a:shade val="100000"/>
-                <a:satMod val="130000"/>
-              </a:schemeClr>
-            </a:gs>
-            <a:gs pos="100000">
-              <a:schemeClr val="phClr">
-                <a:tint val="50000"/>
-                <a:shade val="100000"/>
-                <a:satMod val="350000"/>
-              </a:schemeClr>
-            </a:gs>
-          </a:gsLst>
-          <a:lin ang="16200000" scaled="0"/>
-        </a:gradFill>
-      </a:fillStyleLst>
-      <a:lnStyleLst>
-        <a:ln w="9525" cap="flat" cmpd="sng" algn="ctr">
-          <a:solidFill>
-            <a:schemeClr val="phClr">
-              <a:shade val="95000"/>
-              <a:satMod val="105000"/>
-            </a:schemeClr>
-          </a:solidFill>
-          <a:prstDash val="solid"/>
-        </a:ln>
-        <a:ln w="25400" cap="flat" cmpd="sng" algn="ctr">
-          <a:solidFill>
-            <a:schemeClr val="phClr"/>
-          </a:solidFill>
-          <a:prstDash val="solid"/>
-        </a:ln>
-        <a:ln w="38100" cap="flat" cmpd="sng" algn="ctr">
-          <a:solidFill>
-            <a:schemeClr val="phClr"/>
-          </a:solidFill>
-          <a:prstDash val="solid"/>
-        </a:ln>
-      </a:lnStyleLst>
-      <a:effectStyleLst>
-        <a:effectStyle>
-          <a:effectLst>
-            <a:outerShdw blurRad="40000" dist="20000" dir="5400000" rotWithShape="0">
-              <a:srgbClr val="000000">
-                <a:alpha val="38000"/>
-              </a:srgbClr>
-            </a:outerShdw>
-          </a:effectLst>
-        </a:effectStyle>
-        <a:effectStyle>
-          <a:effectLst>
-            <a:outerShdw blurRad="40000" dist="23000" dir="5400000" rotWithShape="0">
-              <a:srgbClr val="000000">
-                <a:alpha val="35000"/>
-              </a:srgbClr>
-            </a:outerShdw>
-          </a:effectLst>
-        </a:effectStyle>
-        <a:effectStyle>
-          <a:effectLst>
-            <a:outerShdw blurRad="40000" dist="23000" dir="5400000" rotWithShape="0">
-              <a:srgbClr val="000000">
-                <a:alpha val="35000"/>
-              </a:srgbClr>
-            </a:outerShdw>
-          </a:effectLst>
-          <a:scene3d>
-            <a:camera prst="orthographicFront">
-              <a:rot lat="0" lon="0" rev="0"/>
-            </a:camera>
-            <a:lightRig rig="threePt" dir="t">
-              <a:rot lat="0" lon="0" rev="1200000"/>
-            </a:lightRig>
-          </a:scene3d>
-          <a:sp3d>
-            <a:bevelT w="63500" h="25400"/>
-          </a:sp3d>
-        </a:effectStyle>
-      </a:effectStyleLst>
-      <a:bgFillStyleLst>
-        <a:solidFill>
-          <a:schemeClr val="phClr"/>
-        </a:solidFill>
-        <a:gradFill rotWithShape="1">
-          <a:gsLst>
-            <a:gs pos="0">
-              <a:schemeClr val="phClr">
-                <a:tint val="40000"/>
-                <a:satMod val="350000"/>
-              </a:schemeClr>
-            </a:gs>
-            <a:gs pos="40000">
-              <a:schemeClr val="phClr">
-                <a:tint val="45000"/>
-                <a:shade val="99000"/>
-                <a:satMod val="350000"/>
-              </a:schemeClr>
-            </a:gs>
-            <a:gs pos="100000">
-              <a:schemeClr val="phClr">
-                <a:shade val="20000"/>
-                <a:satMod val="255000"/>
-              </a:schemeClr>
-            </a:gs>
-          </a:gsLst>
-          <a:path path="circle">
-            <a:fillToRect l="50000" t="-80000" r="50000" b="180000"/>
-          </a:path>
-        </a:gradFill>
-        <a:gradFill rotWithShape="1">
-          <a:gsLst>
-            <a:gs pos="0">
-              <a:schemeClr val="phClr">
-                <a:tint val="80000"/>
-                <a:satMod val="300000"/>
-              </a:schemeClr>
-            </a:gs>
-            <a:gs pos="100000">
-              <a:schemeClr val="phClr">
-                <a:shade val="30000"/>
-                <a:satMod val="200000"/>
-              </a:schemeClr>
-            </a:gs>
-          </a:gsLst>
-          <a:path path="circle">
-            <a:fillToRect l="50000" t="50000" r="50000" b="50000"/>
-          </a:path>
-        </a:gradFill>
-      </a:bgFillStyleLst>
-    </a:fmtScheme>
-  </a:themeElements>
-</a:theme>
 </file>